--- a/Redis Admin Guide.pptx
+++ b/Redis Admin Guide.pptx
@@ -5,7 +5,7 @@
     <p:sldMasterId id="2147483672" r:id="rId1"/>
   </p:sldMasterIdLst>
   <p:notesMasterIdLst>
-    <p:notesMasterId r:id="rId75"/>
+    <p:notesMasterId r:id="rId109"/>
   </p:notesMasterIdLst>
   <p:sldIdLst>
     <p:sldId id="256" r:id="rId2"/>
@@ -81,6 +81,40 @@
     <p:sldId id="324" r:id="rId72"/>
     <p:sldId id="325" r:id="rId73"/>
     <p:sldId id="326" r:id="rId74"/>
+    <p:sldId id="330" r:id="rId75"/>
+    <p:sldId id="329" r:id="rId76"/>
+    <p:sldId id="331" r:id="rId77"/>
+    <p:sldId id="361" r:id="rId78"/>
+    <p:sldId id="333" r:id="rId79"/>
+    <p:sldId id="334" r:id="rId80"/>
+    <p:sldId id="335" r:id="rId81"/>
+    <p:sldId id="363" r:id="rId82"/>
+    <p:sldId id="336" r:id="rId83"/>
+    <p:sldId id="337" r:id="rId84"/>
+    <p:sldId id="332" r:id="rId85"/>
+    <p:sldId id="339" r:id="rId86"/>
+    <p:sldId id="338" r:id="rId87"/>
+    <p:sldId id="340" r:id="rId88"/>
+    <p:sldId id="341" r:id="rId89"/>
+    <p:sldId id="342" r:id="rId90"/>
+    <p:sldId id="343" r:id="rId91"/>
+    <p:sldId id="345" r:id="rId92"/>
+    <p:sldId id="346" r:id="rId93"/>
+    <p:sldId id="347" r:id="rId94"/>
+    <p:sldId id="348" r:id="rId95"/>
+    <p:sldId id="349" r:id="rId96"/>
+    <p:sldId id="350" r:id="rId97"/>
+    <p:sldId id="364" r:id="rId98"/>
+    <p:sldId id="351" r:id="rId99"/>
+    <p:sldId id="353" r:id="rId100"/>
+    <p:sldId id="360" r:id="rId101"/>
+    <p:sldId id="352" r:id="rId102"/>
+    <p:sldId id="359" r:id="rId103"/>
+    <p:sldId id="356" r:id="rId104"/>
+    <p:sldId id="357" r:id="rId105"/>
+    <p:sldId id="358" r:id="rId106"/>
+    <p:sldId id="354" r:id="rId107"/>
+    <p:sldId id="365" r:id="rId108"/>
   </p:sldIdLst>
   <p:sldSz cx="12192000" cy="6858000"/>
   <p:notesSz cx="6858000" cy="9144000"/>
@@ -179,6 +213,11 @@
       </a:defRPr>
     </a:lvl9pPr>
   </p:defaultTextStyle>
+  <p:extLst>
+    <p:ext uri="{EFAFB233-063F-42B5-8137-9DF3F51BA10A}">
+      <p15:sldGuideLst xmlns:p15="http://schemas.microsoft.com/office/powerpoint/2012/main"/>
+    </p:ext>
+  </p:extLst>
 </p:presentation>
 </file>
 
@@ -264,7 +303,7 @@
           <a:p>
             <a:fld id="{8D4DF448-8FF8-41A0-ACFA-0A4D253E2962}" type="datetimeFigureOut">
               <a:rPr lang="en-IN" smtClean="0"/>
-              <a:t>01-12-2020</a:t>
+              <a:t>03-12-2020</a:t>
             </a:fld>
             <a:endParaRPr lang="en-IN"/>
           </a:p>
@@ -933,7 +972,7 @@
           <a:p>
             <a:fld id="{8B0AC623-F130-4C46-9951-3DBB12FBE2E5}" type="slidenum">
               <a:rPr lang="en-IN" smtClean="0"/>
-              <a:t>72</a:t>
+              <a:t>64</a:t>
             </a:fld>
             <a:endParaRPr lang="en-IN"/>
           </a:p>
@@ -942,7 +981,7 @@
     </p:spTree>
     <p:extLst>
       <p:ext uri="{BB962C8B-B14F-4D97-AF65-F5344CB8AC3E}">
-        <p14:creationId xmlns:p14="http://schemas.microsoft.com/office/powerpoint/2010/main" val="3715326534"/>
+        <p14:creationId xmlns:p14="http://schemas.microsoft.com/office/powerpoint/2010/main" val="222377077"/>
       </p:ext>
     </p:extLst>
   </p:cSld>
@@ -1017,6 +1056,90 @@
           <a:p>
             <a:fld id="{8B0AC623-F130-4C46-9951-3DBB12FBE2E5}" type="slidenum">
               <a:rPr lang="en-IN" smtClean="0"/>
+              <a:t>72</a:t>
+            </a:fld>
+            <a:endParaRPr lang="en-IN"/>
+          </a:p>
+        </p:txBody>
+      </p:sp>
+    </p:spTree>
+    <p:extLst>
+      <p:ext uri="{BB962C8B-B14F-4D97-AF65-F5344CB8AC3E}">
+        <p14:creationId xmlns:p14="http://schemas.microsoft.com/office/powerpoint/2010/main" val="3715326534"/>
+      </p:ext>
+    </p:extLst>
+  </p:cSld>
+  <p:clrMapOvr>
+    <a:masterClrMapping/>
+  </p:clrMapOvr>
+</p:notes>
+</file>
+
+<file path=ppt/notesSlides/notesSlide15.xml><?xml version="1.0" encoding="utf-8"?>
+<p:notes xmlns:a="http://schemas.openxmlformats.org/drawingml/2006/main" xmlns:r="http://schemas.openxmlformats.org/officeDocument/2006/relationships" xmlns:p="http://schemas.openxmlformats.org/presentationml/2006/main">
+  <p:cSld>
+    <p:spTree>
+      <p:nvGrpSpPr>
+        <p:cNvPr id="1" name=""/>
+        <p:cNvGrpSpPr/>
+        <p:nvPr/>
+      </p:nvGrpSpPr>
+      <p:grpSpPr>
+        <a:xfrm>
+          <a:off x="0" y="0"/>
+          <a:ext cx="0" cy="0"/>
+          <a:chOff x="0" y="0"/>
+          <a:chExt cx="0" cy="0"/>
+        </a:xfrm>
+      </p:grpSpPr>
+      <p:sp>
+        <p:nvSpPr>
+          <p:cNvPr id="2" name="Slide Image Placeholder 1"/>
+          <p:cNvSpPr>
+            <a:spLocks noGrp="1" noRot="1" noChangeAspect="1"/>
+          </p:cNvSpPr>
+          <p:nvPr>
+            <p:ph type="sldImg"/>
+          </p:nvPr>
+        </p:nvSpPr>
+        <p:spPr/>
+      </p:sp>
+      <p:sp>
+        <p:nvSpPr>
+          <p:cNvPr id="3" name="Notes Placeholder 2"/>
+          <p:cNvSpPr>
+            <a:spLocks noGrp="1"/>
+          </p:cNvSpPr>
+          <p:nvPr>
+            <p:ph type="body" idx="1"/>
+          </p:nvPr>
+        </p:nvSpPr>
+        <p:spPr/>
+        <p:txBody>
+          <a:bodyPr/>
+          <a:lstStyle/>
+          <a:p>
+            <a:endParaRPr lang="en-IN" dirty="0"/>
+          </a:p>
+        </p:txBody>
+      </p:sp>
+      <p:sp>
+        <p:nvSpPr>
+          <p:cNvPr id="4" name="Slide Number Placeholder 3"/>
+          <p:cNvSpPr>
+            <a:spLocks noGrp="1"/>
+          </p:cNvSpPr>
+          <p:nvPr>
+            <p:ph type="sldNum" sz="quarter" idx="5"/>
+          </p:nvPr>
+        </p:nvSpPr>
+        <p:spPr/>
+        <p:txBody>
+          <a:bodyPr/>
+          <a:lstStyle/>
+          <a:p>
+            <a:fld id="{8B0AC623-F130-4C46-9951-3DBB12FBE2E5}" type="slidenum">
+              <a:rPr lang="en-IN" smtClean="0"/>
               <a:t>73</a:t>
             </a:fld>
             <a:endParaRPr lang="en-IN"/>
@@ -1027,6 +1150,342 @@
     <p:extLst>
       <p:ext uri="{BB962C8B-B14F-4D97-AF65-F5344CB8AC3E}">
         <p14:creationId xmlns:p14="http://schemas.microsoft.com/office/powerpoint/2010/main" val="2776405594"/>
+      </p:ext>
+    </p:extLst>
+  </p:cSld>
+  <p:clrMapOvr>
+    <a:masterClrMapping/>
+  </p:clrMapOvr>
+</p:notes>
+</file>
+
+<file path=ppt/notesSlides/notesSlide16.xml><?xml version="1.0" encoding="utf-8"?>
+<p:notes xmlns:a="http://schemas.openxmlformats.org/drawingml/2006/main" xmlns:r="http://schemas.openxmlformats.org/officeDocument/2006/relationships" xmlns:p="http://schemas.openxmlformats.org/presentationml/2006/main">
+  <p:cSld>
+    <p:spTree>
+      <p:nvGrpSpPr>
+        <p:cNvPr id="1" name=""/>
+        <p:cNvGrpSpPr/>
+        <p:nvPr/>
+      </p:nvGrpSpPr>
+      <p:grpSpPr>
+        <a:xfrm>
+          <a:off x="0" y="0"/>
+          <a:ext cx="0" cy="0"/>
+          <a:chOff x="0" y="0"/>
+          <a:chExt cx="0" cy="0"/>
+        </a:xfrm>
+      </p:grpSpPr>
+      <p:sp>
+        <p:nvSpPr>
+          <p:cNvPr id="2" name="Slide Image Placeholder 1"/>
+          <p:cNvSpPr>
+            <a:spLocks noGrp="1" noRot="1" noChangeAspect="1"/>
+          </p:cNvSpPr>
+          <p:nvPr>
+            <p:ph type="sldImg"/>
+          </p:nvPr>
+        </p:nvSpPr>
+        <p:spPr/>
+      </p:sp>
+      <p:sp>
+        <p:nvSpPr>
+          <p:cNvPr id="3" name="Notes Placeholder 2"/>
+          <p:cNvSpPr>
+            <a:spLocks noGrp="1"/>
+          </p:cNvSpPr>
+          <p:nvPr>
+            <p:ph type="body" idx="1"/>
+          </p:nvPr>
+        </p:nvSpPr>
+        <p:spPr/>
+        <p:txBody>
+          <a:bodyPr/>
+          <a:lstStyle/>
+          <a:p>
+            <a:endParaRPr lang="en-IN" dirty="0"/>
+          </a:p>
+        </p:txBody>
+      </p:sp>
+      <p:sp>
+        <p:nvSpPr>
+          <p:cNvPr id="4" name="Slide Number Placeholder 3"/>
+          <p:cNvSpPr>
+            <a:spLocks noGrp="1"/>
+          </p:cNvSpPr>
+          <p:nvPr>
+            <p:ph type="sldNum" sz="quarter" idx="5"/>
+          </p:nvPr>
+        </p:nvSpPr>
+        <p:spPr/>
+        <p:txBody>
+          <a:bodyPr/>
+          <a:lstStyle/>
+          <a:p>
+            <a:fld id="{8B0AC623-F130-4C46-9951-3DBB12FBE2E5}" type="slidenum">
+              <a:rPr lang="en-IN" smtClean="0"/>
+              <a:t>82</a:t>
+            </a:fld>
+            <a:endParaRPr lang="en-IN"/>
+          </a:p>
+        </p:txBody>
+      </p:sp>
+    </p:spTree>
+    <p:extLst>
+      <p:ext uri="{BB962C8B-B14F-4D97-AF65-F5344CB8AC3E}">
+        <p14:creationId xmlns:p14="http://schemas.microsoft.com/office/powerpoint/2010/main" val="753128266"/>
+      </p:ext>
+    </p:extLst>
+  </p:cSld>
+  <p:clrMapOvr>
+    <a:masterClrMapping/>
+  </p:clrMapOvr>
+</p:notes>
+</file>
+
+<file path=ppt/notesSlides/notesSlide17.xml><?xml version="1.0" encoding="utf-8"?>
+<p:notes xmlns:a="http://schemas.openxmlformats.org/drawingml/2006/main" xmlns:r="http://schemas.openxmlformats.org/officeDocument/2006/relationships" xmlns:p="http://schemas.openxmlformats.org/presentationml/2006/main">
+  <p:cSld>
+    <p:spTree>
+      <p:nvGrpSpPr>
+        <p:cNvPr id="1" name=""/>
+        <p:cNvGrpSpPr/>
+        <p:nvPr/>
+      </p:nvGrpSpPr>
+      <p:grpSpPr>
+        <a:xfrm>
+          <a:off x="0" y="0"/>
+          <a:ext cx="0" cy="0"/>
+          <a:chOff x="0" y="0"/>
+          <a:chExt cx="0" cy="0"/>
+        </a:xfrm>
+      </p:grpSpPr>
+      <p:sp>
+        <p:nvSpPr>
+          <p:cNvPr id="2" name="Slide Image Placeholder 1"/>
+          <p:cNvSpPr>
+            <a:spLocks noGrp="1" noRot="1" noChangeAspect="1"/>
+          </p:cNvSpPr>
+          <p:nvPr>
+            <p:ph type="sldImg"/>
+          </p:nvPr>
+        </p:nvSpPr>
+        <p:spPr/>
+      </p:sp>
+      <p:sp>
+        <p:nvSpPr>
+          <p:cNvPr id="3" name="Notes Placeholder 2"/>
+          <p:cNvSpPr>
+            <a:spLocks noGrp="1"/>
+          </p:cNvSpPr>
+          <p:nvPr>
+            <p:ph type="body" idx="1"/>
+          </p:nvPr>
+        </p:nvSpPr>
+        <p:spPr/>
+        <p:txBody>
+          <a:bodyPr/>
+          <a:lstStyle/>
+          <a:p>
+            <a:endParaRPr lang="en-IN" dirty="0"/>
+          </a:p>
+        </p:txBody>
+      </p:sp>
+      <p:sp>
+        <p:nvSpPr>
+          <p:cNvPr id="4" name="Slide Number Placeholder 3"/>
+          <p:cNvSpPr>
+            <a:spLocks noGrp="1"/>
+          </p:cNvSpPr>
+          <p:nvPr>
+            <p:ph type="sldNum" sz="quarter" idx="5"/>
+          </p:nvPr>
+        </p:nvSpPr>
+        <p:spPr/>
+        <p:txBody>
+          <a:bodyPr/>
+          <a:lstStyle/>
+          <a:p>
+            <a:fld id="{8B0AC623-F130-4C46-9951-3DBB12FBE2E5}" type="slidenum">
+              <a:rPr lang="en-IN" smtClean="0"/>
+              <a:t>84</a:t>
+            </a:fld>
+            <a:endParaRPr lang="en-IN"/>
+          </a:p>
+        </p:txBody>
+      </p:sp>
+    </p:spTree>
+    <p:extLst>
+      <p:ext uri="{BB962C8B-B14F-4D97-AF65-F5344CB8AC3E}">
+        <p14:creationId xmlns:p14="http://schemas.microsoft.com/office/powerpoint/2010/main" val="3111277593"/>
+      </p:ext>
+    </p:extLst>
+  </p:cSld>
+  <p:clrMapOvr>
+    <a:masterClrMapping/>
+  </p:clrMapOvr>
+</p:notes>
+</file>
+
+<file path=ppt/notesSlides/notesSlide18.xml><?xml version="1.0" encoding="utf-8"?>
+<p:notes xmlns:a="http://schemas.openxmlformats.org/drawingml/2006/main" xmlns:r="http://schemas.openxmlformats.org/officeDocument/2006/relationships" xmlns:p="http://schemas.openxmlformats.org/presentationml/2006/main">
+  <p:cSld>
+    <p:spTree>
+      <p:nvGrpSpPr>
+        <p:cNvPr id="1" name=""/>
+        <p:cNvGrpSpPr/>
+        <p:nvPr/>
+      </p:nvGrpSpPr>
+      <p:grpSpPr>
+        <a:xfrm>
+          <a:off x="0" y="0"/>
+          <a:ext cx="0" cy="0"/>
+          <a:chOff x="0" y="0"/>
+          <a:chExt cx="0" cy="0"/>
+        </a:xfrm>
+      </p:grpSpPr>
+      <p:sp>
+        <p:nvSpPr>
+          <p:cNvPr id="2" name="Slide Image Placeholder 1"/>
+          <p:cNvSpPr>
+            <a:spLocks noGrp="1" noRot="1" noChangeAspect="1"/>
+          </p:cNvSpPr>
+          <p:nvPr>
+            <p:ph type="sldImg"/>
+          </p:nvPr>
+        </p:nvSpPr>
+        <p:spPr/>
+      </p:sp>
+      <p:sp>
+        <p:nvSpPr>
+          <p:cNvPr id="3" name="Notes Placeholder 2"/>
+          <p:cNvSpPr>
+            <a:spLocks noGrp="1"/>
+          </p:cNvSpPr>
+          <p:nvPr>
+            <p:ph type="body" idx="1"/>
+          </p:nvPr>
+        </p:nvSpPr>
+        <p:spPr/>
+        <p:txBody>
+          <a:bodyPr/>
+          <a:lstStyle/>
+          <a:p>
+            <a:endParaRPr lang="en-IN" dirty="0"/>
+          </a:p>
+        </p:txBody>
+      </p:sp>
+      <p:sp>
+        <p:nvSpPr>
+          <p:cNvPr id="4" name="Slide Number Placeholder 3"/>
+          <p:cNvSpPr>
+            <a:spLocks noGrp="1"/>
+          </p:cNvSpPr>
+          <p:nvPr>
+            <p:ph type="sldNum" sz="quarter" idx="5"/>
+          </p:nvPr>
+        </p:nvSpPr>
+        <p:spPr/>
+        <p:txBody>
+          <a:bodyPr/>
+          <a:lstStyle/>
+          <a:p>
+            <a:fld id="{8B0AC623-F130-4C46-9951-3DBB12FBE2E5}" type="slidenum">
+              <a:rPr lang="en-IN" smtClean="0"/>
+              <a:t>104</a:t>
+            </a:fld>
+            <a:endParaRPr lang="en-IN"/>
+          </a:p>
+        </p:txBody>
+      </p:sp>
+    </p:spTree>
+    <p:extLst>
+      <p:ext uri="{BB962C8B-B14F-4D97-AF65-F5344CB8AC3E}">
+        <p14:creationId xmlns:p14="http://schemas.microsoft.com/office/powerpoint/2010/main" val="2649462790"/>
+      </p:ext>
+    </p:extLst>
+  </p:cSld>
+  <p:clrMapOvr>
+    <a:masterClrMapping/>
+  </p:clrMapOvr>
+</p:notes>
+</file>
+
+<file path=ppt/notesSlides/notesSlide19.xml><?xml version="1.0" encoding="utf-8"?>
+<p:notes xmlns:a="http://schemas.openxmlformats.org/drawingml/2006/main" xmlns:r="http://schemas.openxmlformats.org/officeDocument/2006/relationships" xmlns:p="http://schemas.openxmlformats.org/presentationml/2006/main">
+  <p:cSld>
+    <p:spTree>
+      <p:nvGrpSpPr>
+        <p:cNvPr id="1" name=""/>
+        <p:cNvGrpSpPr/>
+        <p:nvPr/>
+      </p:nvGrpSpPr>
+      <p:grpSpPr>
+        <a:xfrm>
+          <a:off x="0" y="0"/>
+          <a:ext cx="0" cy="0"/>
+          <a:chOff x="0" y="0"/>
+          <a:chExt cx="0" cy="0"/>
+        </a:xfrm>
+      </p:grpSpPr>
+      <p:sp>
+        <p:nvSpPr>
+          <p:cNvPr id="2" name="Slide Image Placeholder 1"/>
+          <p:cNvSpPr>
+            <a:spLocks noGrp="1" noRot="1" noChangeAspect="1"/>
+          </p:cNvSpPr>
+          <p:nvPr>
+            <p:ph type="sldImg"/>
+          </p:nvPr>
+        </p:nvSpPr>
+        <p:spPr/>
+      </p:sp>
+      <p:sp>
+        <p:nvSpPr>
+          <p:cNvPr id="3" name="Notes Placeholder 2"/>
+          <p:cNvSpPr>
+            <a:spLocks noGrp="1"/>
+          </p:cNvSpPr>
+          <p:nvPr>
+            <p:ph type="body" idx="1"/>
+          </p:nvPr>
+        </p:nvSpPr>
+        <p:spPr/>
+        <p:txBody>
+          <a:bodyPr/>
+          <a:lstStyle/>
+          <a:p>
+            <a:endParaRPr lang="en-IN" dirty="0"/>
+          </a:p>
+        </p:txBody>
+      </p:sp>
+      <p:sp>
+        <p:nvSpPr>
+          <p:cNvPr id="4" name="Slide Number Placeholder 3"/>
+          <p:cNvSpPr>
+            <a:spLocks noGrp="1"/>
+          </p:cNvSpPr>
+          <p:nvPr>
+            <p:ph type="sldNum" sz="quarter" idx="5"/>
+          </p:nvPr>
+        </p:nvSpPr>
+        <p:spPr/>
+        <p:txBody>
+          <a:bodyPr/>
+          <a:lstStyle/>
+          <a:p>
+            <a:fld id="{8B0AC623-F130-4C46-9951-3DBB12FBE2E5}" type="slidenum">
+              <a:rPr lang="en-IN" smtClean="0"/>
+              <a:t>105</a:t>
+            </a:fld>
+            <a:endParaRPr lang="en-IN"/>
+          </a:p>
+        </p:txBody>
+      </p:sp>
+    </p:spTree>
+    <p:extLst>
+      <p:ext uri="{BB962C8B-B14F-4D97-AF65-F5344CB8AC3E}">
+        <p14:creationId xmlns:p14="http://schemas.microsoft.com/office/powerpoint/2010/main" val="1460849818"/>
       </p:ext>
     </p:extLst>
   </p:cSld>
@@ -1111,6 +1570,90 @@
     <p:extLst>
       <p:ext uri="{BB962C8B-B14F-4D97-AF65-F5344CB8AC3E}">
         <p14:creationId xmlns:p14="http://schemas.microsoft.com/office/powerpoint/2010/main" val="2883383803"/>
+      </p:ext>
+    </p:extLst>
+  </p:cSld>
+  <p:clrMapOvr>
+    <a:masterClrMapping/>
+  </p:clrMapOvr>
+</p:notes>
+</file>
+
+<file path=ppt/notesSlides/notesSlide20.xml><?xml version="1.0" encoding="utf-8"?>
+<p:notes xmlns:a="http://schemas.openxmlformats.org/drawingml/2006/main" xmlns:r="http://schemas.openxmlformats.org/officeDocument/2006/relationships" xmlns:p="http://schemas.openxmlformats.org/presentationml/2006/main">
+  <p:cSld>
+    <p:spTree>
+      <p:nvGrpSpPr>
+        <p:cNvPr id="1" name=""/>
+        <p:cNvGrpSpPr/>
+        <p:nvPr/>
+      </p:nvGrpSpPr>
+      <p:grpSpPr>
+        <a:xfrm>
+          <a:off x="0" y="0"/>
+          <a:ext cx="0" cy="0"/>
+          <a:chOff x="0" y="0"/>
+          <a:chExt cx="0" cy="0"/>
+        </a:xfrm>
+      </p:grpSpPr>
+      <p:sp>
+        <p:nvSpPr>
+          <p:cNvPr id="2" name="Slide Image Placeholder 1"/>
+          <p:cNvSpPr>
+            <a:spLocks noGrp="1" noRot="1" noChangeAspect="1"/>
+          </p:cNvSpPr>
+          <p:nvPr>
+            <p:ph type="sldImg"/>
+          </p:nvPr>
+        </p:nvSpPr>
+        <p:spPr/>
+      </p:sp>
+      <p:sp>
+        <p:nvSpPr>
+          <p:cNvPr id="3" name="Notes Placeholder 2"/>
+          <p:cNvSpPr>
+            <a:spLocks noGrp="1"/>
+          </p:cNvSpPr>
+          <p:nvPr>
+            <p:ph type="body" idx="1"/>
+          </p:nvPr>
+        </p:nvSpPr>
+        <p:spPr/>
+        <p:txBody>
+          <a:bodyPr/>
+          <a:lstStyle/>
+          <a:p>
+            <a:endParaRPr lang="en-IN" dirty="0"/>
+          </a:p>
+        </p:txBody>
+      </p:sp>
+      <p:sp>
+        <p:nvSpPr>
+          <p:cNvPr id="4" name="Slide Number Placeholder 3"/>
+          <p:cNvSpPr>
+            <a:spLocks noGrp="1"/>
+          </p:cNvSpPr>
+          <p:nvPr>
+            <p:ph type="sldNum" sz="quarter" idx="5"/>
+          </p:nvPr>
+        </p:nvSpPr>
+        <p:spPr/>
+        <p:txBody>
+          <a:bodyPr/>
+          <a:lstStyle/>
+          <a:p>
+            <a:fld id="{8B0AC623-F130-4C46-9951-3DBB12FBE2E5}" type="slidenum">
+              <a:rPr lang="en-IN" smtClean="0"/>
+              <a:t>106</a:t>
+            </a:fld>
+            <a:endParaRPr lang="en-IN"/>
+          </a:p>
+        </p:txBody>
+      </p:sp>
+    </p:spTree>
+    <p:extLst>
+      <p:ext uri="{BB962C8B-B14F-4D97-AF65-F5344CB8AC3E}">
+        <p14:creationId xmlns:p14="http://schemas.microsoft.com/office/powerpoint/2010/main" val="3923010753"/>
       </p:ext>
     </p:extLst>
   </p:cSld>
@@ -1839,7 +2382,7 @@
           <a:p>
             <a:fld id="{5EB7A8D5-8A39-476A-AE59-75F9A47994F3}" type="datetimeFigureOut">
               <a:rPr lang="en-IN" smtClean="0"/>
-              <a:t>01-12-2020</a:t>
+              <a:t>03-12-2020</a:t>
             </a:fld>
             <a:endParaRPr lang="en-IN"/>
           </a:p>
@@ -2009,7 +2552,7 @@
           <a:p>
             <a:fld id="{5EB7A8D5-8A39-476A-AE59-75F9A47994F3}" type="datetimeFigureOut">
               <a:rPr lang="en-IN" smtClean="0"/>
-              <a:t>01-12-2020</a:t>
+              <a:t>03-12-2020</a:t>
             </a:fld>
             <a:endParaRPr lang="en-IN"/>
           </a:p>
@@ -2189,7 +2732,7 @@
           <a:p>
             <a:fld id="{5EB7A8D5-8A39-476A-AE59-75F9A47994F3}" type="datetimeFigureOut">
               <a:rPr lang="en-IN" smtClean="0"/>
-              <a:t>01-12-2020</a:t>
+              <a:t>03-12-2020</a:t>
             </a:fld>
             <a:endParaRPr lang="en-IN"/>
           </a:p>
@@ -2359,7 +2902,7 @@
           <a:p>
             <a:fld id="{5EB7A8D5-8A39-476A-AE59-75F9A47994F3}" type="datetimeFigureOut">
               <a:rPr lang="en-IN" smtClean="0"/>
-              <a:t>01-12-2020</a:t>
+              <a:t>03-12-2020</a:t>
             </a:fld>
             <a:endParaRPr lang="en-IN"/>
           </a:p>
@@ -2605,7 +3148,7 @@
           <a:p>
             <a:fld id="{5EB7A8D5-8A39-476A-AE59-75F9A47994F3}" type="datetimeFigureOut">
               <a:rPr lang="en-IN" smtClean="0"/>
-              <a:t>01-12-2020</a:t>
+              <a:t>03-12-2020</a:t>
             </a:fld>
             <a:endParaRPr lang="en-IN"/>
           </a:p>
@@ -2837,7 +3380,7 @@
           <a:p>
             <a:fld id="{5EB7A8D5-8A39-476A-AE59-75F9A47994F3}" type="datetimeFigureOut">
               <a:rPr lang="en-IN" smtClean="0"/>
-              <a:t>01-12-2020</a:t>
+              <a:t>03-12-2020</a:t>
             </a:fld>
             <a:endParaRPr lang="en-IN"/>
           </a:p>
@@ -3204,7 +3747,7 @@
           <a:p>
             <a:fld id="{5EB7A8D5-8A39-476A-AE59-75F9A47994F3}" type="datetimeFigureOut">
               <a:rPr lang="en-IN" smtClean="0"/>
-              <a:t>01-12-2020</a:t>
+              <a:t>03-12-2020</a:t>
             </a:fld>
             <a:endParaRPr lang="en-IN"/>
           </a:p>
@@ -3322,7 +3865,7 @@
           <a:p>
             <a:fld id="{5EB7A8D5-8A39-476A-AE59-75F9A47994F3}" type="datetimeFigureOut">
               <a:rPr lang="en-IN" smtClean="0"/>
-              <a:t>01-12-2020</a:t>
+              <a:t>03-12-2020</a:t>
             </a:fld>
             <a:endParaRPr lang="en-IN"/>
           </a:p>
@@ -3417,7 +3960,7 @@
           <a:p>
             <a:fld id="{5EB7A8D5-8A39-476A-AE59-75F9A47994F3}" type="datetimeFigureOut">
               <a:rPr lang="en-IN" smtClean="0"/>
-              <a:t>01-12-2020</a:t>
+              <a:t>03-12-2020</a:t>
             </a:fld>
             <a:endParaRPr lang="en-IN"/>
           </a:p>
@@ -3694,7 +4237,7 @@
           <a:p>
             <a:fld id="{5EB7A8D5-8A39-476A-AE59-75F9A47994F3}" type="datetimeFigureOut">
               <a:rPr lang="en-IN" smtClean="0"/>
-              <a:t>01-12-2020</a:t>
+              <a:t>03-12-2020</a:t>
             </a:fld>
             <a:endParaRPr lang="en-IN"/>
           </a:p>
@@ -3951,7 +4494,7 @@
           <a:p>
             <a:fld id="{5EB7A8D5-8A39-476A-AE59-75F9A47994F3}" type="datetimeFigureOut">
               <a:rPr lang="en-IN" smtClean="0"/>
-              <a:t>01-12-2020</a:t>
+              <a:t>03-12-2020</a:t>
             </a:fld>
             <a:endParaRPr lang="en-IN"/>
           </a:p>
@@ -4164,7 +4707,7 @@
           <a:p>
             <a:fld id="{5EB7A8D5-8A39-476A-AE59-75F9A47994F3}" type="datetimeFigureOut">
               <a:rPr lang="en-IN" smtClean="0"/>
-              <a:t>01-12-2020</a:t>
+              <a:t>03-12-2020</a:t>
             </a:fld>
             <a:endParaRPr lang="en-IN"/>
           </a:p>
@@ -4798,6 +5341,565 @@
 </p:sld>
 </file>
 
+<file path=ppt/slides/slide100.xml><?xml version="1.0" encoding="utf-8"?>
+<p:sld xmlns:a="http://schemas.openxmlformats.org/drawingml/2006/main" xmlns:r="http://schemas.openxmlformats.org/officeDocument/2006/relationships" xmlns:p="http://schemas.openxmlformats.org/presentationml/2006/main">
+  <p:cSld>
+    <p:spTree>
+      <p:nvGrpSpPr>
+        <p:cNvPr id="1" name=""/>
+        <p:cNvGrpSpPr/>
+        <p:nvPr/>
+      </p:nvGrpSpPr>
+      <p:grpSpPr>
+        <a:xfrm>
+          <a:off x="0" y="0"/>
+          <a:ext cx="0" cy="0"/>
+          <a:chOff x="0" y="0"/>
+          <a:chExt cx="0" cy="0"/>
+        </a:xfrm>
+      </p:grpSpPr>
+      <p:sp>
+        <p:nvSpPr>
+          <p:cNvPr id="2" name="Title 1">
+            <a:extLst>
+              <a:ext uri="{FF2B5EF4-FFF2-40B4-BE49-F238E27FC236}">
+                <a16:creationId xmlns:a16="http://schemas.microsoft.com/office/drawing/2014/main" id="{75F0D7A9-CEAC-47FA-847E-D58E3D557585}"/>
+              </a:ext>
+            </a:extLst>
+          </p:cNvPr>
+          <p:cNvSpPr>
+            <a:spLocks noGrp="1"/>
+          </p:cNvSpPr>
+          <p:nvPr>
+            <p:ph type="title"/>
+          </p:nvPr>
+        </p:nvSpPr>
+        <p:spPr>
+          <a:xfrm>
+            <a:off x="838200" y="3253798"/>
+            <a:ext cx="10515600" cy="1325563"/>
+          </a:xfrm>
+        </p:spPr>
+        <p:txBody>
+          <a:bodyPr/>
+          <a:lstStyle/>
+          <a:p>
+            <a:pPr algn="ctr"/>
+            <a:r>
+              <a:rPr lang="en-IN" b="1" dirty="0"/>
+              <a:t>Cluster Topology</a:t>
+            </a:r>
+          </a:p>
+        </p:txBody>
+      </p:sp>
+    </p:spTree>
+    <p:extLst>
+      <p:ext uri="{BB962C8B-B14F-4D97-AF65-F5344CB8AC3E}">
+        <p14:creationId xmlns:p14="http://schemas.microsoft.com/office/powerpoint/2010/main" val="3490616491"/>
+      </p:ext>
+    </p:extLst>
+  </p:cSld>
+  <p:clrMapOvr>
+    <a:masterClrMapping/>
+  </p:clrMapOvr>
+</p:sld>
+</file>
+
+<file path=ppt/slides/slide101.xml><?xml version="1.0" encoding="utf-8"?>
+<p:sld xmlns:a="http://schemas.openxmlformats.org/drawingml/2006/main" xmlns:r="http://schemas.openxmlformats.org/officeDocument/2006/relationships" xmlns:p="http://schemas.openxmlformats.org/presentationml/2006/main">
+  <p:cSld>
+    <p:spTree>
+      <p:nvGrpSpPr>
+        <p:cNvPr id="1" name=""/>
+        <p:cNvGrpSpPr/>
+        <p:nvPr/>
+      </p:nvGrpSpPr>
+      <p:grpSpPr>
+        <a:xfrm>
+          <a:off x="0" y="0"/>
+          <a:ext cx="0" cy="0"/>
+          <a:chOff x="0" y="0"/>
+          <a:chExt cx="0" cy="0"/>
+        </a:xfrm>
+      </p:grpSpPr>
+      <p:pic>
+        <p:nvPicPr>
+          <p:cNvPr id="5" name="Content Placeholder 4">
+            <a:extLst>
+              <a:ext uri="{FF2B5EF4-FFF2-40B4-BE49-F238E27FC236}">
+                <a16:creationId xmlns:a16="http://schemas.microsoft.com/office/drawing/2014/main" id="{1FB6970A-692E-4A91-A0FB-72F6C412E87F}"/>
+              </a:ext>
+            </a:extLst>
+          </p:cNvPr>
+          <p:cNvPicPr>
+            <a:picLocks noGrp="1" noChangeAspect="1"/>
+          </p:cNvPicPr>
+          <p:nvPr>
+            <p:ph idx="1"/>
+          </p:nvPr>
+        </p:nvPicPr>
+        <p:blipFill>
+          <a:blip r:embed="rId2"/>
+          <a:stretch>
+            <a:fillRect/>
+          </a:stretch>
+        </p:blipFill>
+        <p:spPr>
+          <a:xfrm>
+            <a:off x="2537919" y="838066"/>
+            <a:ext cx="6284890" cy="2170090"/>
+          </a:xfrm>
+        </p:spPr>
+      </p:pic>
+      <p:pic>
+        <p:nvPicPr>
+          <p:cNvPr id="7" name="Picture 6">
+            <a:extLst>
+              <a:ext uri="{FF2B5EF4-FFF2-40B4-BE49-F238E27FC236}">
+                <a16:creationId xmlns:a16="http://schemas.microsoft.com/office/drawing/2014/main" id="{EC869082-3591-43DE-A629-BC4440B1D8C1}"/>
+              </a:ext>
+            </a:extLst>
+          </p:cNvPr>
+          <p:cNvPicPr>
+            <a:picLocks noChangeAspect="1"/>
+          </p:cNvPicPr>
+          <p:nvPr/>
+        </p:nvPicPr>
+        <p:blipFill>
+          <a:blip r:embed="rId3"/>
+          <a:stretch>
+            <a:fillRect/>
+          </a:stretch>
+        </p:blipFill>
+        <p:spPr>
+          <a:xfrm>
+            <a:off x="2537919" y="3752729"/>
+            <a:ext cx="6284890" cy="2170090"/>
+          </a:xfrm>
+          <a:prstGeom prst="rect">
+            <a:avLst/>
+          </a:prstGeom>
+        </p:spPr>
+      </p:pic>
+    </p:spTree>
+    <p:extLst>
+      <p:ext uri="{BB962C8B-B14F-4D97-AF65-F5344CB8AC3E}">
+        <p14:creationId xmlns:p14="http://schemas.microsoft.com/office/powerpoint/2010/main" val="198657880"/>
+      </p:ext>
+    </p:extLst>
+  </p:cSld>
+  <p:clrMapOvr>
+    <a:masterClrMapping/>
+  </p:clrMapOvr>
+</p:sld>
+</file>
+
+<file path=ppt/slides/slide102.xml><?xml version="1.0" encoding="utf-8"?>
+<p:sld xmlns:a="http://schemas.openxmlformats.org/drawingml/2006/main" xmlns:r="http://schemas.openxmlformats.org/officeDocument/2006/relationships" xmlns:p="http://schemas.openxmlformats.org/presentationml/2006/main">
+  <p:cSld>
+    <p:spTree>
+      <p:nvGrpSpPr>
+        <p:cNvPr id="1" name=""/>
+        <p:cNvGrpSpPr/>
+        <p:nvPr/>
+      </p:nvGrpSpPr>
+      <p:grpSpPr>
+        <a:xfrm>
+          <a:off x="0" y="0"/>
+          <a:ext cx="0" cy="0"/>
+          <a:chOff x="0" y="0"/>
+          <a:chExt cx="0" cy="0"/>
+        </a:xfrm>
+      </p:grpSpPr>
+      <p:pic>
+        <p:nvPicPr>
+          <p:cNvPr id="5" name="Picture 4">
+            <a:extLst>
+              <a:ext uri="{FF2B5EF4-FFF2-40B4-BE49-F238E27FC236}">
+                <a16:creationId xmlns:a16="http://schemas.microsoft.com/office/drawing/2014/main" id="{22AC8805-1B80-4E7B-B59A-D6E4A8245833}"/>
+              </a:ext>
+            </a:extLst>
+          </p:cNvPr>
+          <p:cNvPicPr>
+            <a:picLocks noChangeAspect="1"/>
+          </p:cNvPicPr>
+          <p:nvPr/>
+        </p:nvPicPr>
+        <p:blipFill>
+          <a:blip r:embed="rId2"/>
+          <a:stretch>
+            <a:fillRect/>
+          </a:stretch>
+        </p:blipFill>
+        <p:spPr>
+          <a:xfrm>
+            <a:off x="1028700" y="0"/>
+            <a:ext cx="8925790" cy="6373270"/>
+          </a:xfrm>
+          <a:prstGeom prst="rect">
+            <a:avLst/>
+          </a:prstGeom>
+        </p:spPr>
+      </p:pic>
+    </p:spTree>
+    <p:extLst>
+      <p:ext uri="{BB962C8B-B14F-4D97-AF65-F5344CB8AC3E}">
+        <p14:creationId xmlns:p14="http://schemas.microsoft.com/office/powerpoint/2010/main" val="3916851868"/>
+      </p:ext>
+    </p:extLst>
+  </p:cSld>
+  <p:clrMapOvr>
+    <a:masterClrMapping/>
+  </p:clrMapOvr>
+</p:sld>
+</file>
+
+<file path=ppt/slides/slide103.xml><?xml version="1.0" encoding="utf-8"?>
+<p:sld xmlns:a="http://schemas.openxmlformats.org/drawingml/2006/main" xmlns:r="http://schemas.openxmlformats.org/officeDocument/2006/relationships" xmlns:p="http://schemas.openxmlformats.org/presentationml/2006/main">
+  <p:cSld>
+    <p:spTree>
+      <p:nvGrpSpPr>
+        <p:cNvPr id="1" name=""/>
+        <p:cNvGrpSpPr/>
+        <p:nvPr/>
+      </p:nvGrpSpPr>
+      <p:grpSpPr>
+        <a:xfrm>
+          <a:off x="0" y="0"/>
+          <a:ext cx="0" cy="0"/>
+          <a:chOff x="0" y="0"/>
+          <a:chExt cx="0" cy="0"/>
+        </a:xfrm>
+      </p:grpSpPr>
+      <p:sp>
+        <p:nvSpPr>
+          <p:cNvPr id="2" name="Title 1">
+            <a:extLst>
+              <a:ext uri="{FF2B5EF4-FFF2-40B4-BE49-F238E27FC236}">
+                <a16:creationId xmlns:a16="http://schemas.microsoft.com/office/drawing/2014/main" id="{0D878441-D47B-49C1-8F06-4D1FACC1D4FA}"/>
+              </a:ext>
+            </a:extLst>
+          </p:cNvPr>
+          <p:cNvSpPr>
+            <a:spLocks noGrp="1"/>
+          </p:cNvSpPr>
+          <p:nvPr>
+            <p:ph type="title"/>
+          </p:nvPr>
+        </p:nvSpPr>
+        <p:spPr/>
+        <p:txBody>
+          <a:bodyPr/>
+          <a:lstStyle/>
+          <a:p>
+            <a:r>
+              <a:rPr lang="en-IN" dirty="0"/>
+              <a:t>Each Master has one Slave</a:t>
+            </a:r>
+          </a:p>
+        </p:txBody>
+      </p:sp>
+      <p:pic>
+        <p:nvPicPr>
+          <p:cNvPr id="5" name="Picture 4">
+            <a:extLst>
+              <a:ext uri="{FF2B5EF4-FFF2-40B4-BE49-F238E27FC236}">
+                <a16:creationId xmlns:a16="http://schemas.microsoft.com/office/drawing/2014/main" id="{4CF1A6B3-391F-4527-A9E7-227E2FB4814B}"/>
+              </a:ext>
+            </a:extLst>
+          </p:cNvPr>
+          <p:cNvPicPr>
+            <a:picLocks noChangeAspect="1"/>
+          </p:cNvPicPr>
+          <p:nvPr/>
+        </p:nvPicPr>
+        <p:blipFill>
+          <a:blip r:embed="rId2"/>
+          <a:stretch>
+            <a:fillRect/>
+          </a:stretch>
+        </p:blipFill>
+        <p:spPr>
+          <a:xfrm>
+            <a:off x="924792" y="1394945"/>
+            <a:ext cx="9663544" cy="5097930"/>
+          </a:xfrm>
+          <a:prstGeom prst="rect">
+            <a:avLst/>
+          </a:prstGeom>
+          <a:ln>
+            <a:noFill/>
+          </a:ln>
+          <a:effectLst>
+            <a:softEdge rad="112500"/>
+          </a:effectLst>
+        </p:spPr>
+      </p:pic>
+    </p:spTree>
+    <p:extLst>
+      <p:ext uri="{BB962C8B-B14F-4D97-AF65-F5344CB8AC3E}">
+        <p14:creationId xmlns:p14="http://schemas.microsoft.com/office/powerpoint/2010/main" val="1889659414"/>
+      </p:ext>
+    </p:extLst>
+  </p:cSld>
+  <p:clrMapOvr>
+    <a:masterClrMapping/>
+  </p:clrMapOvr>
+</p:sld>
+</file>
+
+<file path=ppt/slides/slide104.xml><?xml version="1.0" encoding="utf-8"?>
+<p:sld xmlns:a="http://schemas.openxmlformats.org/drawingml/2006/main" xmlns:r="http://schemas.openxmlformats.org/officeDocument/2006/relationships" xmlns:p="http://schemas.openxmlformats.org/presentationml/2006/main">
+  <p:cSld>
+    <p:spTree>
+      <p:nvGrpSpPr>
+        <p:cNvPr id="1" name=""/>
+        <p:cNvGrpSpPr/>
+        <p:nvPr/>
+      </p:nvGrpSpPr>
+      <p:grpSpPr>
+        <a:xfrm>
+          <a:off x="0" y="0"/>
+          <a:ext cx="0" cy="0"/>
+          <a:chOff x="0" y="0"/>
+          <a:chExt cx="0" cy="0"/>
+        </a:xfrm>
+      </p:grpSpPr>
+      <p:pic>
+        <p:nvPicPr>
+          <p:cNvPr id="5" name="Picture 4">
+            <a:extLst>
+              <a:ext uri="{FF2B5EF4-FFF2-40B4-BE49-F238E27FC236}">
+                <a16:creationId xmlns:a16="http://schemas.microsoft.com/office/drawing/2014/main" id="{EFC9CDE1-6FB0-45FB-B33C-E73FFE2AC3A6}"/>
+              </a:ext>
+            </a:extLst>
+          </p:cNvPr>
+          <p:cNvPicPr>
+            <a:picLocks noChangeAspect="1"/>
+          </p:cNvPicPr>
+          <p:nvPr/>
+        </p:nvPicPr>
+        <p:blipFill>
+          <a:blip r:embed="rId3"/>
+          <a:stretch>
+            <a:fillRect/>
+          </a:stretch>
+        </p:blipFill>
+        <p:spPr>
+          <a:xfrm>
+            <a:off x="633892" y="455242"/>
+            <a:ext cx="11252056" cy="5947515"/>
+          </a:xfrm>
+          <a:prstGeom prst="rect">
+            <a:avLst/>
+          </a:prstGeom>
+        </p:spPr>
+      </p:pic>
+    </p:spTree>
+    <p:extLst>
+      <p:ext uri="{BB962C8B-B14F-4D97-AF65-F5344CB8AC3E}">
+        <p14:creationId xmlns:p14="http://schemas.microsoft.com/office/powerpoint/2010/main" val="3123548879"/>
+      </p:ext>
+    </p:extLst>
+  </p:cSld>
+  <p:clrMapOvr>
+    <a:masterClrMapping/>
+  </p:clrMapOvr>
+</p:sld>
+</file>
+
+<file path=ppt/slides/slide105.xml><?xml version="1.0" encoding="utf-8"?>
+<p:sld xmlns:a="http://schemas.openxmlformats.org/drawingml/2006/main" xmlns:r="http://schemas.openxmlformats.org/officeDocument/2006/relationships" xmlns:p="http://schemas.openxmlformats.org/presentationml/2006/main">
+  <p:cSld>
+    <p:spTree>
+      <p:nvGrpSpPr>
+        <p:cNvPr id="1" name=""/>
+        <p:cNvGrpSpPr/>
+        <p:nvPr/>
+      </p:nvGrpSpPr>
+      <p:grpSpPr>
+        <a:xfrm>
+          <a:off x="0" y="0"/>
+          <a:ext cx="0" cy="0"/>
+          <a:chOff x="0" y="0"/>
+          <a:chExt cx="0" cy="0"/>
+        </a:xfrm>
+      </p:grpSpPr>
+      <p:pic>
+        <p:nvPicPr>
+          <p:cNvPr id="5" name="Picture 4">
+            <a:extLst>
+              <a:ext uri="{FF2B5EF4-FFF2-40B4-BE49-F238E27FC236}">
+                <a16:creationId xmlns:a16="http://schemas.microsoft.com/office/drawing/2014/main" id="{B6730DD8-9DD3-4C0D-A18C-663571CEE7CA}"/>
+              </a:ext>
+            </a:extLst>
+          </p:cNvPr>
+          <p:cNvPicPr>
+            <a:picLocks noChangeAspect="1"/>
+          </p:cNvPicPr>
+          <p:nvPr/>
+        </p:nvPicPr>
+        <p:blipFill>
+          <a:blip r:embed="rId3"/>
+          <a:stretch>
+            <a:fillRect/>
+          </a:stretch>
+        </p:blipFill>
+        <p:spPr>
+          <a:xfrm>
+            <a:off x="332477" y="843310"/>
+            <a:ext cx="11527045" cy="5171380"/>
+          </a:xfrm>
+          <a:prstGeom prst="rect">
+            <a:avLst/>
+          </a:prstGeom>
+        </p:spPr>
+      </p:pic>
+    </p:spTree>
+    <p:extLst>
+      <p:ext uri="{BB962C8B-B14F-4D97-AF65-F5344CB8AC3E}">
+        <p14:creationId xmlns:p14="http://schemas.microsoft.com/office/powerpoint/2010/main" val="979196192"/>
+      </p:ext>
+    </p:extLst>
+  </p:cSld>
+  <p:clrMapOvr>
+    <a:masterClrMapping/>
+  </p:clrMapOvr>
+</p:sld>
+</file>
+
+<file path=ppt/slides/slide106.xml><?xml version="1.0" encoding="utf-8"?>
+<p:sld xmlns:a="http://schemas.openxmlformats.org/drawingml/2006/main" xmlns:r="http://schemas.openxmlformats.org/officeDocument/2006/relationships" xmlns:p="http://schemas.openxmlformats.org/presentationml/2006/main">
+  <p:cSld>
+    <p:spTree>
+      <p:nvGrpSpPr>
+        <p:cNvPr id="1" name=""/>
+        <p:cNvGrpSpPr/>
+        <p:nvPr/>
+      </p:nvGrpSpPr>
+      <p:grpSpPr>
+        <a:xfrm>
+          <a:off x="0" y="0"/>
+          <a:ext cx="0" cy="0"/>
+          <a:chOff x="0" y="0"/>
+          <a:chExt cx="0" cy="0"/>
+        </a:xfrm>
+      </p:grpSpPr>
+      <p:sp>
+        <p:nvSpPr>
+          <p:cNvPr id="2" name="Title 1">
+            <a:extLst>
+              <a:ext uri="{FF2B5EF4-FFF2-40B4-BE49-F238E27FC236}">
+                <a16:creationId xmlns:a16="http://schemas.microsoft.com/office/drawing/2014/main" id="{D5E792BC-07D6-4163-8DBF-7EE756FA9B8F}"/>
+              </a:ext>
+            </a:extLst>
+          </p:cNvPr>
+          <p:cNvSpPr>
+            <a:spLocks noGrp="1"/>
+          </p:cNvSpPr>
+          <p:nvPr>
+            <p:ph type="title"/>
+          </p:nvPr>
+        </p:nvSpPr>
+        <p:spPr>
+          <a:xfrm>
+            <a:off x="1014845" y="2766218"/>
+            <a:ext cx="10515600" cy="1325563"/>
+          </a:xfrm>
+        </p:spPr>
+        <p:txBody>
+          <a:bodyPr/>
+          <a:lstStyle/>
+          <a:p>
+            <a:pPr algn="ctr"/>
+            <a:r>
+              <a:rPr lang="en-IN" b="1" dirty="0">
+                <a:solidFill>
+                  <a:srgbClr val="FF0000"/>
+                </a:solidFill>
+              </a:rPr>
+              <a:t>Setup Basic Cluster</a:t>
+            </a:r>
+          </a:p>
+        </p:txBody>
+      </p:sp>
+    </p:spTree>
+    <p:extLst>
+      <p:ext uri="{BB962C8B-B14F-4D97-AF65-F5344CB8AC3E}">
+        <p14:creationId xmlns:p14="http://schemas.microsoft.com/office/powerpoint/2010/main" val="4263569891"/>
+      </p:ext>
+    </p:extLst>
+  </p:cSld>
+  <p:clrMapOvr>
+    <a:masterClrMapping/>
+  </p:clrMapOvr>
+</p:sld>
+</file>
+
+<file path=ppt/slides/slide107.xml><?xml version="1.0" encoding="utf-8"?>
+<p:sld xmlns:a="http://schemas.openxmlformats.org/drawingml/2006/main" xmlns:r="http://schemas.openxmlformats.org/officeDocument/2006/relationships" xmlns:p="http://schemas.openxmlformats.org/presentationml/2006/main">
+  <p:cSld>
+    <p:spTree>
+      <p:nvGrpSpPr>
+        <p:cNvPr id="1" name=""/>
+        <p:cNvGrpSpPr/>
+        <p:nvPr/>
+      </p:nvGrpSpPr>
+      <p:grpSpPr>
+        <a:xfrm>
+          <a:off x="0" y="0"/>
+          <a:ext cx="0" cy="0"/>
+          <a:chOff x="0" y="0"/>
+          <a:chExt cx="0" cy="0"/>
+        </a:xfrm>
+      </p:grpSpPr>
+      <p:sp>
+        <p:nvSpPr>
+          <p:cNvPr id="2" name="Title 1">
+            <a:extLst>
+              <a:ext uri="{FF2B5EF4-FFF2-40B4-BE49-F238E27FC236}">
+                <a16:creationId xmlns:a16="http://schemas.microsoft.com/office/drawing/2014/main" id="{53158786-3022-4899-8A6E-46F13CAD4894}"/>
+              </a:ext>
+            </a:extLst>
+          </p:cNvPr>
+          <p:cNvSpPr>
+            <a:spLocks noGrp="1"/>
+          </p:cNvSpPr>
+          <p:nvPr>
+            <p:ph type="title"/>
+          </p:nvPr>
+        </p:nvSpPr>
+        <p:spPr>
+          <a:xfrm>
+            <a:off x="713509" y="2994025"/>
+            <a:ext cx="10515600" cy="1325563"/>
+          </a:xfrm>
+        </p:spPr>
+        <p:txBody>
+          <a:bodyPr/>
+          <a:lstStyle/>
+          <a:p>
+            <a:pPr algn="ctr"/>
+            <a:r>
+              <a:rPr lang="en-IN" b="1" dirty="0"/>
+              <a:t>Thank You</a:t>
+            </a:r>
+          </a:p>
+        </p:txBody>
+      </p:sp>
+    </p:spTree>
+    <p:extLst>
+      <p:ext uri="{BB962C8B-B14F-4D97-AF65-F5344CB8AC3E}">
+        <p14:creationId xmlns:p14="http://schemas.microsoft.com/office/powerpoint/2010/main" val="1032238567"/>
+      </p:ext>
+    </p:extLst>
+  </p:cSld>
+  <p:clrMapOvr>
+    <a:masterClrMapping/>
+  </p:clrMapOvr>
+</p:sld>
+</file>
+
 <file path=ppt/slides/slide11.xml><?xml version="1.0" encoding="utf-8"?>
 <p:sld xmlns:a="http://schemas.openxmlformats.org/drawingml/2006/main" xmlns:r="http://schemas.openxmlformats.org/officeDocument/2006/relationships" xmlns:p="http://schemas.openxmlformats.org/presentationml/2006/main">
   <p:cSld>
@@ -19698,6 +20800,785 @@
 </p:sld>
 </file>
 
+<file path=ppt/slides/slide74.xml><?xml version="1.0" encoding="utf-8"?>
+<p:sld xmlns:a="http://schemas.openxmlformats.org/drawingml/2006/main" xmlns:r="http://schemas.openxmlformats.org/officeDocument/2006/relationships" xmlns:p="http://schemas.openxmlformats.org/presentationml/2006/main">
+  <p:cSld>
+    <p:spTree>
+      <p:nvGrpSpPr>
+        <p:cNvPr id="1" name=""/>
+        <p:cNvGrpSpPr/>
+        <p:nvPr/>
+      </p:nvGrpSpPr>
+      <p:grpSpPr>
+        <a:xfrm>
+          <a:off x="0" y="0"/>
+          <a:ext cx="0" cy="0"/>
+          <a:chOff x="0" y="0"/>
+          <a:chExt cx="0" cy="0"/>
+        </a:xfrm>
+      </p:grpSpPr>
+      <p:sp>
+        <p:nvSpPr>
+          <p:cNvPr id="2" name="Title 1">
+            <a:extLst>
+              <a:ext uri="{FF2B5EF4-FFF2-40B4-BE49-F238E27FC236}">
+                <a16:creationId xmlns:a16="http://schemas.microsoft.com/office/drawing/2014/main" id="{206A3223-AAEB-4C3A-8A42-AE11D53DF2C0}"/>
+              </a:ext>
+            </a:extLst>
+          </p:cNvPr>
+          <p:cNvSpPr>
+            <a:spLocks noGrp="1"/>
+          </p:cNvSpPr>
+          <p:nvPr>
+            <p:ph type="title"/>
+          </p:nvPr>
+        </p:nvSpPr>
+        <p:spPr/>
+        <p:txBody>
+          <a:bodyPr>
+            <a:normAutofit fontScale="90000"/>
+          </a:bodyPr>
+          <a:lstStyle/>
+          <a:p>
+            <a:r>
+              <a:rPr lang="en-US" sz="3600" b="0" i="0" dirty="0">
+                <a:solidFill>
+                  <a:srgbClr val="333333"/>
+                </a:solidFill>
+                <a:effectLst/>
+                <a:latin typeface="Open Sans"/>
+              </a:rPr>
+              <a:t>Once one of these signals is trapped, Redis aborts any current operation and performs the following actions</a:t>
+            </a:r>
+            <a:br>
+              <a:rPr lang="en-US" b="0" i="0" dirty="0">
+                <a:solidFill>
+                  <a:srgbClr val="333333"/>
+                </a:solidFill>
+                <a:effectLst/>
+                <a:latin typeface="Open Sans"/>
+              </a:rPr>
+            </a:br>
+            <a:endParaRPr lang="en-IN" dirty="0"/>
+          </a:p>
+        </p:txBody>
+      </p:sp>
+      <p:sp>
+        <p:nvSpPr>
+          <p:cNvPr id="3" name="Content Placeholder 2">
+            <a:extLst>
+              <a:ext uri="{FF2B5EF4-FFF2-40B4-BE49-F238E27FC236}">
+                <a16:creationId xmlns:a16="http://schemas.microsoft.com/office/drawing/2014/main" id="{82A89A2D-04F7-4C9C-9E25-05CD88522870}"/>
+              </a:ext>
+            </a:extLst>
+          </p:cNvPr>
+          <p:cNvSpPr>
+            <a:spLocks noGrp="1"/>
+          </p:cNvSpPr>
+          <p:nvPr>
+            <p:ph idx="1"/>
+          </p:nvPr>
+        </p:nvSpPr>
+        <p:spPr/>
+        <p:txBody>
+          <a:bodyPr>
+            <a:normAutofit/>
+          </a:bodyPr>
+          <a:lstStyle/>
+          <a:p>
+            <a:pPr lvl="1"/>
+            <a:r>
+              <a:rPr lang="en-US" b="0" i="0" dirty="0">
+                <a:solidFill>
+                  <a:srgbClr val="333333"/>
+                </a:solidFill>
+                <a:effectLst/>
+                <a:latin typeface="Open Sans"/>
+              </a:rPr>
+              <a:t>A bug report is produced on the log file. This includes a stack trace, dump of registers, and information about the state of clients.</a:t>
+            </a:r>
+          </a:p>
+          <a:p>
+            <a:pPr lvl="1"/>
+            <a:r>
+              <a:rPr lang="en-US" b="0" i="0" dirty="0">
+                <a:solidFill>
+                  <a:srgbClr val="333333"/>
+                </a:solidFill>
+                <a:effectLst/>
+                <a:latin typeface="Open Sans"/>
+              </a:rPr>
+              <a:t>Since Redis 2.8 a fast memory test is performed as a first check of the reliability of the crashing system.</a:t>
+            </a:r>
+          </a:p>
+          <a:p>
+            <a:pPr lvl="1"/>
+            <a:r>
+              <a:rPr lang="en-US" b="0" i="0" dirty="0">
+                <a:solidFill>
+                  <a:srgbClr val="333333"/>
+                </a:solidFill>
+                <a:effectLst/>
+                <a:latin typeface="Open Sans"/>
+              </a:rPr>
+              <a:t>If the server was </a:t>
+            </a:r>
+            <a:r>
+              <a:rPr lang="en-US" b="0" i="0" dirty="0" err="1">
+                <a:solidFill>
+                  <a:srgbClr val="333333"/>
+                </a:solidFill>
+                <a:effectLst/>
+                <a:latin typeface="Open Sans"/>
+              </a:rPr>
+              <a:t>daemonized</a:t>
+            </a:r>
+            <a:r>
+              <a:rPr lang="en-US" b="0" i="0" dirty="0">
+                <a:solidFill>
+                  <a:srgbClr val="333333"/>
+                </a:solidFill>
+                <a:effectLst/>
+                <a:latin typeface="Open Sans"/>
+              </a:rPr>
+              <a:t>, the </a:t>
+            </a:r>
+            <a:r>
+              <a:rPr lang="en-US" b="0" i="0" dirty="0" err="1">
+                <a:solidFill>
+                  <a:srgbClr val="333333"/>
+                </a:solidFill>
+                <a:effectLst/>
+                <a:latin typeface="Open Sans"/>
+              </a:rPr>
+              <a:t>pid</a:t>
+            </a:r>
+            <a:r>
+              <a:rPr lang="en-US" b="0" i="0" dirty="0">
+                <a:solidFill>
+                  <a:srgbClr val="333333"/>
+                </a:solidFill>
+                <a:effectLst/>
+                <a:latin typeface="Open Sans"/>
+              </a:rPr>
+              <a:t> file is removed.</a:t>
+            </a:r>
+          </a:p>
+          <a:p>
+            <a:pPr lvl="1"/>
+            <a:r>
+              <a:rPr lang="en-US" b="0" i="0" dirty="0">
+                <a:solidFill>
+                  <a:srgbClr val="333333"/>
+                </a:solidFill>
+                <a:effectLst/>
+                <a:latin typeface="Open Sans"/>
+              </a:rPr>
+              <a:t>Finally the server unregisters its own signal handler for the received signal, and sends the same signal again to itself, in order to make sure that the default action is performed, for instance dumping the core on the file system.</a:t>
+            </a:r>
+          </a:p>
+          <a:p>
+            <a:endParaRPr lang="en-IN" dirty="0"/>
+          </a:p>
+        </p:txBody>
+      </p:sp>
+    </p:spTree>
+    <p:extLst>
+      <p:ext uri="{BB962C8B-B14F-4D97-AF65-F5344CB8AC3E}">
+        <p14:creationId xmlns:p14="http://schemas.microsoft.com/office/powerpoint/2010/main" val="1321560407"/>
+      </p:ext>
+    </p:extLst>
+  </p:cSld>
+  <p:clrMapOvr>
+    <a:masterClrMapping/>
+  </p:clrMapOvr>
+</p:sld>
+</file>
+
+<file path=ppt/slides/slide75.xml><?xml version="1.0" encoding="utf-8"?>
+<p:sld xmlns:a="http://schemas.openxmlformats.org/drawingml/2006/main" xmlns:r="http://schemas.openxmlformats.org/officeDocument/2006/relationships" xmlns:p="http://schemas.openxmlformats.org/presentationml/2006/main">
+  <p:cSld>
+    <p:spTree>
+      <p:nvGrpSpPr>
+        <p:cNvPr id="1" name=""/>
+        <p:cNvGrpSpPr/>
+        <p:nvPr/>
+      </p:nvGrpSpPr>
+      <p:grpSpPr>
+        <a:xfrm>
+          <a:off x="0" y="0"/>
+          <a:ext cx="0" cy="0"/>
+          <a:chOff x="0" y="0"/>
+          <a:chExt cx="0" cy="0"/>
+        </a:xfrm>
+      </p:grpSpPr>
+      <p:sp>
+        <p:nvSpPr>
+          <p:cNvPr id="2" name="Title 1">
+            <a:extLst>
+              <a:ext uri="{FF2B5EF4-FFF2-40B4-BE49-F238E27FC236}">
+                <a16:creationId xmlns:a16="http://schemas.microsoft.com/office/drawing/2014/main" id="{110469D6-1D87-4B7B-AFA0-678B59F7EFD5}"/>
+              </a:ext>
+            </a:extLst>
+          </p:cNvPr>
+          <p:cNvSpPr>
+            <a:spLocks noGrp="1"/>
+          </p:cNvSpPr>
+          <p:nvPr>
+            <p:ph type="title"/>
+          </p:nvPr>
+        </p:nvSpPr>
+        <p:spPr/>
+        <p:txBody>
+          <a:bodyPr>
+            <a:normAutofit fontScale="90000"/>
+          </a:bodyPr>
+          <a:lstStyle/>
+          <a:p>
+            <a:r>
+              <a:rPr lang="en-US" b="0" i="0" dirty="0">
+                <a:solidFill>
+                  <a:srgbClr val="333333"/>
+                </a:solidFill>
+                <a:effectLst/>
+                <a:latin typeface="Open Sans"/>
+              </a:rPr>
+              <a:t>Handling of SIGSEGV, SIGBUS, SIGFPE and SIGILL</a:t>
+            </a:r>
+            <a:br>
+              <a:rPr lang="en-US" b="0" i="0" dirty="0">
+                <a:solidFill>
+                  <a:srgbClr val="333333"/>
+                </a:solidFill>
+                <a:effectLst/>
+                <a:latin typeface="Open Sans"/>
+              </a:rPr>
+            </a:br>
+            <a:endParaRPr lang="en-IN" dirty="0"/>
+          </a:p>
+        </p:txBody>
+      </p:sp>
+      <p:sp>
+        <p:nvSpPr>
+          <p:cNvPr id="3" name="Content Placeholder 2">
+            <a:extLst>
+              <a:ext uri="{FF2B5EF4-FFF2-40B4-BE49-F238E27FC236}">
+                <a16:creationId xmlns:a16="http://schemas.microsoft.com/office/drawing/2014/main" id="{6BEBDEE2-08B0-47E4-BD98-3E21B5058795}"/>
+              </a:ext>
+            </a:extLst>
+          </p:cNvPr>
+          <p:cNvSpPr>
+            <a:spLocks noGrp="1"/>
+          </p:cNvSpPr>
+          <p:nvPr>
+            <p:ph idx="1"/>
+          </p:nvPr>
+        </p:nvSpPr>
+        <p:spPr>
+          <a:xfrm>
+            <a:off x="838199" y="1825625"/>
+            <a:ext cx="10602191" cy="3411393"/>
+          </a:xfrm>
+        </p:spPr>
+        <p:txBody>
+          <a:bodyPr/>
+          <a:lstStyle/>
+          <a:p>
+            <a:pPr algn="l"/>
+            <a:r>
+              <a:rPr lang="en-US" b="0" i="0" dirty="0">
+                <a:solidFill>
+                  <a:srgbClr val="333333"/>
+                </a:solidFill>
+                <a:effectLst/>
+                <a:latin typeface="Open Sans"/>
+              </a:rPr>
+              <a:t>The following follow signals are handled as a Redis crash:</a:t>
+            </a:r>
+          </a:p>
+          <a:p>
+            <a:pPr lvl="1"/>
+            <a:r>
+              <a:rPr lang="en-US" b="0" i="0" dirty="0">
+                <a:solidFill>
+                  <a:srgbClr val="333333"/>
+                </a:solidFill>
+                <a:effectLst/>
+                <a:latin typeface="Open Sans"/>
+              </a:rPr>
+              <a:t>SIGSEGV :</a:t>
+            </a:r>
+            <a:r>
+              <a:rPr lang="en-IN" b="1" i="0" dirty="0">
+                <a:solidFill>
+                  <a:srgbClr val="202124"/>
+                </a:solidFill>
+                <a:effectLst/>
+                <a:latin typeface="arial" panose="020B0604020202020204" pitchFamily="34" charset="0"/>
+              </a:rPr>
+              <a:t> segmentation fault</a:t>
+            </a:r>
+            <a:endParaRPr lang="en-US" b="0" i="0" dirty="0">
+              <a:solidFill>
+                <a:srgbClr val="333333"/>
+              </a:solidFill>
+              <a:effectLst/>
+              <a:latin typeface="Open Sans"/>
+            </a:endParaRPr>
+          </a:p>
+          <a:p>
+            <a:pPr lvl="1"/>
+            <a:r>
+              <a:rPr lang="en-US" b="0" i="0" dirty="0">
+                <a:solidFill>
+                  <a:srgbClr val="333333"/>
+                </a:solidFill>
+                <a:effectLst/>
+                <a:latin typeface="Open Sans"/>
+              </a:rPr>
+              <a:t>SIGBUS : </a:t>
+            </a:r>
+            <a:r>
+              <a:rPr lang="en-US" b="0" i="0" dirty="0" err="1">
+                <a:solidFill>
+                  <a:srgbClr val="333333"/>
+                </a:solidFill>
+                <a:effectLst/>
+                <a:latin typeface="Open Sans"/>
+              </a:rPr>
+              <a:t>SignalBus</a:t>
+            </a:r>
+            <a:endParaRPr lang="en-US" b="0" i="0" dirty="0">
+              <a:solidFill>
+                <a:srgbClr val="333333"/>
+              </a:solidFill>
+              <a:effectLst/>
+              <a:latin typeface="Open Sans"/>
+            </a:endParaRPr>
+          </a:p>
+          <a:p>
+            <a:pPr lvl="1"/>
+            <a:r>
+              <a:rPr lang="en-US" b="0" i="0" dirty="0">
+                <a:solidFill>
+                  <a:srgbClr val="333333"/>
+                </a:solidFill>
+                <a:effectLst/>
+                <a:latin typeface="Open Sans"/>
+              </a:rPr>
+              <a:t>SIGFPE  : Client Program Error</a:t>
+            </a:r>
+          </a:p>
+          <a:p>
+            <a:pPr lvl="1"/>
+            <a:r>
+              <a:rPr lang="en-US" b="0" i="0" dirty="0">
+                <a:solidFill>
+                  <a:srgbClr val="333333"/>
+                </a:solidFill>
+                <a:effectLst/>
+                <a:latin typeface="Open Sans"/>
+              </a:rPr>
+              <a:t>SIGILL  : Kill</a:t>
+            </a:r>
+          </a:p>
+          <a:p>
+            <a:endParaRPr lang="en-IN" dirty="0"/>
+          </a:p>
+        </p:txBody>
+      </p:sp>
+    </p:spTree>
+    <p:extLst>
+      <p:ext uri="{BB962C8B-B14F-4D97-AF65-F5344CB8AC3E}">
+        <p14:creationId xmlns:p14="http://schemas.microsoft.com/office/powerpoint/2010/main" val="1477270471"/>
+      </p:ext>
+    </p:extLst>
+  </p:cSld>
+  <p:clrMapOvr>
+    <a:masterClrMapping/>
+  </p:clrMapOvr>
+</p:sld>
+</file>
+
+<file path=ppt/slides/slide76.xml><?xml version="1.0" encoding="utf-8"?>
+<p:sld xmlns:a="http://schemas.openxmlformats.org/drawingml/2006/main" xmlns:r="http://schemas.openxmlformats.org/officeDocument/2006/relationships" xmlns:p="http://schemas.openxmlformats.org/presentationml/2006/main">
+  <p:cSld>
+    <p:spTree>
+      <p:nvGrpSpPr>
+        <p:cNvPr id="1" name=""/>
+        <p:cNvGrpSpPr/>
+        <p:nvPr/>
+      </p:nvGrpSpPr>
+      <p:grpSpPr>
+        <a:xfrm>
+          <a:off x="0" y="0"/>
+          <a:ext cx="0" cy="0"/>
+          <a:chOff x="0" y="0"/>
+          <a:chExt cx="0" cy="0"/>
+        </a:xfrm>
+      </p:grpSpPr>
+      <p:sp>
+        <p:nvSpPr>
+          <p:cNvPr id="2" name="Title 1">
+            <a:extLst>
+              <a:ext uri="{FF2B5EF4-FFF2-40B4-BE49-F238E27FC236}">
+                <a16:creationId xmlns:a16="http://schemas.microsoft.com/office/drawing/2014/main" id="{A16B7C9F-3FD6-415D-AEB0-D7FA11D92975}"/>
+              </a:ext>
+            </a:extLst>
+          </p:cNvPr>
+          <p:cNvSpPr>
+            <a:spLocks noGrp="1"/>
+          </p:cNvSpPr>
+          <p:nvPr>
+            <p:ph type="title"/>
+          </p:nvPr>
+        </p:nvSpPr>
+        <p:spPr/>
+        <p:txBody>
+          <a:bodyPr/>
+          <a:lstStyle/>
+          <a:p>
+            <a:r>
+              <a:rPr lang="en-IN" b="1" dirty="0"/>
+              <a:t>Replication :Scalability </a:t>
+            </a:r>
+          </a:p>
+        </p:txBody>
+      </p:sp>
+      <p:sp>
+        <p:nvSpPr>
+          <p:cNvPr id="3" name="Content Placeholder 2">
+            <a:extLst>
+              <a:ext uri="{FF2B5EF4-FFF2-40B4-BE49-F238E27FC236}">
+                <a16:creationId xmlns:a16="http://schemas.microsoft.com/office/drawing/2014/main" id="{7A2AB0E0-7B1B-4238-B98C-30CF88B10696}"/>
+              </a:ext>
+            </a:extLst>
+          </p:cNvPr>
+          <p:cNvSpPr>
+            <a:spLocks noGrp="1"/>
+          </p:cNvSpPr>
+          <p:nvPr>
+            <p:ph idx="1"/>
+          </p:nvPr>
+        </p:nvSpPr>
+        <p:spPr>
+          <a:xfrm>
+            <a:off x="838200" y="2729634"/>
+            <a:ext cx="10515600" cy="2133311"/>
+          </a:xfrm>
+        </p:spPr>
+        <p:txBody>
+          <a:bodyPr>
+            <a:normAutofit fontScale="92500" lnSpcReduction="10000"/>
+          </a:bodyPr>
+          <a:lstStyle/>
+          <a:p>
+            <a:pPr marL="0" indent="0" algn="ctr">
+              <a:buNone/>
+            </a:pPr>
+            <a:r>
+              <a:rPr lang="en-US" sz="3200" b="1" i="0" u="none" strike="noStrike" baseline="0" dirty="0">
+                <a:solidFill>
+                  <a:srgbClr val="FF0000"/>
+                </a:solidFill>
+                <a:latin typeface="Book Antiqua" panose="02040602050305030304" pitchFamily="18" charset="0"/>
+              </a:rPr>
+              <a:t>Replication means that while you write to a Redis instance (usually referred to as the master), it will ensure that one or more instances (usually referred to as the slaves) become exact copies of the master. </a:t>
+            </a:r>
+          </a:p>
+          <a:p>
+            <a:pPr marL="0" indent="0" algn="ctr">
+              <a:buNone/>
+            </a:pPr>
+            <a:r>
+              <a:rPr lang="en-US" sz="3200" b="1" dirty="0">
+                <a:solidFill>
+                  <a:srgbClr val="FF0000"/>
+                </a:solidFill>
+                <a:latin typeface="Book Antiqua" panose="02040602050305030304" pitchFamily="18" charset="0"/>
+              </a:rPr>
+              <a:t>One Leader(Master) many followers(slaves/replicas)</a:t>
+            </a:r>
+            <a:endParaRPr lang="en-IN" sz="4400" b="1" dirty="0">
+              <a:solidFill>
+                <a:srgbClr val="FF0000"/>
+              </a:solidFill>
+            </a:endParaRPr>
+          </a:p>
+        </p:txBody>
+      </p:sp>
+    </p:spTree>
+    <p:extLst>
+      <p:ext uri="{BB962C8B-B14F-4D97-AF65-F5344CB8AC3E}">
+        <p14:creationId xmlns:p14="http://schemas.microsoft.com/office/powerpoint/2010/main" val="1802646246"/>
+      </p:ext>
+    </p:extLst>
+  </p:cSld>
+  <p:clrMapOvr>
+    <a:masterClrMapping/>
+  </p:clrMapOvr>
+</p:sld>
+</file>
+
+<file path=ppt/slides/slide77.xml><?xml version="1.0" encoding="utf-8"?>
+<p:sld xmlns:a="http://schemas.openxmlformats.org/drawingml/2006/main" xmlns:r="http://schemas.openxmlformats.org/officeDocument/2006/relationships" xmlns:p="http://schemas.openxmlformats.org/presentationml/2006/main">
+  <p:cSld>
+    <p:spTree>
+      <p:nvGrpSpPr>
+        <p:cNvPr id="1" name=""/>
+        <p:cNvGrpSpPr/>
+        <p:nvPr/>
+      </p:nvGrpSpPr>
+      <p:grpSpPr>
+        <a:xfrm>
+          <a:off x="0" y="0"/>
+          <a:ext cx="0" cy="0"/>
+          <a:chOff x="0" y="0"/>
+          <a:chExt cx="0" cy="0"/>
+        </a:xfrm>
+      </p:grpSpPr>
+      <p:sp>
+        <p:nvSpPr>
+          <p:cNvPr id="2" name="Title 1">
+            <a:extLst>
+              <a:ext uri="{FF2B5EF4-FFF2-40B4-BE49-F238E27FC236}">
+                <a16:creationId xmlns:a16="http://schemas.microsoft.com/office/drawing/2014/main" id="{A4512424-DA80-4A3E-80A4-181B5A635964}"/>
+              </a:ext>
+            </a:extLst>
+          </p:cNvPr>
+          <p:cNvSpPr>
+            <a:spLocks noGrp="1"/>
+          </p:cNvSpPr>
+          <p:nvPr>
+            <p:ph type="title"/>
+          </p:nvPr>
+        </p:nvSpPr>
+        <p:spPr>
+          <a:xfrm>
+            <a:off x="942109" y="2766218"/>
+            <a:ext cx="10515600" cy="1325563"/>
+          </a:xfrm>
+        </p:spPr>
+        <p:txBody>
+          <a:bodyPr/>
+          <a:lstStyle/>
+          <a:p>
+            <a:pPr algn="ctr"/>
+            <a:r>
+              <a:rPr lang="en-IN" b="1" dirty="0">
+                <a:solidFill>
+                  <a:srgbClr val="FF0000"/>
+                </a:solidFill>
+              </a:rPr>
+              <a:t>Replication is another Persistency</a:t>
+            </a:r>
+            <a:br>
+              <a:rPr lang="en-IN" b="1" dirty="0">
+                <a:solidFill>
+                  <a:srgbClr val="FF0000"/>
+                </a:solidFill>
+              </a:rPr>
+            </a:br>
+            <a:r>
+              <a:rPr lang="en-IN" b="1" dirty="0">
+                <a:solidFill>
+                  <a:srgbClr val="FF0000"/>
+                </a:solidFill>
+              </a:rPr>
+              <a:t>Diskless  Persistency</a:t>
+            </a:r>
+          </a:p>
+        </p:txBody>
+      </p:sp>
+    </p:spTree>
+    <p:extLst>
+      <p:ext uri="{BB962C8B-B14F-4D97-AF65-F5344CB8AC3E}">
+        <p14:creationId xmlns:p14="http://schemas.microsoft.com/office/powerpoint/2010/main" val="1080764511"/>
+      </p:ext>
+    </p:extLst>
+  </p:cSld>
+  <p:clrMapOvr>
+    <a:masterClrMapping/>
+  </p:clrMapOvr>
+</p:sld>
+</file>
+
+<file path=ppt/slides/slide78.xml><?xml version="1.0" encoding="utf-8"?>
+<p:sld xmlns:a="http://schemas.openxmlformats.org/drawingml/2006/main" xmlns:r="http://schemas.openxmlformats.org/officeDocument/2006/relationships" xmlns:p="http://schemas.openxmlformats.org/presentationml/2006/main">
+  <p:cSld>
+    <p:spTree>
+      <p:nvGrpSpPr>
+        <p:cNvPr id="1" name=""/>
+        <p:cNvGrpSpPr/>
+        <p:nvPr/>
+      </p:nvGrpSpPr>
+      <p:grpSpPr>
+        <a:xfrm>
+          <a:off x="0" y="0"/>
+          <a:ext cx="0" cy="0"/>
+          <a:chOff x="0" y="0"/>
+          <a:chExt cx="0" cy="0"/>
+        </a:xfrm>
+      </p:grpSpPr>
+      <p:sp>
+        <p:nvSpPr>
+          <p:cNvPr id="2" name="Title 1">
+            <a:extLst>
+              <a:ext uri="{FF2B5EF4-FFF2-40B4-BE49-F238E27FC236}">
+                <a16:creationId xmlns:a16="http://schemas.microsoft.com/office/drawing/2014/main" id="{3DB3A126-0900-4139-8ACE-FF9802E03D21}"/>
+              </a:ext>
+            </a:extLst>
+          </p:cNvPr>
+          <p:cNvSpPr>
+            <a:spLocks noGrp="1"/>
+          </p:cNvSpPr>
+          <p:nvPr>
+            <p:ph type="title"/>
+          </p:nvPr>
+        </p:nvSpPr>
+        <p:spPr/>
+        <p:txBody>
+          <a:bodyPr/>
+          <a:lstStyle/>
+          <a:p>
+            <a:r>
+              <a:rPr lang="en-IN" dirty="0"/>
+              <a:t>Replication Basics</a:t>
+            </a:r>
+          </a:p>
+        </p:txBody>
+      </p:sp>
+      <p:pic>
+        <p:nvPicPr>
+          <p:cNvPr id="5" name="Picture 4">
+            <a:extLst>
+              <a:ext uri="{FF2B5EF4-FFF2-40B4-BE49-F238E27FC236}">
+                <a16:creationId xmlns:a16="http://schemas.microsoft.com/office/drawing/2014/main" id="{CCE58A58-BF86-4523-98CB-04D4A68E8459}"/>
+              </a:ext>
+            </a:extLst>
+          </p:cNvPr>
+          <p:cNvPicPr>
+            <a:picLocks noChangeAspect="1"/>
+          </p:cNvPicPr>
+          <p:nvPr/>
+        </p:nvPicPr>
+        <p:blipFill>
+          <a:blip r:embed="rId2"/>
+          <a:stretch>
+            <a:fillRect/>
+          </a:stretch>
+        </p:blipFill>
+        <p:spPr>
+          <a:xfrm>
+            <a:off x="1615051" y="1721861"/>
+            <a:ext cx="8961897" cy="4839119"/>
+          </a:xfrm>
+          <a:prstGeom prst="rect">
+            <a:avLst/>
+          </a:prstGeom>
+        </p:spPr>
+      </p:pic>
+    </p:spTree>
+    <p:extLst>
+      <p:ext uri="{BB962C8B-B14F-4D97-AF65-F5344CB8AC3E}">
+        <p14:creationId xmlns:p14="http://schemas.microsoft.com/office/powerpoint/2010/main" val="3344468592"/>
+      </p:ext>
+    </p:extLst>
+  </p:cSld>
+  <p:clrMapOvr>
+    <a:masterClrMapping/>
+  </p:clrMapOvr>
+</p:sld>
+</file>
+
+<file path=ppt/slides/slide79.xml><?xml version="1.0" encoding="utf-8"?>
+<p:sld xmlns:a="http://schemas.openxmlformats.org/drawingml/2006/main" xmlns:r="http://schemas.openxmlformats.org/officeDocument/2006/relationships" xmlns:p="http://schemas.openxmlformats.org/presentationml/2006/main">
+  <p:cSld>
+    <p:spTree>
+      <p:nvGrpSpPr>
+        <p:cNvPr id="1" name=""/>
+        <p:cNvGrpSpPr/>
+        <p:nvPr/>
+      </p:nvGrpSpPr>
+      <p:grpSpPr>
+        <a:xfrm>
+          <a:off x="0" y="0"/>
+          <a:ext cx="0" cy="0"/>
+          <a:chOff x="0" y="0"/>
+          <a:chExt cx="0" cy="0"/>
+        </a:xfrm>
+      </p:grpSpPr>
+      <p:sp>
+        <p:nvSpPr>
+          <p:cNvPr id="2" name="Title 1">
+            <a:extLst>
+              <a:ext uri="{FF2B5EF4-FFF2-40B4-BE49-F238E27FC236}">
+                <a16:creationId xmlns:a16="http://schemas.microsoft.com/office/drawing/2014/main" id="{3DB3A126-0900-4139-8ACE-FF9802E03D21}"/>
+              </a:ext>
+            </a:extLst>
+          </p:cNvPr>
+          <p:cNvSpPr>
+            <a:spLocks noGrp="1"/>
+          </p:cNvSpPr>
+          <p:nvPr>
+            <p:ph type="title"/>
+          </p:nvPr>
+        </p:nvSpPr>
+        <p:spPr/>
+        <p:txBody>
+          <a:bodyPr/>
+          <a:lstStyle/>
+          <a:p>
+            <a:r>
+              <a:rPr lang="en-IN" dirty="0"/>
+              <a:t>Replication Basics</a:t>
+            </a:r>
+          </a:p>
+        </p:txBody>
+      </p:sp>
+      <p:pic>
+        <p:nvPicPr>
+          <p:cNvPr id="4" name="Picture 3">
+            <a:extLst>
+              <a:ext uri="{FF2B5EF4-FFF2-40B4-BE49-F238E27FC236}">
+                <a16:creationId xmlns:a16="http://schemas.microsoft.com/office/drawing/2014/main" id="{57091945-E467-43EF-93F8-350261CAC5E7}"/>
+              </a:ext>
+            </a:extLst>
+          </p:cNvPr>
+          <p:cNvPicPr>
+            <a:picLocks noChangeAspect="1"/>
+          </p:cNvPicPr>
+          <p:nvPr/>
+        </p:nvPicPr>
+        <p:blipFill>
+          <a:blip r:embed="rId2"/>
+          <a:stretch>
+            <a:fillRect/>
+          </a:stretch>
+        </p:blipFill>
+        <p:spPr>
+          <a:xfrm>
+            <a:off x="1497652" y="1690688"/>
+            <a:ext cx="8573243" cy="4404742"/>
+          </a:xfrm>
+          <a:prstGeom prst="rect">
+            <a:avLst/>
+          </a:prstGeom>
+        </p:spPr>
+      </p:pic>
+    </p:spTree>
+    <p:extLst>
+      <p:ext uri="{BB962C8B-B14F-4D97-AF65-F5344CB8AC3E}">
+        <p14:creationId xmlns:p14="http://schemas.microsoft.com/office/powerpoint/2010/main" val="1522893694"/>
+      </p:ext>
+    </p:extLst>
+  </p:cSld>
+  <p:clrMapOvr>
+    <a:masterClrMapping/>
+  </p:clrMapOvr>
+</p:sld>
+</file>
+
 <file path=ppt/slides/slide8.xml><?xml version="1.0" encoding="utf-8"?>
 <p:sld xmlns:a="http://schemas.openxmlformats.org/drawingml/2006/main" xmlns:r="http://schemas.openxmlformats.org/officeDocument/2006/relationships" xmlns:p="http://schemas.openxmlformats.org/presentationml/2006/main">
   <p:cSld>
@@ -19841,6 +21722,1370 @@
     <p:extLst>
       <p:ext uri="{BB962C8B-B14F-4D97-AF65-F5344CB8AC3E}">
         <p14:creationId xmlns:p14="http://schemas.microsoft.com/office/powerpoint/2010/main" val="2222202709"/>
+      </p:ext>
+    </p:extLst>
+  </p:cSld>
+  <p:clrMapOvr>
+    <a:masterClrMapping/>
+  </p:clrMapOvr>
+</p:sld>
+</file>
+
+<file path=ppt/slides/slide80.xml><?xml version="1.0" encoding="utf-8"?>
+<p:sld xmlns:a="http://schemas.openxmlformats.org/drawingml/2006/main" xmlns:r="http://schemas.openxmlformats.org/officeDocument/2006/relationships" xmlns:p="http://schemas.openxmlformats.org/presentationml/2006/main">
+  <p:cSld>
+    <p:spTree>
+      <p:nvGrpSpPr>
+        <p:cNvPr id="1" name=""/>
+        <p:cNvGrpSpPr/>
+        <p:nvPr/>
+      </p:nvGrpSpPr>
+      <p:grpSpPr>
+        <a:xfrm>
+          <a:off x="0" y="0"/>
+          <a:ext cx="0" cy="0"/>
+          <a:chOff x="0" y="0"/>
+          <a:chExt cx="0" cy="0"/>
+        </a:xfrm>
+      </p:grpSpPr>
+      <p:sp>
+        <p:nvSpPr>
+          <p:cNvPr id="2" name="Title 1">
+            <a:extLst>
+              <a:ext uri="{FF2B5EF4-FFF2-40B4-BE49-F238E27FC236}">
+                <a16:creationId xmlns:a16="http://schemas.microsoft.com/office/drawing/2014/main" id="{3DB3A126-0900-4139-8ACE-FF9802E03D21}"/>
+              </a:ext>
+            </a:extLst>
+          </p:cNvPr>
+          <p:cNvSpPr>
+            <a:spLocks noGrp="1"/>
+          </p:cNvSpPr>
+          <p:nvPr>
+            <p:ph type="title"/>
+          </p:nvPr>
+        </p:nvSpPr>
+        <p:spPr/>
+        <p:txBody>
+          <a:bodyPr/>
+          <a:lstStyle/>
+          <a:p>
+            <a:r>
+              <a:rPr lang="en-IN" dirty="0"/>
+              <a:t>Replication Basics</a:t>
+            </a:r>
+          </a:p>
+        </p:txBody>
+      </p:sp>
+      <p:pic>
+        <p:nvPicPr>
+          <p:cNvPr id="5" name="Picture 4">
+            <a:extLst>
+              <a:ext uri="{FF2B5EF4-FFF2-40B4-BE49-F238E27FC236}">
+                <a16:creationId xmlns:a16="http://schemas.microsoft.com/office/drawing/2014/main" id="{3C051DEF-23D7-43D5-A084-F643C7D972BF}"/>
+              </a:ext>
+            </a:extLst>
+          </p:cNvPr>
+          <p:cNvPicPr>
+            <a:picLocks noChangeAspect="1"/>
+          </p:cNvPicPr>
+          <p:nvPr/>
+        </p:nvPicPr>
+        <p:blipFill>
+          <a:blip r:embed="rId2"/>
+          <a:stretch>
+            <a:fillRect/>
+          </a:stretch>
+        </p:blipFill>
+        <p:spPr>
+          <a:xfrm>
+            <a:off x="1538174" y="1976855"/>
+            <a:ext cx="8596105" cy="4359018"/>
+          </a:xfrm>
+          <a:prstGeom prst="rect">
+            <a:avLst/>
+          </a:prstGeom>
+        </p:spPr>
+      </p:pic>
+    </p:spTree>
+    <p:extLst>
+      <p:ext uri="{BB962C8B-B14F-4D97-AF65-F5344CB8AC3E}">
+        <p14:creationId xmlns:p14="http://schemas.microsoft.com/office/powerpoint/2010/main" val="3042651256"/>
+      </p:ext>
+    </p:extLst>
+  </p:cSld>
+  <p:clrMapOvr>
+    <a:masterClrMapping/>
+  </p:clrMapOvr>
+</p:sld>
+</file>
+
+<file path=ppt/slides/slide81.xml><?xml version="1.0" encoding="utf-8"?>
+<p:sld xmlns:a="http://schemas.openxmlformats.org/drawingml/2006/main" xmlns:r="http://schemas.openxmlformats.org/officeDocument/2006/relationships" xmlns:p="http://schemas.openxmlformats.org/presentationml/2006/main">
+  <p:cSld>
+    <p:spTree>
+      <p:nvGrpSpPr>
+        <p:cNvPr id="1" name=""/>
+        <p:cNvGrpSpPr/>
+        <p:nvPr/>
+      </p:nvGrpSpPr>
+      <p:grpSpPr>
+        <a:xfrm>
+          <a:off x="0" y="0"/>
+          <a:ext cx="0" cy="0"/>
+          <a:chOff x="0" y="0"/>
+          <a:chExt cx="0" cy="0"/>
+        </a:xfrm>
+      </p:grpSpPr>
+      <p:sp>
+        <p:nvSpPr>
+          <p:cNvPr id="2" name="Title 1">
+            <a:extLst>
+              <a:ext uri="{FF2B5EF4-FFF2-40B4-BE49-F238E27FC236}">
+                <a16:creationId xmlns:a16="http://schemas.microsoft.com/office/drawing/2014/main" id="{3DB3A126-0900-4139-8ACE-FF9802E03D21}"/>
+              </a:ext>
+            </a:extLst>
+          </p:cNvPr>
+          <p:cNvSpPr>
+            <a:spLocks noGrp="1"/>
+          </p:cNvSpPr>
+          <p:nvPr>
+            <p:ph type="title"/>
+          </p:nvPr>
+        </p:nvSpPr>
+        <p:spPr/>
+        <p:txBody>
+          <a:bodyPr/>
+          <a:lstStyle/>
+          <a:p>
+            <a:r>
+              <a:rPr lang="en-IN" dirty="0"/>
+              <a:t>Replication Basics</a:t>
+            </a:r>
+          </a:p>
+        </p:txBody>
+      </p:sp>
+      <p:pic>
+        <p:nvPicPr>
+          <p:cNvPr id="5" name="Picture 4">
+            <a:extLst>
+              <a:ext uri="{FF2B5EF4-FFF2-40B4-BE49-F238E27FC236}">
+                <a16:creationId xmlns:a16="http://schemas.microsoft.com/office/drawing/2014/main" id="{3C051DEF-23D7-43D5-A084-F643C7D972BF}"/>
+              </a:ext>
+            </a:extLst>
+          </p:cNvPr>
+          <p:cNvPicPr>
+            <a:picLocks noChangeAspect="1"/>
+          </p:cNvPicPr>
+          <p:nvPr/>
+        </p:nvPicPr>
+        <p:blipFill>
+          <a:blip r:embed="rId2"/>
+          <a:stretch>
+            <a:fillRect/>
+          </a:stretch>
+        </p:blipFill>
+        <p:spPr>
+          <a:xfrm>
+            <a:off x="1538174" y="1976855"/>
+            <a:ext cx="7023935" cy="4359018"/>
+          </a:xfrm>
+          <a:prstGeom prst="rect">
+            <a:avLst/>
+          </a:prstGeom>
+        </p:spPr>
+      </p:pic>
+      <p:sp>
+        <p:nvSpPr>
+          <p:cNvPr id="3" name="Rectangle: Rounded Corners 2">
+            <a:extLst>
+              <a:ext uri="{FF2B5EF4-FFF2-40B4-BE49-F238E27FC236}">
+                <a16:creationId xmlns:a16="http://schemas.microsoft.com/office/drawing/2014/main" id="{7F1B8CFA-6821-49A5-9815-67E4D033441C}"/>
+              </a:ext>
+            </a:extLst>
+          </p:cNvPr>
+          <p:cNvSpPr/>
+          <p:nvPr/>
+        </p:nvSpPr>
+        <p:spPr>
+          <a:xfrm>
+            <a:off x="9382991" y="2122328"/>
+            <a:ext cx="1970809" cy="1589810"/>
+          </a:xfrm>
+          <a:prstGeom prst="roundRect">
+            <a:avLst/>
+          </a:prstGeom>
+        </p:spPr>
+        <p:style>
+          <a:lnRef idx="2">
+            <a:schemeClr val="accent1">
+              <a:shade val="50000"/>
+            </a:schemeClr>
+          </a:lnRef>
+          <a:fillRef idx="1">
+            <a:schemeClr val="accent1"/>
+          </a:fillRef>
+          <a:effectRef idx="0">
+            <a:schemeClr val="accent1"/>
+          </a:effectRef>
+          <a:fontRef idx="minor">
+            <a:schemeClr val="lt1"/>
+          </a:fontRef>
+        </p:style>
+        <p:txBody>
+          <a:bodyPr rtlCol="0" anchor="ctr"/>
+          <a:lstStyle/>
+          <a:p>
+            <a:pPr algn="ctr"/>
+            <a:r>
+              <a:rPr lang="en-IN" dirty="0"/>
+              <a:t>RDB / AOF</a:t>
+            </a:r>
+          </a:p>
+        </p:txBody>
+      </p:sp>
+      <p:cxnSp>
+        <p:nvCxnSpPr>
+          <p:cNvPr id="6" name="Straight Arrow Connector 5">
+            <a:extLst>
+              <a:ext uri="{FF2B5EF4-FFF2-40B4-BE49-F238E27FC236}">
+                <a16:creationId xmlns:a16="http://schemas.microsoft.com/office/drawing/2014/main" id="{DAF0BBE5-C174-490B-91AA-4D7103B579A7}"/>
+              </a:ext>
+            </a:extLst>
+          </p:cNvPr>
+          <p:cNvCxnSpPr>
+            <a:cxnSpLocks/>
+          </p:cNvCxnSpPr>
+          <p:nvPr/>
+        </p:nvCxnSpPr>
+        <p:spPr>
+          <a:xfrm>
+            <a:off x="6920345" y="2753591"/>
+            <a:ext cx="2462646" cy="0"/>
+          </a:xfrm>
+          <a:prstGeom prst="straightConnector1">
+            <a:avLst/>
+          </a:prstGeom>
+          <a:ln w="9525" cap="flat" cmpd="sng" algn="ctr">
+            <a:solidFill>
+              <a:srgbClr val="FFFF00"/>
+            </a:solidFill>
+            <a:prstDash val="solid"/>
+            <a:round/>
+            <a:headEnd type="arrow" w="med" len="med"/>
+            <a:tailEnd type="arrow" w="med" len="med"/>
+          </a:ln>
+        </p:spPr>
+        <p:style>
+          <a:lnRef idx="0">
+            <a:scrgbClr r="0" g="0" b="0"/>
+          </a:lnRef>
+          <a:fillRef idx="0">
+            <a:scrgbClr r="0" g="0" b="0"/>
+          </a:fillRef>
+          <a:effectRef idx="0">
+            <a:scrgbClr r="0" g="0" b="0"/>
+          </a:effectRef>
+          <a:fontRef idx="minor">
+            <a:schemeClr val="tx1"/>
+          </a:fontRef>
+        </p:style>
+      </p:cxnSp>
+    </p:spTree>
+    <p:extLst>
+      <p:ext uri="{BB962C8B-B14F-4D97-AF65-F5344CB8AC3E}">
+        <p14:creationId xmlns:p14="http://schemas.microsoft.com/office/powerpoint/2010/main" val="2473677884"/>
+      </p:ext>
+    </p:extLst>
+  </p:cSld>
+  <p:clrMapOvr>
+    <a:masterClrMapping/>
+  </p:clrMapOvr>
+</p:sld>
+</file>
+
+<file path=ppt/slides/slide82.xml><?xml version="1.0" encoding="utf-8"?>
+<p:sld xmlns:a="http://schemas.openxmlformats.org/drawingml/2006/main" xmlns:r="http://schemas.openxmlformats.org/officeDocument/2006/relationships" xmlns:p="http://schemas.openxmlformats.org/presentationml/2006/main">
+  <p:cSld>
+    <p:spTree>
+      <p:nvGrpSpPr>
+        <p:cNvPr id="1" name=""/>
+        <p:cNvGrpSpPr/>
+        <p:nvPr/>
+      </p:nvGrpSpPr>
+      <p:grpSpPr>
+        <a:xfrm>
+          <a:off x="0" y="0"/>
+          <a:ext cx="0" cy="0"/>
+          <a:chOff x="0" y="0"/>
+          <a:chExt cx="0" cy="0"/>
+        </a:xfrm>
+      </p:grpSpPr>
+      <p:sp>
+        <p:nvSpPr>
+          <p:cNvPr id="2" name="Title 1">
+            <a:extLst>
+              <a:ext uri="{FF2B5EF4-FFF2-40B4-BE49-F238E27FC236}">
+                <a16:creationId xmlns:a16="http://schemas.microsoft.com/office/drawing/2014/main" id="{3DB3A126-0900-4139-8ACE-FF9802E03D21}"/>
+              </a:ext>
+            </a:extLst>
+          </p:cNvPr>
+          <p:cNvSpPr>
+            <a:spLocks noGrp="1"/>
+          </p:cNvSpPr>
+          <p:nvPr>
+            <p:ph type="title"/>
+          </p:nvPr>
+        </p:nvSpPr>
+        <p:spPr/>
+        <p:txBody>
+          <a:bodyPr/>
+          <a:lstStyle/>
+          <a:p>
+            <a:r>
+              <a:rPr lang="en-IN" dirty="0"/>
+              <a:t>Replication Basics</a:t>
+            </a:r>
+          </a:p>
+        </p:txBody>
+      </p:sp>
+      <p:pic>
+        <p:nvPicPr>
+          <p:cNvPr id="4" name="Picture 3">
+            <a:extLst>
+              <a:ext uri="{FF2B5EF4-FFF2-40B4-BE49-F238E27FC236}">
+                <a16:creationId xmlns:a16="http://schemas.microsoft.com/office/drawing/2014/main" id="{13FC80F6-2642-44AE-B274-78DA268F9502}"/>
+              </a:ext>
+            </a:extLst>
+          </p:cNvPr>
+          <p:cNvPicPr>
+            <a:picLocks noChangeAspect="1"/>
+          </p:cNvPicPr>
+          <p:nvPr/>
+        </p:nvPicPr>
+        <p:blipFill>
+          <a:blip r:embed="rId3"/>
+          <a:stretch>
+            <a:fillRect/>
+          </a:stretch>
+        </p:blipFill>
+        <p:spPr>
+          <a:xfrm>
+            <a:off x="887278" y="1482871"/>
+            <a:ext cx="10417443" cy="5208875"/>
+          </a:xfrm>
+          <a:prstGeom prst="rect">
+            <a:avLst/>
+          </a:prstGeom>
+        </p:spPr>
+      </p:pic>
+    </p:spTree>
+    <p:extLst>
+      <p:ext uri="{BB962C8B-B14F-4D97-AF65-F5344CB8AC3E}">
+        <p14:creationId xmlns:p14="http://schemas.microsoft.com/office/powerpoint/2010/main" val="2632689240"/>
+      </p:ext>
+    </p:extLst>
+  </p:cSld>
+  <p:clrMapOvr>
+    <a:masterClrMapping/>
+  </p:clrMapOvr>
+</p:sld>
+</file>
+
+<file path=ppt/slides/slide83.xml><?xml version="1.0" encoding="utf-8"?>
+<p:sld xmlns:a="http://schemas.openxmlformats.org/drawingml/2006/main" xmlns:r="http://schemas.openxmlformats.org/officeDocument/2006/relationships" xmlns:p="http://schemas.openxmlformats.org/presentationml/2006/main">
+  <p:cSld>
+    <p:spTree>
+      <p:nvGrpSpPr>
+        <p:cNvPr id="1" name=""/>
+        <p:cNvGrpSpPr/>
+        <p:nvPr/>
+      </p:nvGrpSpPr>
+      <p:grpSpPr>
+        <a:xfrm>
+          <a:off x="0" y="0"/>
+          <a:ext cx="0" cy="0"/>
+          <a:chOff x="0" y="0"/>
+          <a:chExt cx="0" cy="0"/>
+        </a:xfrm>
+      </p:grpSpPr>
+      <p:pic>
+        <p:nvPicPr>
+          <p:cNvPr id="5" name="Picture 4">
+            <a:extLst>
+              <a:ext uri="{FF2B5EF4-FFF2-40B4-BE49-F238E27FC236}">
+                <a16:creationId xmlns:a16="http://schemas.microsoft.com/office/drawing/2014/main" id="{58F4E806-A6C9-41FF-B795-8457F08F0A66}"/>
+              </a:ext>
+            </a:extLst>
+          </p:cNvPr>
+          <p:cNvPicPr>
+            <a:picLocks noChangeAspect="1"/>
+          </p:cNvPicPr>
+          <p:nvPr/>
+        </p:nvPicPr>
+        <p:blipFill>
+          <a:blip r:embed="rId2"/>
+          <a:stretch>
+            <a:fillRect/>
+          </a:stretch>
+        </p:blipFill>
+        <p:spPr>
+          <a:xfrm>
+            <a:off x="736023" y="358486"/>
+            <a:ext cx="11010900" cy="6141027"/>
+          </a:xfrm>
+          <a:prstGeom prst="rect">
+            <a:avLst/>
+          </a:prstGeom>
+        </p:spPr>
+      </p:pic>
+    </p:spTree>
+    <p:extLst>
+      <p:ext uri="{BB962C8B-B14F-4D97-AF65-F5344CB8AC3E}">
+        <p14:creationId xmlns:p14="http://schemas.microsoft.com/office/powerpoint/2010/main" val="1276759248"/>
+      </p:ext>
+    </p:extLst>
+  </p:cSld>
+  <p:clrMapOvr>
+    <a:masterClrMapping/>
+  </p:clrMapOvr>
+</p:sld>
+</file>
+
+<file path=ppt/slides/slide84.xml><?xml version="1.0" encoding="utf-8"?>
+<p:sld xmlns:a="http://schemas.openxmlformats.org/drawingml/2006/main" xmlns:r="http://schemas.openxmlformats.org/officeDocument/2006/relationships" xmlns:p="http://schemas.openxmlformats.org/presentationml/2006/main">
+  <p:cSld>
+    <p:spTree>
+      <p:nvGrpSpPr>
+        <p:cNvPr id="1" name=""/>
+        <p:cNvGrpSpPr/>
+        <p:nvPr/>
+      </p:nvGrpSpPr>
+      <p:grpSpPr>
+        <a:xfrm>
+          <a:off x="0" y="0"/>
+          <a:ext cx="0" cy="0"/>
+          <a:chOff x="0" y="0"/>
+          <a:chExt cx="0" cy="0"/>
+        </a:xfrm>
+      </p:grpSpPr>
+      <p:sp>
+        <p:nvSpPr>
+          <p:cNvPr id="2" name="Title 1">
+            <a:extLst>
+              <a:ext uri="{FF2B5EF4-FFF2-40B4-BE49-F238E27FC236}">
+                <a16:creationId xmlns:a16="http://schemas.microsoft.com/office/drawing/2014/main" id="{157CEB33-2C46-4964-A5F2-717EC3F8C580}"/>
+              </a:ext>
+            </a:extLst>
+          </p:cNvPr>
+          <p:cNvSpPr>
+            <a:spLocks noGrp="1"/>
+          </p:cNvSpPr>
+          <p:nvPr>
+            <p:ph type="title"/>
+          </p:nvPr>
+        </p:nvSpPr>
+        <p:spPr/>
+        <p:txBody>
+          <a:bodyPr/>
+          <a:lstStyle/>
+          <a:p>
+            <a:r>
+              <a:rPr lang="en-IN" b="1" dirty="0"/>
+              <a:t>Create Slaves(Replicas) and Master</a:t>
+            </a:r>
+          </a:p>
+        </p:txBody>
+      </p:sp>
+      <p:sp>
+        <p:nvSpPr>
+          <p:cNvPr id="3" name="Content Placeholder 2">
+            <a:extLst>
+              <a:ext uri="{FF2B5EF4-FFF2-40B4-BE49-F238E27FC236}">
+                <a16:creationId xmlns:a16="http://schemas.microsoft.com/office/drawing/2014/main" id="{252DF7C0-126B-4C8C-8E7C-33E866C5CA59}"/>
+              </a:ext>
+            </a:extLst>
+          </p:cNvPr>
+          <p:cNvSpPr>
+            <a:spLocks noGrp="1"/>
+          </p:cNvSpPr>
+          <p:nvPr>
+            <p:ph idx="1"/>
+          </p:nvPr>
+        </p:nvSpPr>
+        <p:spPr/>
+        <p:txBody>
+          <a:bodyPr>
+            <a:normAutofit/>
+          </a:bodyPr>
+          <a:lstStyle/>
+          <a:p>
+            <a:pPr marL="0" indent="0">
+              <a:buNone/>
+            </a:pPr>
+            <a:r>
+              <a:rPr lang="en-US" sz="4000" b="1" i="0" u="none" strike="noStrike" baseline="0" dirty="0">
+                <a:solidFill>
+                  <a:srgbClr val="000000"/>
+                </a:solidFill>
+                <a:latin typeface="Book Antiqua" panose="02040602050305030304" pitchFamily="18" charset="0"/>
+              </a:rPr>
+              <a:t>There are Three ways of making a Redis server instance a slave: </a:t>
+            </a:r>
+          </a:p>
+          <a:p>
+            <a:r>
+              <a:rPr lang="en-US" sz="3200" b="0" i="0" u="none" strike="noStrike" baseline="0" dirty="0">
+                <a:solidFill>
+                  <a:srgbClr val="000000"/>
+                </a:solidFill>
+                <a:latin typeface="Book Antiqua" panose="02040602050305030304" pitchFamily="18" charset="0"/>
+              </a:rPr>
+              <a:t>Add the directive </a:t>
+            </a:r>
+            <a:r>
+              <a:rPr lang="en-US" sz="3200" b="1" i="0" u="none" strike="noStrike" baseline="0" dirty="0" err="1">
+                <a:solidFill>
+                  <a:srgbClr val="000000"/>
+                </a:solidFill>
+                <a:latin typeface="Book Antiqua" panose="02040602050305030304" pitchFamily="18" charset="0"/>
+              </a:rPr>
+              <a:t>slaveof</a:t>
+            </a:r>
+            <a:r>
+              <a:rPr lang="en-US" sz="3200" b="1" i="0" u="none" strike="noStrike" baseline="0" dirty="0">
+                <a:solidFill>
+                  <a:srgbClr val="000000"/>
+                </a:solidFill>
+                <a:latin typeface="Book Antiqua" panose="02040602050305030304" pitchFamily="18" charset="0"/>
+              </a:rPr>
+              <a:t> </a:t>
+            </a:r>
+            <a:r>
+              <a:rPr lang="en-US" sz="3200" b="0" i="0" u="none" strike="noStrike" baseline="0" dirty="0">
+                <a:solidFill>
+                  <a:srgbClr val="000000"/>
+                </a:solidFill>
+                <a:latin typeface="Book Antiqua" panose="02040602050305030304" pitchFamily="18" charset="0"/>
+              </a:rPr>
+              <a:t>IP PORT to the configuration file and start a Redis server using this configuration </a:t>
+            </a:r>
+          </a:p>
+          <a:p>
+            <a:r>
+              <a:rPr lang="en-US" sz="3200" b="0" i="0" u="none" strike="noStrike" baseline="0" dirty="0">
+                <a:solidFill>
+                  <a:srgbClr val="000000"/>
+                </a:solidFill>
+                <a:latin typeface="Book Antiqua" panose="02040602050305030304" pitchFamily="18" charset="0"/>
+              </a:rPr>
+              <a:t>Use the </a:t>
+            </a:r>
+            <a:r>
+              <a:rPr lang="en-US" sz="3200" b="1" i="0" u="none" strike="noStrike" baseline="0" dirty="0" err="1">
+                <a:solidFill>
+                  <a:srgbClr val="000000"/>
+                </a:solidFill>
+                <a:latin typeface="Book Antiqua" panose="02040602050305030304" pitchFamily="18" charset="0"/>
+              </a:rPr>
+              <a:t>redis</a:t>
+            </a:r>
+            <a:r>
+              <a:rPr lang="en-US" sz="3200" b="1" i="0" u="none" strike="noStrike" baseline="0" dirty="0">
+                <a:solidFill>
+                  <a:srgbClr val="000000"/>
+                </a:solidFill>
+                <a:latin typeface="Book Antiqua" panose="02040602050305030304" pitchFamily="18" charset="0"/>
+              </a:rPr>
+              <a:t>-server </a:t>
+            </a:r>
+            <a:r>
+              <a:rPr lang="en-US" sz="3200" b="0" i="0" u="none" strike="noStrike" baseline="0" dirty="0">
+                <a:solidFill>
+                  <a:srgbClr val="000000"/>
+                </a:solidFill>
+                <a:latin typeface="Book Antiqua" panose="02040602050305030304" pitchFamily="18" charset="0"/>
+              </a:rPr>
+              <a:t>command-line option </a:t>
+            </a:r>
+            <a:r>
+              <a:rPr lang="en-US" sz="3200" b="1" i="0" u="none" strike="noStrike" baseline="0" dirty="0">
+                <a:solidFill>
+                  <a:srgbClr val="000000"/>
+                </a:solidFill>
+                <a:latin typeface="Book Antiqua" panose="02040602050305030304" pitchFamily="18" charset="0"/>
+              </a:rPr>
+              <a:t>--</a:t>
+            </a:r>
+            <a:r>
+              <a:rPr lang="en-US" sz="3200" b="1" i="0" u="none" strike="noStrike" baseline="0" dirty="0" err="1">
+                <a:solidFill>
+                  <a:srgbClr val="000000"/>
+                </a:solidFill>
+                <a:latin typeface="Book Antiqua" panose="02040602050305030304" pitchFamily="18" charset="0"/>
+              </a:rPr>
+              <a:t>slaveof</a:t>
+            </a:r>
+            <a:r>
+              <a:rPr lang="en-US" sz="3200" b="1" i="0" u="none" strike="noStrike" baseline="0" dirty="0">
+                <a:solidFill>
+                  <a:srgbClr val="000000"/>
+                </a:solidFill>
+                <a:latin typeface="Book Antiqua" panose="02040602050305030304" pitchFamily="18" charset="0"/>
+              </a:rPr>
+              <a:t> </a:t>
+            </a:r>
+            <a:r>
+              <a:rPr lang="en-US" sz="3200" b="0" i="0" u="none" strike="noStrike" baseline="0" dirty="0">
+                <a:solidFill>
+                  <a:srgbClr val="000000"/>
+                </a:solidFill>
+                <a:latin typeface="Book Antiqua" panose="02040602050305030304" pitchFamily="18" charset="0"/>
+              </a:rPr>
+              <a:t>IP PORT </a:t>
+            </a:r>
+            <a:endParaRPr lang="en-IN" sz="3200" b="0" i="0" u="none" strike="noStrike" baseline="0" dirty="0">
+              <a:solidFill>
+                <a:srgbClr val="000000"/>
+              </a:solidFill>
+              <a:latin typeface="Book Antiqua" panose="02040602050305030304" pitchFamily="18" charset="0"/>
+            </a:endParaRPr>
+          </a:p>
+          <a:p>
+            <a:r>
+              <a:rPr lang="en-US" sz="3200" b="0" i="0" u="none" strike="noStrike" baseline="0" dirty="0">
+                <a:solidFill>
+                  <a:srgbClr val="000000"/>
+                </a:solidFill>
+                <a:latin typeface="Book Antiqua" panose="02040602050305030304" pitchFamily="18" charset="0"/>
+              </a:rPr>
+              <a:t>Use the command </a:t>
+            </a:r>
+            <a:r>
+              <a:rPr lang="en-US" sz="3200" b="1" i="0" u="none" strike="noStrike" baseline="0" dirty="0">
+                <a:solidFill>
+                  <a:srgbClr val="000000"/>
+                </a:solidFill>
+                <a:latin typeface="Book Antiqua" panose="02040602050305030304" pitchFamily="18" charset="0"/>
+              </a:rPr>
+              <a:t>SLAVEOF </a:t>
+            </a:r>
+            <a:r>
+              <a:rPr lang="en-US" sz="3200" b="0" i="0" u="none" strike="noStrike" baseline="0" dirty="0">
+                <a:solidFill>
+                  <a:srgbClr val="000000"/>
+                </a:solidFill>
+                <a:latin typeface="Book Antiqua" panose="02040602050305030304" pitchFamily="18" charset="0"/>
+              </a:rPr>
+              <a:t>IP PORT </a:t>
+            </a:r>
+          </a:p>
+          <a:p>
+            <a:endParaRPr lang="en-US" sz="1800" b="0" i="0" u="none" strike="noStrike" baseline="0" dirty="0">
+              <a:solidFill>
+                <a:srgbClr val="000000"/>
+              </a:solidFill>
+              <a:latin typeface="Book Antiqua" panose="02040602050305030304" pitchFamily="18" charset="0"/>
+            </a:endParaRPr>
+          </a:p>
+          <a:p>
+            <a:endParaRPr lang="en-IN" sz="3600" b="1" dirty="0"/>
+          </a:p>
+        </p:txBody>
+      </p:sp>
+    </p:spTree>
+    <p:extLst>
+      <p:ext uri="{BB962C8B-B14F-4D97-AF65-F5344CB8AC3E}">
+        <p14:creationId xmlns:p14="http://schemas.microsoft.com/office/powerpoint/2010/main" val="1762985153"/>
+      </p:ext>
+    </p:extLst>
+  </p:cSld>
+  <p:clrMapOvr>
+    <a:masterClrMapping/>
+  </p:clrMapOvr>
+</p:sld>
+</file>
+
+<file path=ppt/slides/slide85.xml><?xml version="1.0" encoding="utf-8"?>
+<p:sld xmlns:a="http://schemas.openxmlformats.org/drawingml/2006/main" xmlns:r="http://schemas.openxmlformats.org/officeDocument/2006/relationships" xmlns:p="http://schemas.openxmlformats.org/presentationml/2006/main">
+  <p:cSld>
+    <p:spTree>
+      <p:nvGrpSpPr>
+        <p:cNvPr id="1" name=""/>
+        <p:cNvGrpSpPr/>
+        <p:nvPr/>
+      </p:nvGrpSpPr>
+      <p:grpSpPr>
+        <a:xfrm>
+          <a:off x="0" y="0"/>
+          <a:ext cx="0" cy="0"/>
+          <a:chOff x="0" y="0"/>
+          <a:chExt cx="0" cy="0"/>
+        </a:xfrm>
+      </p:grpSpPr>
+      <p:sp>
+        <p:nvSpPr>
+          <p:cNvPr id="2" name="Title 1">
+            <a:extLst>
+              <a:ext uri="{FF2B5EF4-FFF2-40B4-BE49-F238E27FC236}">
+                <a16:creationId xmlns:a16="http://schemas.microsoft.com/office/drawing/2014/main" id="{78DAA880-1615-4DF0-AB27-3C0BA8247FE3}"/>
+              </a:ext>
+            </a:extLst>
+          </p:cNvPr>
+          <p:cNvSpPr>
+            <a:spLocks noGrp="1"/>
+          </p:cNvSpPr>
+          <p:nvPr>
+            <p:ph type="title"/>
+          </p:nvPr>
+        </p:nvSpPr>
+        <p:spPr/>
+        <p:txBody>
+          <a:bodyPr>
+            <a:normAutofit/>
+          </a:bodyPr>
+          <a:lstStyle/>
+          <a:p>
+            <a:r>
+              <a:rPr lang="en-IN" sz="4000" b="1" i="0" u="none" strike="noStrike" baseline="0" dirty="0">
+                <a:solidFill>
+                  <a:srgbClr val="000000"/>
+                </a:solidFill>
+                <a:latin typeface="Arial" panose="020B0604020202020204" pitchFamily="34" charset="0"/>
+              </a:rPr>
+              <a:t>Partitioning </a:t>
+            </a:r>
+            <a:endParaRPr lang="en-IN" sz="8000" dirty="0"/>
+          </a:p>
+        </p:txBody>
+      </p:sp>
+      <p:sp>
+        <p:nvSpPr>
+          <p:cNvPr id="7" name="Content Placeholder 6">
+            <a:extLst>
+              <a:ext uri="{FF2B5EF4-FFF2-40B4-BE49-F238E27FC236}">
+                <a16:creationId xmlns:a16="http://schemas.microsoft.com/office/drawing/2014/main" id="{0094FF67-85E9-47A8-AF7D-D07D39C8A393}"/>
+              </a:ext>
+            </a:extLst>
+          </p:cNvPr>
+          <p:cNvSpPr>
+            <a:spLocks noGrp="1"/>
+          </p:cNvSpPr>
+          <p:nvPr>
+            <p:ph idx="1"/>
+          </p:nvPr>
+        </p:nvSpPr>
+        <p:spPr>
+          <a:xfrm>
+            <a:off x="838200" y="3311525"/>
+            <a:ext cx="10515600" cy="1177348"/>
+          </a:xfrm>
+        </p:spPr>
+        <p:txBody>
+          <a:bodyPr>
+            <a:normAutofit fontScale="85000" lnSpcReduction="20000"/>
+          </a:bodyPr>
+          <a:lstStyle/>
+          <a:p>
+            <a:pPr marL="0" indent="0" algn="ctr">
+              <a:buNone/>
+            </a:pPr>
+            <a:r>
+              <a:rPr lang="en-US" sz="3200" dirty="0"/>
+              <a:t>Partitioning is a general term used to describe the act of breaking up data and distributing it across different hosts.</a:t>
+            </a:r>
+          </a:p>
+          <a:p>
+            <a:pPr marL="0" indent="0" algn="ctr">
+              <a:buNone/>
+            </a:pPr>
+            <a:r>
+              <a:rPr lang="en-IN" sz="3200" b="1" dirty="0">
+                <a:solidFill>
+                  <a:srgbClr val="FF0000"/>
+                </a:solidFill>
+              </a:rPr>
+              <a:t>Breaking One Master Database data and share across multiple masters</a:t>
+            </a:r>
+          </a:p>
+        </p:txBody>
+      </p:sp>
+    </p:spTree>
+    <p:extLst>
+      <p:ext uri="{BB962C8B-B14F-4D97-AF65-F5344CB8AC3E}">
+        <p14:creationId xmlns:p14="http://schemas.microsoft.com/office/powerpoint/2010/main" val="4094454048"/>
+      </p:ext>
+    </p:extLst>
+  </p:cSld>
+  <p:clrMapOvr>
+    <a:masterClrMapping/>
+  </p:clrMapOvr>
+</p:sld>
+</file>
+
+<file path=ppt/slides/slide86.xml><?xml version="1.0" encoding="utf-8"?>
+<p:sld xmlns:a="http://schemas.openxmlformats.org/drawingml/2006/main" xmlns:r="http://schemas.openxmlformats.org/officeDocument/2006/relationships" xmlns:p="http://schemas.openxmlformats.org/presentationml/2006/main">
+  <p:cSld>
+    <p:spTree>
+      <p:nvGrpSpPr>
+        <p:cNvPr id="1" name=""/>
+        <p:cNvGrpSpPr/>
+        <p:nvPr/>
+      </p:nvGrpSpPr>
+      <p:grpSpPr>
+        <a:xfrm>
+          <a:off x="0" y="0"/>
+          <a:ext cx="0" cy="0"/>
+          <a:chOff x="0" y="0"/>
+          <a:chExt cx="0" cy="0"/>
+        </a:xfrm>
+      </p:grpSpPr>
+      <p:sp>
+        <p:nvSpPr>
+          <p:cNvPr id="2" name="Title 1">
+            <a:extLst>
+              <a:ext uri="{FF2B5EF4-FFF2-40B4-BE49-F238E27FC236}">
+                <a16:creationId xmlns:a16="http://schemas.microsoft.com/office/drawing/2014/main" id="{8497F229-CBFD-4615-88E2-7986EF35D949}"/>
+              </a:ext>
+            </a:extLst>
+          </p:cNvPr>
+          <p:cNvSpPr>
+            <a:spLocks noGrp="1"/>
+          </p:cNvSpPr>
+          <p:nvPr>
+            <p:ph type="title"/>
+          </p:nvPr>
+        </p:nvSpPr>
+        <p:spPr/>
+        <p:txBody>
+          <a:bodyPr/>
+          <a:lstStyle/>
+          <a:p>
+            <a:r>
+              <a:rPr lang="en-IN" dirty="0"/>
+              <a:t>Why Partitioning</a:t>
+            </a:r>
+          </a:p>
+        </p:txBody>
+      </p:sp>
+      <p:sp>
+        <p:nvSpPr>
+          <p:cNvPr id="3" name="Content Placeholder 2">
+            <a:extLst>
+              <a:ext uri="{FF2B5EF4-FFF2-40B4-BE49-F238E27FC236}">
+                <a16:creationId xmlns:a16="http://schemas.microsoft.com/office/drawing/2014/main" id="{5ECFA76B-C33D-423F-9C04-B7C69CBFEA33}"/>
+              </a:ext>
+            </a:extLst>
+          </p:cNvPr>
+          <p:cNvSpPr>
+            <a:spLocks noGrp="1"/>
+          </p:cNvSpPr>
+          <p:nvPr>
+            <p:ph idx="1"/>
+          </p:nvPr>
+        </p:nvSpPr>
+        <p:spPr/>
+        <p:txBody>
+          <a:bodyPr>
+            <a:normAutofit/>
+          </a:bodyPr>
+          <a:lstStyle/>
+          <a:p>
+            <a:r>
+              <a:rPr lang="en-US" dirty="0"/>
+              <a:t>Partitioning is performed in a cluster of hosts when better performance, maintainability, or availability is desired.</a:t>
+            </a:r>
+          </a:p>
+          <a:p>
+            <a:endParaRPr lang="en-US" dirty="0"/>
+          </a:p>
+          <a:p>
+            <a:r>
+              <a:rPr lang="en-US" dirty="0"/>
+              <a:t>When Redis was initially designed, it had no intention to be a distributed data store; thus, it cannot natively distribute its data among different instances. It was designed to work well on a single server. </a:t>
+            </a:r>
+          </a:p>
+          <a:p>
+            <a:r>
+              <a:rPr lang="en-US" b="1" dirty="0">
+                <a:solidFill>
+                  <a:srgbClr val="FF0000"/>
+                </a:solidFill>
+              </a:rPr>
+              <a:t>Redis Cluster is designed to solve distributed problems in Redis.</a:t>
+            </a:r>
+            <a:endParaRPr lang="en-IN" b="1" dirty="0">
+              <a:solidFill>
+                <a:srgbClr val="FF0000"/>
+              </a:solidFill>
+            </a:endParaRPr>
+          </a:p>
+        </p:txBody>
+      </p:sp>
+    </p:spTree>
+    <p:extLst>
+      <p:ext uri="{BB962C8B-B14F-4D97-AF65-F5344CB8AC3E}">
+        <p14:creationId xmlns:p14="http://schemas.microsoft.com/office/powerpoint/2010/main" val="2115929697"/>
+      </p:ext>
+    </p:extLst>
+  </p:cSld>
+  <p:clrMapOvr>
+    <a:masterClrMapping/>
+  </p:clrMapOvr>
+</p:sld>
+</file>
+
+<file path=ppt/slides/slide87.xml><?xml version="1.0" encoding="utf-8"?>
+<p:sld xmlns:a="http://schemas.openxmlformats.org/drawingml/2006/main" xmlns:r="http://schemas.openxmlformats.org/officeDocument/2006/relationships" xmlns:p="http://schemas.openxmlformats.org/presentationml/2006/main">
+  <p:cSld>
+    <p:spTree>
+      <p:nvGrpSpPr>
+        <p:cNvPr id="1" name=""/>
+        <p:cNvGrpSpPr/>
+        <p:nvPr/>
+      </p:nvGrpSpPr>
+      <p:grpSpPr>
+        <a:xfrm>
+          <a:off x="0" y="0"/>
+          <a:ext cx="0" cy="0"/>
+          <a:chOff x="0" y="0"/>
+          <a:chExt cx="0" cy="0"/>
+        </a:xfrm>
+      </p:grpSpPr>
+      <p:sp>
+        <p:nvSpPr>
+          <p:cNvPr id="2" name="Title 1">
+            <a:extLst>
+              <a:ext uri="{FF2B5EF4-FFF2-40B4-BE49-F238E27FC236}">
+                <a16:creationId xmlns:a16="http://schemas.microsoft.com/office/drawing/2014/main" id="{78DAA880-1615-4DF0-AB27-3C0BA8247FE3}"/>
+              </a:ext>
+            </a:extLst>
+          </p:cNvPr>
+          <p:cNvSpPr>
+            <a:spLocks noGrp="1"/>
+          </p:cNvSpPr>
+          <p:nvPr>
+            <p:ph type="title"/>
+          </p:nvPr>
+        </p:nvSpPr>
+        <p:spPr/>
+        <p:txBody>
+          <a:bodyPr>
+            <a:normAutofit/>
+          </a:bodyPr>
+          <a:lstStyle/>
+          <a:p>
+            <a:r>
+              <a:rPr lang="en-IN" sz="4000" b="1" i="0" u="none" strike="noStrike" baseline="0" dirty="0">
+                <a:solidFill>
+                  <a:srgbClr val="000000"/>
+                </a:solidFill>
+                <a:latin typeface="Arial" panose="020B0604020202020204" pitchFamily="34" charset="0"/>
+              </a:rPr>
+              <a:t>Types of Partitioning </a:t>
+            </a:r>
+            <a:endParaRPr lang="en-IN" sz="8000" dirty="0"/>
+          </a:p>
+        </p:txBody>
+      </p:sp>
+      <p:sp>
+        <p:nvSpPr>
+          <p:cNvPr id="7" name="Content Placeholder 6">
+            <a:extLst>
+              <a:ext uri="{FF2B5EF4-FFF2-40B4-BE49-F238E27FC236}">
+                <a16:creationId xmlns:a16="http://schemas.microsoft.com/office/drawing/2014/main" id="{0094FF67-85E9-47A8-AF7D-D07D39C8A393}"/>
+              </a:ext>
+            </a:extLst>
+          </p:cNvPr>
+          <p:cNvSpPr>
+            <a:spLocks noGrp="1"/>
+          </p:cNvSpPr>
+          <p:nvPr>
+            <p:ph idx="1"/>
+          </p:nvPr>
+        </p:nvSpPr>
+        <p:spPr>
+          <a:xfrm>
+            <a:off x="838200" y="2152216"/>
+            <a:ext cx="10768446" cy="1325563"/>
+          </a:xfrm>
+        </p:spPr>
+        <p:txBody>
+          <a:bodyPr>
+            <a:normAutofit/>
+          </a:bodyPr>
+          <a:lstStyle/>
+          <a:p>
+            <a:r>
+              <a:rPr lang="en-US" sz="3200" dirty="0"/>
+              <a:t>Horizontal partitioning </a:t>
+            </a:r>
+          </a:p>
+          <a:p>
+            <a:r>
+              <a:rPr lang="en-US" sz="3200" dirty="0"/>
+              <a:t>Vertical partitioning</a:t>
+            </a:r>
+            <a:endParaRPr lang="en-IN" sz="3200" dirty="0"/>
+          </a:p>
+        </p:txBody>
+      </p:sp>
+    </p:spTree>
+    <p:extLst>
+      <p:ext uri="{BB962C8B-B14F-4D97-AF65-F5344CB8AC3E}">
+        <p14:creationId xmlns:p14="http://schemas.microsoft.com/office/powerpoint/2010/main" val="4288727600"/>
+      </p:ext>
+    </p:extLst>
+  </p:cSld>
+  <p:clrMapOvr>
+    <a:masterClrMapping/>
+  </p:clrMapOvr>
+</p:sld>
+</file>
+
+<file path=ppt/slides/slide88.xml><?xml version="1.0" encoding="utf-8"?>
+<p:sld xmlns:a="http://schemas.openxmlformats.org/drawingml/2006/main" xmlns:r="http://schemas.openxmlformats.org/officeDocument/2006/relationships" xmlns:p="http://schemas.openxmlformats.org/presentationml/2006/main">
+  <p:cSld>
+    <p:spTree>
+      <p:nvGrpSpPr>
+        <p:cNvPr id="1" name=""/>
+        <p:cNvGrpSpPr/>
+        <p:nvPr/>
+      </p:nvGrpSpPr>
+      <p:grpSpPr>
+        <a:xfrm>
+          <a:off x="0" y="0"/>
+          <a:ext cx="0" cy="0"/>
+          <a:chOff x="0" y="0"/>
+          <a:chExt cx="0" cy="0"/>
+        </a:xfrm>
+      </p:grpSpPr>
+      <p:sp>
+        <p:nvSpPr>
+          <p:cNvPr id="2" name="Title 1">
+            <a:extLst>
+              <a:ext uri="{FF2B5EF4-FFF2-40B4-BE49-F238E27FC236}">
+                <a16:creationId xmlns:a16="http://schemas.microsoft.com/office/drawing/2014/main" id="{84EE4D0A-5F1C-4201-A920-2B68FBD9ECBC}"/>
+              </a:ext>
+            </a:extLst>
+          </p:cNvPr>
+          <p:cNvSpPr>
+            <a:spLocks noGrp="1"/>
+          </p:cNvSpPr>
+          <p:nvPr>
+            <p:ph type="title"/>
+          </p:nvPr>
+        </p:nvSpPr>
+        <p:spPr/>
+        <p:txBody>
+          <a:bodyPr/>
+          <a:lstStyle/>
+          <a:p>
+            <a:r>
+              <a:rPr lang="en-IN" dirty="0" err="1"/>
+              <a:t>Sharding</a:t>
+            </a:r>
+            <a:endParaRPr lang="en-IN" dirty="0"/>
+          </a:p>
+        </p:txBody>
+      </p:sp>
+      <p:sp>
+        <p:nvSpPr>
+          <p:cNvPr id="3" name="Content Placeholder 2">
+            <a:extLst>
+              <a:ext uri="{FF2B5EF4-FFF2-40B4-BE49-F238E27FC236}">
+                <a16:creationId xmlns:a16="http://schemas.microsoft.com/office/drawing/2014/main" id="{4F0F114A-7472-40FC-9637-BF03ACDCEC4F}"/>
+              </a:ext>
+            </a:extLst>
+          </p:cNvPr>
+          <p:cNvSpPr>
+            <a:spLocks noGrp="1"/>
+          </p:cNvSpPr>
+          <p:nvPr>
+            <p:ph idx="1"/>
+          </p:nvPr>
+        </p:nvSpPr>
+        <p:spPr>
+          <a:xfrm>
+            <a:off x="758535" y="1690688"/>
+            <a:ext cx="10848109" cy="4802187"/>
+          </a:xfrm>
+        </p:spPr>
+        <p:txBody>
+          <a:bodyPr>
+            <a:normAutofit/>
+          </a:bodyPr>
+          <a:lstStyle/>
+          <a:p>
+            <a:r>
+              <a:rPr lang="en-US" b="1" dirty="0"/>
+              <a:t> Horizontal partitioning means distributing </a:t>
+            </a:r>
+            <a:r>
+              <a:rPr lang="en-US" b="1" dirty="0">
+                <a:solidFill>
+                  <a:srgbClr val="FF0000"/>
+                </a:solidFill>
+              </a:rPr>
+              <a:t>keys </a:t>
+            </a:r>
+            <a:r>
+              <a:rPr lang="en-US" b="1" dirty="0"/>
+              <a:t>across different Redis instances</a:t>
+            </a:r>
+          </a:p>
+          <a:p>
+            <a:r>
+              <a:rPr lang="en-US" dirty="0"/>
+              <a:t>Vertical partitioning means distributing </a:t>
+            </a:r>
+            <a:r>
+              <a:rPr lang="en-US" b="1" i="1" dirty="0">
+                <a:solidFill>
+                  <a:srgbClr val="7030A0"/>
+                </a:solidFill>
+              </a:rPr>
+              <a:t>key values </a:t>
+            </a:r>
+            <a:r>
+              <a:rPr lang="en-US" dirty="0"/>
+              <a:t>across different Redis instances.</a:t>
+            </a:r>
+          </a:p>
+          <a:p>
+            <a:pPr lvl="1"/>
+            <a:r>
+              <a:rPr lang="en-US" b="1" i="1" dirty="0"/>
+              <a:t>For example, if you have two Redis Sets stored in Redis, horizontal partitioning would distribute each Set entirely to a different Redis instance, while vertical partitioning would distribute the Set's values to different instances</a:t>
+            </a:r>
+          </a:p>
+          <a:p>
+            <a:r>
+              <a:rPr lang="en-US" b="1" dirty="0">
+                <a:solidFill>
+                  <a:srgbClr val="FF0000"/>
+                </a:solidFill>
+              </a:rPr>
+              <a:t>Horizontal partitioning (also known as </a:t>
+            </a:r>
+            <a:r>
+              <a:rPr lang="en-US" b="1" dirty="0" err="1">
+                <a:solidFill>
+                  <a:srgbClr val="FF0000"/>
+                </a:solidFill>
+              </a:rPr>
+              <a:t>sharding</a:t>
+            </a:r>
+            <a:r>
+              <a:rPr lang="en-US" b="1" dirty="0">
+                <a:solidFill>
+                  <a:srgbClr val="FF0000"/>
+                </a:solidFill>
+              </a:rPr>
+              <a:t>) is the most popular approach adopted with Redis</a:t>
+            </a:r>
+            <a:endParaRPr lang="en-IN" b="1" dirty="0">
+              <a:solidFill>
+                <a:srgbClr val="FF0000"/>
+              </a:solidFill>
+            </a:endParaRPr>
+          </a:p>
+        </p:txBody>
+      </p:sp>
+    </p:spTree>
+    <p:extLst>
+      <p:ext uri="{BB962C8B-B14F-4D97-AF65-F5344CB8AC3E}">
+        <p14:creationId xmlns:p14="http://schemas.microsoft.com/office/powerpoint/2010/main" val="2004189871"/>
+      </p:ext>
+    </p:extLst>
+  </p:cSld>
+  <p:clrMapOvr>
+    <a:masterClrMapping/>
+  </p:clrMapOvr>
+</p:sld>
+</file>
+
+<file path=ppt/slides/slide89.xml><?xml version="1.0" encoding="utf-8"?>
+<p:sld xmlns:a="http://schemas.openxmlformats.org/drawingml/2006/main" xmlns:r="http://schemas.openxmlformats.org/officeDocument/2006/relationships" xmlns:p="http://schemas.openxmlformats.org/presentationml/2006/main">
+  <p:cSld>
+    <p:spTree>
+      <p:nvGrpSpPr>
+        <p:cNvPr id="1" name=""/>
+        <p:cNvGrpSpPr/>
+        <p:nvPr/>
+      </p:nvGrpSpPr>
+      <p:grpSpPr>
+        <a:xfrm>
+          <a:off x="0" y="0"/>
+          <a:ext cx="0" cy="0"/>
+          <a:chOff x="0" y="0"/>
+          <a:chExt cx="0" cy="0"/>
+        </a:xfrm>
+      </p:grpSpPr>
+      <p:sp>
+        <p:nvSpPr>
+          <p:cNvPr id="2" name="Title 1">
+            <a:extLst>
+              <a:ext uri="{FF2B5EF4-FFF2-40B4-BE49-F238E27FC236}">
+                <a16:creationId xmlns:a16="http://schemas.microsoft.com/office/drawing/2014/main" id="{DD45341C-72E7-4735-BD63-69E083353734}"/>
+              </a:ext>
+            </a:extLst>
+          </p:cNvPr>
+          <p:cNvSpPr>
+            <a:spLocks noGrp="1"/>
+          </p:cNvSpPr>
+          <p:nvPr>
+            <p:ph type="title"/>
+          </p:nvPr>
+        </p:nvSpPr>
+        <p:spPr/>
+        <p:txBody>
+          <a:bodyPr>
+            <a:normAutofit fontScale="90000"/>
+          </a:bodyPr>
+          <a:lstStyle/>
+          <a:p>
+            <a:r>
+              <a:rPr lang="en-IN" sz="3600" b="0" i="0" dirty="0">
+                <a:solidFill>
+                  <a:srgbClr val="24292E"/>
+                </a:solidFill>
+                <a:effectLst/>
+                <a:latin typeface="SFMono-Regular"/>
+              </a:rPr>
+              <a:t>Horizontal partitioning </a:t>
+            </a:r>
+            <a:r>
+              <a:rPr lang="en-IN" sz="3600" b="0" i="0" dirty="0" err="1">
+                <a:solidFill>
+                  <a:srgbClr val="24292E"/>
+                </a:solidFill>
+                <a:effectLst/>
+                <a:latin typeface="SFMono-Regular"/>
+              </a:rPr>
+              <a:t>Techniques:</a:t>
+            </a:r>
+            <a:r>
+              <a:rPr lang="en-IN" sz="3600" b="1" i="0" u="none" strike="noStrike" baseline="0" dirty="0" err="1">
+                <a:solidFill>
+                  <a:srgbClr val="000000"/>
+                </a:solidFill>
+                <a:latin typeface="Arial" panose="020B0604020202020204" pitchFamily="34" charset="0"/>
+              </a:rPr>
+              <a:t>Range</a:t>
+            </a:r>
+            <a:r>
+              <a:rPr lang="en-IN" sz="3600" b="1" i="0" u="none" strike="noStrike" baseline="0" dirty="0">
+                <a:solidFill>
+                  <a:srgbClr val="000000"/>
+                </a:solidFill>
+                <a:latin typeface="Arial" panose="020B0604020202020204" pitchFamily="34" charset="0"/>
+              </a:rPr>
+              <a:t> partitioning</a:t>
+            </a:r>
+            <a:br>
+              <a:rPr lang="en-IN" sz="4400" b="1" i="0" u="none" strike="noStrike" baseline="0" dirty="0">
+                <a:solidFill>
+                  <a:srgbClr val="000000"/>
+                </a:solidFill>
+                <a:latin typeface="Arial" panose="020B0604020202020204" pitchFamily="34" charset="0"/>
+              </a:rPr>
+            </a:br>
+            <a:endParaRPr lang="en-IN" dirty="0"/>
+          </a:p>
+        </p:txBody>
+      </p:sp>
+      <p:sp>
+        <p:nvSpPr>
+          <p:cNvPr id="3" name="Content Placeholder 2">
+            <a:extLst>
+              <a:ext uri="{FF2B5EF4-FFF2-40B4-BE49-F238E27FC236}">
+                <a16:creationId xmlns:a16="http://schemas.microsoft.com/office/drawing/2014/main" id="{6A936FCB-025D-4844-A5F0-424E37E09794}"/>
+              </a:ext>
+            </a:extLst>
+          </p:cNvPr>
+          <p:cNvSpPr>
+            <a:spLocks noGrp="1"/>
+          </p:cNvSpPr>
+          <p:nvPr>
+            <p:ph idx="1"/>
+          </p:nvPr>
+        </p:nvSpPr>
+        <p:spPr/>
+        <p:txBody>
+          <a:bodyPr/>
+          <a:lstStyle/>
+          <a:p>
+            <a:r>
+              <a:rPr lang="en-US" b="0" i="0" u="none" strike="noStrike" baseline="0" dirty="0">
+                <a:solidFill>
+                  <a:srgbClr val="000000"/>
+                </a:solidFill>
+                <a:latin typeface="Book Antiqua" panose="02040602050305030304" pitchFamily="18" charset="0"/>
+              </a:rPr>
+              <a:t>Range partitioning is very simple; data is distributed based on a range of keys. Assuming that the keys you want to partition are based on incremental IDs, you can create numerical ranges to partition the data. For example, assuming that you have a group of users identified by IDs (such as </a:t>
+            </a:r>
+            <a:r>
+              <a:rPr lang="en-US" b="0" i="1" u="none" strike="noStrike" baseline="0" dirty="0">
+                <a:solidFill>
+                  <a:srgbClr val="000000"/>
+                </a:solidFill>
+                <a:latin typeface="Book Antiqua" panose="02040602050305030304" pitchFamily="18" charset="0"/>
+              </a:rPr>
+              <a:t>user:1</a:t>
+            </a:r>
+            <a:r>
+              <a:rPr lang="en-US" b="0" i="0" u="none" strike="noStrike" baseline="0" dirty="0">
+                <a:solidFill>
+                  <a:srgbClr val="000000"/>
+                </a:solidFill>
+                <a:latin typeface="Book Antiqua" panose="02040602050305030304" pitchFamily="18" charset="0"/>
+              </a:rPr>
+              <a:t>, </a:t>
+            </a:r>
+            <a:r>
+              <a:rPr lang="en-US" b="0" i="1" u="none" strike="noStrike" baseline="0" dirty="0">
+                <a:solidFill>
+                  <a:srgbClr val="000000"/>
+                </a:solidFill>
+                <a:latin typeface="Book Antiqua" panose="02040602050305030304" pitchFamily="18" charset="0"/>
+              </a:rPr>
+              <a:t>user:2</a:t>
+            </a:r>
+            <a:r>
+              <a:rPr lang="en-US" b="0" i="0" u="none" strike="noStrike" baseline="0" dirty="0">
+                <a:solidFill>
+                  <a:srgbClr val="000000"/>
+                </a:solidFill>
+                <a:latin typeface="Book Antiqua" panose="02040602050305030304" pitchFamily="18" charset="0"/>
+              </a:rPr>
+              <a:t>, and so on up to </a:t>
+            </a:r>
+            <a:r>
+              <a:rPr lang="en-US" b="0" i="1" u="none" strike="noStrike" baseline="0" dirty="0">
+                <a:solidFill>
+                  <a:srgbClr val="000000"/>
+                </a:solidFill>
+                <a:latin typeface="Book Antiqua" panose="02040602050305030304" pitchFamily="18" charset="0"/>
+              </a:rPr>
+              <a:t>user:5000</a:t>
+            </a:r>
+            <a:r>
+              <a:rPr lang="en-US" b="0" i="0" u="none" strike="noStrike" baseline="0" dirty="0">
+                <a:solidFill>
+                  <a:srgbClr val="000000"/>
+                </a:solidFill>
+                <a:latin typeface="Book Antiqua" panose="02040602050305030304" pitchFamily="18" charset="0"/>
+              </a:rPr>
+              <a:t>) you can split these IDs into ranges of thousands. Then you can send keys that go from 1 to 1000 to a given instance, 1001 to 2000 to a different instance, 2001 to 3000 to another instance, and so on.</a:t>
+            </a:r>
+            <a:endParaRPr lang="en-IN" sz="4000" dirty="0"/>
+          </a:p>
+        </p:txBody>
+      </p:sp>
+    </p:spTree>
+    <p:extLst>
+      <p:ext uri="{BB962C8B-B14F-4D97-AF65-F5344CB8AC3E}">
+        <p14:creationId xmlns:p14="http://schemas.microsoft.com/office/powerpoint/2010/main" val="331963395"/>
       </p:ext>
     </p:extLst>
   </p:cSld>
@@ -20167,6 +23412,1868 @@
     <p:extLst>
       <p:ext uri="{BB962C8B-B14F-4D97-AF65-F5344CB8AC3E}">
         <p14:creationId xmlns:p14="http://schemas.microsoft.com/office/powerpoint/2010/main" val="1562113800"/>
+      </p:ext>
+    </p:extLst>
+  </p:cSld>
+  <p:clrMapOvr>
+    <a:masterClrMapping/>
+  </p:clrMapOvr>
+</p:sld>
+</file>
+
+<file path=ppt/slides/slide90.xml><?xml version="1.0" encoding="utf-8"?>
+<p:sld xmlns:a="http://schemas.openxmlformats.org/drawingml/2006/main" xmlns:r="http://schemas.openxmlformats.org/officeDocument/2006/relationships" xmlns:p="http://schemas.openxmlformats.org/presentationml/2006/main">
+  <p:cSld>
+    <p:spTree>
+      <p:nvGrpSpPr>
+        <p:cNvPr id="1" name=""/>
+        <p:cNvGrpSpPr/>
+        <p:nvPr/>
+      </p:nvGrpSpPr>
+      <p:grpSpPr>
+        <a:xfrm>
+          <a:off x="0" y="0"/>
+          <a:ext cx="0" cy="0"/>
+          <a:chOff x="0" y="0"/>
+          <a:chExt cx="0" cy="0"/>
+        </a:xfrm>
+      </p:grpSpPr>
+      <p:sp>
+        <p:nvSpPr>
+          <p:cNvPr id="2" name="Title 1">
+            <a:extLst>
+              <a:ext uri="{FF2B5EF4-FFF2-40B4-BE49-F238E27FC236}">
+                <a16:creationId xmlns:a16="http://schemas.microsoft.com/office/drawing/2014/main" id="{4A4A8E43-AC77-4121-BCF8-A9B04F5DC1D6}"/>
+              </a:ext>
+            </a:extLst>
+          </p:cNvPr>
+          <p:cNvSpPr>
+            <a:spLocks noGrp="1"/>
+          </p:cNvSpPr>
+          <p:nvPr>
+            <p:ph type="title"/>
+          </p:nvPr>
+        </p:nvSpPr>
+        <p:spPr/>
+        <p:txBody>
+          <a:bodyPr>
+            <a:normAutofit fontScale="90000"/>
+          </a:bodyPr>
+          <a:lstStyle/>
+          <a:p>
+            <a:br>
+              <a:rPr lang="en-IN" sz="3600" b="0" i="0" dirty="0">
+                <a:solidFill>
+                  <a:srgbClr val="24292E"/>
+                </a:solidFill>
+                <a:effectLst/>
+                <a:latin typeface="SFMono-Regular"/>
+              </a:rPr>
+            </a:br>
+            <a:br>
+              <a:rPr lang="en-IN" sz="3600" b="0" i="0" dirty="0">
+                <a:solidFill>
+                  <a:srgbClr val="24292E"/>
+                </a:solidFill>
+                <a:effectLst/>
+                <a:latin typeface="SFMono-Regular"/>
+              </a:rPr>
+            </a:br>
+            <a:br>
+              <a:rPr lang="en-IN" sz="3600" b="0" i="0" dirty="0">
+                <a:solidFill>
+                  <a:srgbClr val="24292E"/>
+                </a:solidFill>
+                <a:effectLst/>
+                <a:latin typeface="SFMono-Regular"/>
+              </a:rPr>
+            </a:br>
+            <a:r>
+              <a:rPr lang="en-IN" sz="3600" b="0" i="0" dirty="0">
+                <a:solidFill>
+                  <a:srgbClr val="24292E"/>
+                </a:solidFill>
+                <a:effectLst/>
+                <a:latin typeface="SFMono-Regular"/>
+              </a:rPr>
+              <a:t>Horizontal partitioning Techniques: Hash</a:t>
+            </a:r>
+            <a:r>
+              <a:rPr lang="en-IN" sz="3600" b="1" i="0" u="none" strike="noStrike" baseline="0" dirty="0">
+                <a:solidFill>
+                  <a:srgbClr val="000000"/>
+                </a:solidFill>
+                <a:latin typeface="Arial" panose="020B0604020202020204" pitchFamily="34" charset="0"/>
+              </a:rPr>
+              <a:t> partitioning </a:t>
+            </a:r>
+            <a:br>
+              <a:rPr lang="en-IN" dirty="0"/>
+            </a:br>
+            <a:br>
+              <a:rPr lang="en-IN" sz="5400" b="1" i="0" u="none" strike="noStrike" baseline="0" dirty="0">
+                <a:solidFill>
+                  <a:srgbClr val="000000"/>
+                </a:solidFill>
+                <a:latin typeface="Arial" panose="020B0604020202020204" pitchFamily="34" charset="0"/>
+              </a:rPr>
+            </a:br>
+            <a:endParaRPr lang="en-IN" dirty="0"/>
+          </a:p>
+        </p:txBody>
+      </p:sp>
+      <p:sp>
+        <p:nvSpPr>
+          <p:cNvPr id="3" name="Content Placeholder 2">
+            <a:extLst>
+              <a:ext uri="{FF2B5EF4-FFF2-40B4-BE49-F238E27FC236}">
+                <a16:creationId xmlns:a16="http://schemas.microsoft.com/office/drawing/2014/main" id="{F9AFE318-027D-4B89-B62D-71779B2A02F6}"/>
+              </a:ext>
+            </a:extLst>
+          </p:cNvPr>
+          <p:cNvSpPr>
+            <a:spLocks noGrp="1"/>
+          </p:cNvSpPr>
+          <p:nvPr>
+            <p:ph idx="1"/>
+          </p:nvPr>
+        </p:nvSpPr>
+        <p:spPr/>
+        <p:txBody>
+          <a:bodyPr>
+            <a:normAutofit/>
+          </a:bodyPr>
+          <a:lstStyle/>
+          <a:p>
+            <a:r>
+              <a:rPr lang="en-US" sz="3200" b="0" i="0" u="none" strike="noStrike" baseline="0" dirty="0">
+                <a:solidFill>
+                  <a:srgbClr val="000000"/>
+                </a:solidFill>
+                <a:latin typeface="Book Antiqua" panose="02040602050305030304" pitchFamily="18" charset="0"/>
+              </a:rPr>
+              <a:t>Hash partitioning is very simple to implement. It consists of finding the instance to send the commands by applying a hash function to the Redis key, dividing this hash value by the number of Redis instances available, and using the remainder of that division as the instance index. </a:t>
+            </a:r>
+          </a:p>
+          <a:p>
+            <a:pPr algn="ctr"/>
+            <a:r>
+              <a:rPr lang="en-US" sz="2000" b="1" i="0" u="none" strike="noStrike" baseline="0" dirty="0">
+                <a:solidFill>
+                  <a:srgbClr val="000000"/>
+                </a:solidFill>
+                <a:latin typeface="Courier Std"/>
+              </a:rPr>
+              <a:t>var index = </a:t>
+            </a:r>
+            <a:r>
+              <a:rPr lang="en-US" sz="2000" b="1" i="0" u="none" strike="noStrike" baseline="0" dirty="0" err="1">
+                <a:solidFill>
+                  <a:srgbClr val="000000"/>
+                </a:solidFill>
+                <a:latin typeface="Courier Std"/>
+              </a:rPr>
+              <a:t>hashFunction</a:t>
+            </a:r>
+            <a:r>
+              <a:rPr lang="en-US" sz="2000" b="1" i="0" u="none" strike="noStrike" baseline="0" dirty="0">
+                <a:solidFill>
+                  <a:srgbClr val="000000"/>
+                </a:solidFill>
+                <a:latin typeface="Courier Std"/>
+              </a:rPr>
+              <a:t>(</a:t>
+            </a:r>
+            <a:r>
+              <a:rPr lang="en-US" sz="2000" b="1" i="0" u="none" strike="noStrike" baseline="0" dirty="0" err="1">
+                <a:solidFill>
+                  <a:srgbClr val="000000"/>
+                </a:solidFill>
+                <a:latin typeface="Courier Std"/>
+              </a:rPr>
+              <a:t>redisKey</a:t>
+            </a:r>
+            <a:r>
+              <a:rPr lang="en-US" sz="2000" b="1" i="0" u="none" strike="noStrike" baseline="0" dirty="0">
+                <a:solidFill>
+                  <a:srgbClr val="000000"/>
+                </a:solidFill>
+                <a:latin typeface="Courier Std"/>
+              </a:rPr>
+              <a:t>) % </a:t>
+            </a:r>
+            <a:r>
+              <a:rPr lang="en-US" sz="2000" b="1" i="0" u="none" strike="noStrike" baseline="0" dirty="0" err="1">
+                <a:solidFill>
+                  <a:srgbClr val="000000"/>
+                </a:solidFill>
+                <a:latin typeface="Courier Std"/>
+              </a:rPr>
+              <a:t>redisHosts.length</a:t>
+            </a:r>
+            <a:r>
+              <a:rPr lang="en-US" sz="2000" b="1" i="0" u="none" strike="noStrike" baseline="0" dirty="0">
+                <a:solidFill>
+                  <a:srgbClr val="000000"/>
+                </a:solidFill>
+                <a:latin typeface="Courier Std"/>
+              </a:rPr>
+              <a:t>; </a:t>
+            </a:r>
+          </a:p>
+          <a:p>
+            <a:pPr algn="ctr"/>
+            <a:r>
+              <a:rPr lang="en-IN" sz="2000" b="1" i="0" u="none" strike="noStrike" baseline="0" dirty="0">
+                <a:solidFill>
+                  <a:srgbClr val="000000"/>
+                </a:solidFill>
+                <a:latin typeface="Courier Std"/>
+              </a:rPr>
+              <a:t>var host = </a:t>
+            </a:r>
+            <a:r>
+              <a:rPr lang="en-IN" sz="2000" b="1" i="0" u="none" strike="noStrike" baseline="0" dirty="0" err="1">
+                <a:solidFill>
+                  <a:srgbClr val="000000"/>
+                </a:solidFill>
+                <a:latin typeface="Courier Std"/>
+              </a:rPr>
+              <a:t>redisHosts</a:t>
+            </a:r>
+            <a:r>
+              <a:rPr lang="en-IN" sz="2000" b="1" i="0" u="none" strike="noStrike" baseline="0" dirty="0">
+                <a:solidFill>
+                  <a:srgbClr val="000000"/>
+                </a:solidFill>
+                <a:latin typeface="Courier Std"/>
+              </a:rPr>
+              <a:t>[index]; </a:t>
+            </a:r>
+            <a:endParaRPr lang="en-IN" sz="4800" b="1" dirty="0"/>
+          </a:p>
+        </p:txBody>
+      </p:sp>
+    </p:spTree>
+    <p:extLst>
+      <p:ext uri="{BB962C8B-B14F-4D97-AF65-F5344CB8AC3E}">
+        <p14:creationId xmlns:p14="http://schemas.microsoft.com/office/powerpoint/2010/main" val="1637425208"/>
+      </p:ext>
+    </p:extLst>
+  </p:cSld>
+  <p:clrMapOvr>
+    <a:masterClrMapping/>
+  </p:clrMapOvr>
+</p:sld>
+</file>
+
+<file path=ppt/slides/slide91.xml><?xml version="1.0" encoding="utf-8"?>
+<p:sld xmlns:a="http://schemas.openxmlformats.org/drawingml/2006/main" xmlns:r="http://schemas.openxmlformats.org/officeDocument/2006/relationships" xmlns:p="http://schemas.openxmlformats.org/presentationml/2006/main">
+  <p:cSld>
+    <p:spTree>
+      <p:nvGrpSpPr>
+        <p:cNvPr id="1" name=""/>
+        <p:cNvGrpSpPr/>
+        <p:nvPr/>
+      </p:nvGrpSpPr>
+      <p:grpSpPr>
+        <a:xfrm>
+          <a:off x="0" y="0"/>
+          <a:ext cx="0" cy="0"/>
+          <a:chOff x="0" y="0"/>
+          <a:chExt cx="0" cy="0"/>
+        </a:xfrm>
+      </p:grpSpPr>
+      <p:sp>
+        <p:nvSpPr>
+          <p:cNvPr id="2" name="Title 1">
+            <a:extLst>
+              <a:ext uri="{FF2B5EF4-FFF2-40B4-BE49-F238E27FC236}">
+                <a16:creationId xmlns:a16="http://schemas.microsoft.com/office/drawing/2014/main" id="{B0D278B8-8107-4914-8B60-73D4D7526E94}"/>
+              </a:ext>
+            </a:extLst>
+          </p:cNvPr>
+          <p:cNvSpPr>
+            <a:spLocks noGrp="1"/>
+          </p:cNvSpPr>
+          <p:nvPr>
+            <p:ph type="title"/>
+          </p:nvPr>
+        </p:nvSpPr>
+        <p:spPr/>
+        <p:txBody>
+          <a:bodyPr/>
+          <a:lstStyle/>
+          <a:p>
+            <a:r>
+              <a:rPr lang="en-IN" dirty="0"/>
+              <a:t>Master –Slave Architecture : Our Expectations</a:t>
+            </a:r>
+          </a:p>
+        </p:txBody>
+      </p:sp>
+      <p:sp>
+        <p:nvSpPr>
+          <p:cNvPr id="3" name="Content Placeholder 2">
+            <a:extLst>
+              <a:ext uri="{FF2B5EF4-FFF2-40B4-BE49-F238E27FC236}">
+                <a16:creationId xmlns:a16="http://schemas.microsoft.com/office/drawing/2014/main" id="{02A894C4-D494-4E1A-B14D-4AB3C03B6CC4}"/>
+              </a:ext>
+            </a:extLst>
+          </p:cNvPr>
+          <p:cNvSpPr>
+            <a:spLocks noGrp="1"/>
+          </p:cNvSpPr>
+          <p:nvPr>
+            <p:ph idx="1"/>
+          </p:nvPr>
+        </p:nvSpPr>
+        <p:spPr/>
+        <p:txBody>
+          <a:bodyPr>
+            <a:normAutofit/>
+          </a:bodyPr>
+          <a:lstStyle/>
+          <a:p>
+            <a:r>
+              <a:rPr lang="en-US" sz="3200" dirty="0"/>
+              <a:t>The master has enough memory to store all of the data that you need</a:t>
+            </a:r>
+          </a:p>
+          <a:p>
+            <a:r>
+              <a:rPr lang="en-US" sz="3200" dirty="0"/>
+              <a:t>More slaves can be added to scale reads better or when network bandwidth is a problem (the total read volume is higher than the hardware capability)</a:t>
+            </a:r>
+          </a:p>
+          <a:p>
+            <a:r>
+              <a:rPr lang="en-US" sz="3200" dirty="0"/>
+              <a:t>It is acceptable to stop your application when maintenance is required on the master machine</a:t>
+            </a:r>
+          </a:p>
+          <a:p>
+            <a:r>
+              <a:rPr lang="en-US" sz="3200" dirty="0"/>
+              <a:t>Data redundancy through slaves is enough</a:t>
+            </a:r>
+            <a:endParaRPr lang="en-IN" sz="3200" dirty="0"/>
+          </a:p>
+        </p:txBody>
+      </p:sp>
+    </p:spTree>
+    <p:extLst>
+      <p:ext uri="{BB962C8B-B14F-4D97-AF65-F5344CB8AC3E}">
+        <p14:creationId xmlns:p14="http://schemas.microsoft.com/office/powerpoint/2010/main" val="4280456634"/>
+      </p:ext>
+    </p:extLst>
+  </p:cSld>
+  <p:clrMapOvr>
+    <a:masterClrMapping/>
+  </p:clrMapOvr>
+</p:sld>
+</file>
+
+<file path=ppt/slides/slide92.xml><?xml version="1.0" encoding="utf-8"?>
+<p:sld xmlns:a="http://schemas.openxmlformats.org/drawingml/2006/main" xmlns:r="http://schemas.openxmlformats.org/officeDocument/2006/relationships" xmlns:p="http://schemas.openxmlformats.org/presentationml/2006/main">
+  <p:cSld>
+    <p:spTree>
+      <p:nvGrpSpPr>
+        <p:cNvPr id="1" name=""/>
+        <p:cNvGrpSpPr/>
+        <p:nvPr/>
+      </p:nvGrpSpPr>
+      <p:grpSpPr>
+        <a:xfrm>
+          <a:off x="0" y="0"/>
+          <a:ext cx="0" cy="0"/>
+          <a:chOff x="0" y="0"/>
+          <a:chExt cx="0" cy="0"/>
+        </a:xfrm>
+      </p:grpSpPr>
+      <p:sp>
+        <p:nvSpPr>
+          <p:cNvPr id="2" name="Title 1">
+            <a:extLst>
+              <a:ext uri="{FF2B5EF4-FFF2-40B4-BE49-F238E27FC236}">
+                <a16:creationId xmlns:a16="http://schemas.microsoft.com/office/drawing/2014/main" id="{B0D278B8-8107-4914-8B60-73D4D7526E94}"/>
+              </a:ext>
+            </a:extLst>
+          </p:cNvPr>
+          <p:cNvSpPr>
+            <a:spLocks noGrp="1"/>
+          </p:cNvSpPr>
+          <p:nvPr>
+            <p:ph type="title"/>
+          </p:nvPr>
+        </p:nvSpPr>
+        <p:spPr/>
+        <p:txBody>
+          <a:bodyPr/>
+          <a:lstStyle/>
+          <a:p>
+            <a:r>
+              <a:rPr lang="en-IN" dirty="0"/>
+              <a:t>Master –Slave Architecture : Our Expectations</a:t>
+            </a:r>
+          </a:p>
+        </p:txBody>
+      </p:sp>
+      <p:sp>
+        <p:nvSpPr>
+          <p:cNvPr id="3" name="Content Placeholder 2">
+            <a:extLst>
+              <a:ext uri="{FF2B5EF4-FFF2-40B4-BE49-F238E27FC236}">
+                <a16:creationId xmlns:a16="http://schemas.microsoft.com/office/drawing/2014/main" id="{02A894C4-D494-4E1A-B14D-4AB3C03B6CC4}"/>
+              </a:ext>
+            </a:extLst>
+          </p:cNvPr>
+          <p:cNvSpPr>
+            <a:spLocks noGrp="1"/>
+          </p:cNvSpPr>
+          <p:nvPr>
+            <p:ph idx="1"/>
+          </p:nvPr>
+        </p:nvSpPr>
+        <p:spPr/>
+        <p:txBody>
+          <a:bodyPr>
+            <a:normAutofit/>
+          </a:bodyPr>
+          <a:lstStyle/>
+          <a:p>
+            <a:r>
+              <a:rPr lang="en-US" sz="3200" dirty="0"/>
+              <a:t>The master has enough memory to store all of the data that you need</a:t>
+            </a:r>
+          </a:p>
+          <a:p>
+            <a:r>
+              <a:rPr lang="en-US" sz="3200" dirty="0"/>
+              <a:t>More slaves can be added to scale reads better or when network bandwidth is a problem (the total read volume is higher than the hardware capability)</a:t>
+            </a:r>
+          </a:p>
+          <a:p>
+            <a:r>
+              <a:rPr lang="en-US" sz="3200" dirty="0"/>
+              <a:t>It is acceptable to stop your application when maintenance is required on the master machine</a:t>
+            </a:r>
+          </a:p>
+          <a:p>
+            <a:r>
+              <a:rPr lang="en-US" sz="3200" dirty="0"/>
+              <a:t>Data redundancy through slaves is enough</a:t>
+            </a:r>
+            <a:endParaRPr lang="en-IN" sz="3200" dirty="0"/>
+          </a:p>
+        </p:txBody>
+      </p:sp>
+    </p:spTree>
+    <p:extLst>
+      <p:ext uri="{BB962C8B-B14F-4D97-AF65-F5344CB8AC3E}">
+        <p14:creationId xmlns:p14="http://schemas.microsoft.com/office/powerpoint/2010/main" val="528940286"/>
+      </p:ext>
+    </p:extLst>
+  </p:cSld>
+  <p:clrMapOvr>
+    <a:masterClrMapping/>
+  </p:clrMapOvr>
+</p:sld>
+</file>
+
+<file path=ppt/slides/slide93.xml><?xml version="1.0" encoding="utf-8"?>
+<p:sld xmlns:a="http://schemas.openxmlformats.org/drawingml/2006/main" xmlns:r="http://schemas.openxmlformats.org/officeDocument/2006/relationships" xmlns:p="http://schemas.openxmlformats.org/presentationml/2006/main">
+  <p:cSld>
+    <p:spTree>
+      <p:nvGrpSpPr>
+        <p:cNvPr id="1" name=""/>
+        <p:cNvGrpSpPr/>
+        <p:nvPr/>
+      </p:nvGrpSpPr>
+      <p:grpSpPr>
+        <a:xfrm>
+          <a:off x="0" y="0"/>
+          <a:ext cx="0" cy="0"/>
+          <a:chOff x="0" y="0"/>
+          <a:chExt cx="0" cy="0"/>
+        </a:xfrm>
+      </p:grpSpPr>
+      <p:sp>
+        <p:nvSpPr>
+          <p:cNvPr id="2" name="Title 1">
+            <a:extLst>
+              <a:ext uri="{FF2B5EF4-FFF2-40B4-BE49-F238E27FC236}">
+                <a16:creationId xmlns:a16="http://schemas.microsoft.com/office/drawing/2014/main" id="{B0D278B8-8107-4914-8B60-73D4D7526E94}"/>
+              </a:ext>
+            </a:extLst>
+          </p:cNvPr>
+          <p:cNvSpPr>
+            <a:spLocks noGrp="1"/>
+          </p:cNvSpPr>
+          <p:nvPr>
+            <p:ph type="title"/>
+          </p:nvPr>
+        </p:nvSpPr>
+        <p:spPr/>
+        <p:txBody>
+          <a:bodyPr/>
+          <a:lstStyle/>
+          <a:p>
+            <a:r>
+              <a:rPr lang="en-IN" dirty="0"/>
+              <a:t>Master –Slave Architecture : But In Real Time</a:t>
+            </a:r>
+          </a:p>
+        </p:txBody>
+      </p:sp>
+      <p:sp>
+        <p:nvSpPr>
+          <p:cNvPr id="3" name="Content Placeholder 2">
+            <a:extLst>
+              <a:ext uri="{FF2B5EF4-FFF2-40B4-BE49-F238E27FC236}">
+                <a16:creationId xmlns:a16="http://schemas.microsoft.com/office/drawing/2014/main" id="{02A894C4-D494-4E1A-B14D-4AB3C03B6CC4}"/>
+              </a:ext>
+            </a:extLst>
+          </p:cNvPr>
+          <p:cNvSpPr>
+            <a:spLocks noGrp="1"/>
+          </p:cNvSpPr>
+          <p:nvPr>
+            <p:ph idx="1"/>
+          </p:nvPr>
+        </p:nvSpPr>
+        <p:spPr/>
+        <p:txBody>
+          <a:bodyPr>
+            <a:normAutofit/>
+          </a:bodyPr>
+          <a:lstStyle/>
+          <a:p>
+            <a:r>
+              <a:rPr lang="en-US" sz="3200" dirty="0"/>
+              <a:t>The dataset is bigger than the available memory in the master Redis instance</a:t>
+            </a:r>
+          </a:p>
+          <a:p>
+            <a:endParaRPr lang="en-US" sz="3200" dirty="0"/>
+          </a:p>
+          <a:p>
+            <a:r>
+              <a:rPr lang="en-US" sz="3200" dirty="0"/>
+              <a:t>A given application cannot be stopped when there are issues with the master instance</a:t>
+            </a:r>
+          </a:p>
+          <a:p>
+            <a:endParaRPr lang="en-US" sz="3200" dirty="0"/>
+          </a:p>
+          <a:p>
+            <a:r>
+              <a:rPr lang="en-US" sz="3200" dirty="0"/>
+              <a:t>You need to distribute data among multiple nodes A single point of failure is not acceptable</a:t>
+            </a:r>
+            <a:endParaRPr lang="en-IN" sz="3200" dirty="0"/>
+          </a:p>
+        </p:txBody>
+      </p:sp>
+    </p:spTree>
+    <p:extLst>
+      <p:ext uri="{BB962C8B-B14F-4D97-AF65-F5344CB8AC3E}">
+        <p14:creationId xmlns:p14="http://schemas.microsoft.com/office/powerpoint/2010/main" val="3518664533"/>
+      </p:ext>
+    </p:extLst>
+  </p:cSld>
+  <p:clrMapOvr>
+    <a:masterClrMapping/>
+  </p:clrMapOvr>
+</p:sld>
+</file>
+
+<file path=ppt/slides/slide94.xml><?xml version="1.0" encoding="utf-8"?>
+<p:sld xmlns:a="http://schemas.openxmlformats.org/drawingml/2006/main" xmlns:r="http://schemas.openxmlformats.org/officeDocument/2006/relationships" xmlns:p="http://schemas.openxmlformats.org/presentationml/2006/main">
+  <p:cSld>
+    <p:spTree>
+      <p:nvGrpSpPr>
+        <p:cNvPr id="1" name=""/>
+        <p:cNvGrpSpPr/>
+        <p:nvPr/>
+      </p:nvGrpSpPr>
+      <p:grpSpPr>
+        <a:xfrm>
+          <a:off x="0" y="0"/>
+          <a:ext cx="0" cy="0"/>
+          <a:chOff x="0" y="0"/>
+          <a:chExt cx="0" cy="0"/>
+        </a:xfrm>
+      </p:grpSpPr>
+      <p:sp>
+        <p:nvSpPr>
+          <p:cNvPr id="2" name="Title 1">
+            <a:extLst>
+              <a:ext uri="{FF2B5EF4-FFF2-40B4-BE49-F238E27FC236}">
+                <a16:creationId xmlns:a16="http://schemas.microsoft.com/office/drawing/2014/main" id="{E1288646-B797-442D-B78E-5B2FE6FD5438}"/>
+              </a:ext>
+            </a:extLst>
+          </p:cNvPr>
+          <p:cNvSpPr>
+            <a:spLocks noGrp="1"/>
+          </p:cNvSpPr>
+          <p:nvPr>
+            <p:ph type="title"/>
+          </p:nvPr>
+        </p:nvSpPr>
+        <p:spPr/>
+        <p:txBody>
+          <a:bodyPr/>
+          <a:lstStyle/>
+          <a:p>
+            <a:r>
+              <a:rPr lang="en-IN" dirty="0"/>
+              <a:t>High Availability and Scalability </a:t>
+            </a:r>
+          </a:p>
+        </p:txBody>
+      </p:sp>
+      <p:sp>
+        <p:nvSpPr>
+          <p:cNvPr id="3" name="Content Placeholder 2">
+            <a:extLst>
+              <a:ext uri="{FF2B5EF4-FFF2-40B4-BE49-F238E27FC236}">
+                <a16:creationId xmlns:a16="http://schemas.microsoft.com/office/drawing/2014/main" id="{EC06A3F7-DD93-4CF4-8039-CCD13FCF8A33}"/>
+              </a:ext>
+            </a:extLst>
+          </p:cNvPr>
+          <p:cNvSpPr>
+            <a:spLocks noGrp="1"/>
+          </p:cNvSpPr>
+          <p:nvPr>
+            <p:ph idx="1"/>
+          </p:nvPr>
+        </p:nvSpPr>
+        <p:spPr/>
+        <p:txBody>
+          <a:bodyPr>
+            <a:normAutofit fontScale="92500"/>
+          </a:bodyPr>
+          <a:lstStyle/>
+          <a:p>
+            <a:r>
+              <a:rPr lang="en-US" b="0" i="0" u="none" strike="noStrike" baseline="0" dirty="0">
+                <a:solidFill>
+                  <a:srgbClr val="000000"/>
+                </a:solidFill>
+                <a:latin typeface="Book Antiqua" panose="02040602050305030304" pitchFamily="18" charset="0"/>
+              </a:rPr>
+              <a:t>In 2011, </a:t>
+            </a:r>
+            <a:r>
+              <a:rPr lang="en-US" b="0" i="1" u="none" strike="noStrike" baseline="0" dirty="0">
+                <a:solidFill>
+                  <a:srgbClr val="000000"/>
+                </a:solidFill>
+                <a:latin typeface="Book Antiqua" panose="02040602050305030304" pitchFamily="18" charset="0"/>
+              </a:rPr>
+              <a:t>Salvatore Sanfilippo </a:t>
+            </a:r>
+            <a:r>
+              <a:rPr lang="en-US" b="0" i="0" u="none" strike="noStrike" baseline="0" dirty="0">
+                <a:solidFill>
+                  <a:srgbClr val="000000"/>
+                </a:solidFill>
+                <a:latin typeface="Book Antiqua" panose="02040602050305030304" pitchFamily="18" charset="0"/>
+              </a:rPr>
+              <a:t>started working on a project that would solve these problems, but Redis was still underdeveloped. </a:t>
+            </a:r>
+          </a:p>
+          <a:p>
+            <a:r>
+              <a:rPr lang="en-US" b="0" i="0" u="none" strike="noStrike" baseline="0" dirty="0">
+                <a:solidFill>
+                  <a:srgbClr val="000000"/>
+                </a:solidFill>
+                <a:latin typeface="Book Antiqua" panose="02040602050305030304" pitchFamily="18" charset="0"/>
+              </a:rPr>
+              <a:t>He decided to stop his work because of requests from the community to support other features, such as persistence, better data types, introspection, and replication. </a:t>
+            </a:r>
+          </a:p>
+          <a:p>
+            <a:r>
+              <a:rPr lang="en-US" b="0" i="0" u="none" strike="noStrike" baseline="0" dirty="0">
+                <a:solidFill>
+                  <a:srgbClr val="000000"/>
+                </a:solidFill>
+                <a:latin typeface="Book Antiqua" panose="02040602050305030304" pitchFamily="18" charset="0"/>
+              </a:rPr>
+              <a:t>In 2011, he did not have a lot of knowledge about distributed systems, and Redis Cluster was a complex project to create. It was a great idea, but it required more experience than he had at that time. Solving all of these problems was a difficult task, so he decided to tackle only automatic failover and created a project called </a:t>
+            </a:r>
+            <a:r>
+              <a:rPr lang="en-US" b="1" i="0" u="none" strike="noStrike" baseline="0" dirty="0">
+                <a:solidFill>
+                  <a:srgbClr val="FF0000"/>
+                </a:solidFill>
+                <a:latin typeface="Book Antiqua" panose="02040602050305030304" pitchFamily="18" charset="0"/>
+              </a:rPr>
+              <a:t>Redis Sentinel </a:t>
+            </a:r>
+            <a:endParaRPr lang="en-IN" sz="4000" b="1" dirty="0">
+              <a:solidFill>
+                <a:srgbClr val="FF0000"/>
+              </a:solidFill>
+            </a:endParaRPr>
+          </a:p>
+        </p:txBody>
+      </p:sp>
+    </p:spTree>
+    <p:extLst>
+      <p:ext uri="{BB962C8B-B14F-4D97-AF65-F5344CB8AC3E}">
+        <p14:creationId xmlns:p14="http://schemas.microsoft.com/office/powerpoint/2010/main" val="2141487272"/>
+      </p:ext>
+    </p:extLst>
+  </p:cSld>
+  <p:clrMapOvr>
+    <a:masterClrMapping/>
+  </p:clrMapOvr>
+</p:sld>
+</file>
+
+<file path=ppt/slides/slide95.xml><?xml version="1.0" encoding="utf-8"?>
+<p:sld xmlns:a="http://schemas.openxmlformats.org/drawingml/2006/main" xmlns:r="http://schemas.openxmlformats.org/officeDocument/2006/relationships" xmlns:p="http://schemas.openxmlformats.org/presentationml/2006/main">
+  <p:cSld>
+    <p:spTree>
+      <p:nvGrpSpPr>
+        <p:cNvPr id="1" name=""/>
+        <p:cNvGrpSpPr/>
+        <p:nvPr/>
+      </p:nvGrpSpPr>
+      <p:grpSpPr>
+        <a:xfrm>
+          <a:off x="0" y="0"/>
+          <a:ext cx="0" cy="0"/>
+          <a:chOff x="0" y="0"/>
+          <a:chExt cx="0" cy="0"/>
+        </a:xfrm>
+      </p:grpSpPr>
+      <p:sp>
+        <p:nvSpPr>
+          <p:cNvPr id="2" name="Title 1">
+            <a:extLst>
+              <a:ext uri="{FF2B5EF4-FFF2-40B4-BE49-F238E27FC236}">
+                <a16:creationId xmlns:a16="http://schemas.microsoft.com/office/drawing/2014/main" id="{23E680D5-7FD0-4141-96E8-EE2F26E60C65}"/>
+              </a:ext>
+            </a:extLst>
+          </p:cNvPr>
+          <p:cNvSpPr>
+            <a:spLocks noGrp="1"/>
+          </p:cNvSpPr>
+          <p:nvPr>
+            <p:ph type="title"/>
+          </p:nvPr>
+        </p:nvSpPr>
+        <p:spPr/>
+        <p:txBody>
+          <a:bodyPr/>
+          <a:lstStyle/>
+          <a:p>
+            <a:r>
+              <a:rPr lang="en-IN" b="1" dirty="0">
+                <a:solidFill>
+                  <a:srgbClr val="FF0000"/>
+                </a:solidFill>
+              </a:rPr>
+              <a:t>Redis Cluster And Redis Sentinel</a:t>
+            </a:r>
+          </a:p>
+        </p:txBody>
+      </p:sp>
+      <p:sp>
+        <p:nvSpPr>
+          <p:cNvPr id="3" name="Content Placeholder 2">
+            <a:extLst>
+              <a:ext uri="{FF2B5EF4-FFF2-40B4-BE49-F238E27FC236}">
+                <a16:creationId xmlns:a16="http://schemas.microsoft.com/office/drawing/2014/main" id="{44446FE4-DA5B-4413-B77C-2D196CB0A24C}"/>
+              </a:ext>
+            </a:extLst>
+          </p:cNvPr>
+          <p:cNvSpPr>
+            <a:spLocks noGrp="1"/>
+          </p:cNvSpPr>
+          <p:nvPr>
+            <p:ph idx="1"/>
+          </p:nvPr>
+        </p:nvSpPr>
+        <p:spPr/>
+        <p:txBody>
+          <a:bodyPr>
+            <a:normAutofit fontScale="92500" lnSpcReduction="10000"/>
+          </a:bodyPr>
+          <a:lstStyle/>
+          <a:p>
+            <a:endParaRPr lang="en-US" sz="3600" b="0" i="0" u="none" strike="noStrike" baseline="0" dirty="0">
+              <a:solidFill>
+                <a:srgbClr val="000000"/>
+              </a:solidFill>
+              <a:latin typeface="Book Antiqua" panose="02040602050305030304" pitchFamily="18" charset="0"/>
+            </a:endParaRPr>
+          </a:p>
+          <a:p>
+            <a:r>
+              <a:rPr lang="en-US" sz="3600" b="0" i="0" u="none" strike="noStrike" baseline="0" dirty="0">
+                <a:solidFill>
+                  <a:srgbClr val="000000"/>
+                </a:solidFill>
+                <a:latin typeface="Book Antiqua" panose="02040602050305030304" pitchFamily="18" charset="0"/>
+              </a:rPr>
+              <a:t>Redis Sentinel became stable in Redis 2.8 in late 2013, and Redis Cluster became stable in Redis 3.0 in early 2015. </a:t>
+            </a:r>
+            <a:endParaRPr lang="en-US" sz="3600" dirty="0">
+              <a:solidFill>
+                <a:srgbClr val="000000"/>
+              </a:solidFill>
+              <a:latin typeface="Book Antiqua" panose="02040602050305030304" pitchFamily="18" charset="0"/>
+            </a:endParaRPr>
+          </a:p>
+          <a:p>
+            <a:r>
+              <a:rPr lang="en-US" sz="3600" b="0" i="0" u="none" strike="noStrike" baseline="0" dirty="0">
+                <a:solidFill>
+                  <a:srgbClr val="000000"/>
+                </a:solidFill>
+                <a:latin typeface="Book Antiqua" panose="02040602050305030304" pitchFamily="18" charset="0"/>
+              </a:rPr>
+              <a:t>Sentinel's goal is to provide reliable automatic failover in a master/slave topology </a:t>
+            </a:r>
+            <a:r>
+              <a:rPr lang="en-US" sz="3600" b="0" i="1" u="none" strike="noStrike" baseline="0" dirty="0">
+                <a:solidFill>
+                  <a:srgbClr val="FF0000"/>
+                </a:solidFill>
+                <a:latin typeface="Book Antiqua" panose="02040602050305030304" pitchFamily="18" charset="0"/>
+              </a:rPr>
+              <a:t>without </a:t>
+            </a:r>
+            <a:r>
+              <a:rPr lang="en-US" sz="3600" b="1" i="1" u="none" strike="noStrike" baseline="0" dirty="0" err="1">
+                <a:solidFill>
+                  <a:srgbClr val="FF0000"/>
+                </a:solidFill>
+                <a:latin typeface="Book Antiqua" panose="02040602050305030304" pitchFamily="18" charset="0"/>
+              </a:rPr>
+              <a:t>sharding</a:t>
+            </a:r>
+            <a:r>
+              <a:rPr lang="en-US" sz="3600" b="0" i="1" u="none" strike="noStrike" baseline="0" dirty="0">
+                <a:solidFill>
+                  <a:srgbClr val="FF0000"/>
+                </a:solidFill>
+                <a:latin typeface="Book Antiqua" panose="02040602050305030304" pitchFamily="18" charset="0"/>
+              </a:rPr>
+              <a:t> </a:t>
+            </a:r>
+            <a:r>
+              <a:rPr lang="en-US" sz="3600" b="0" i="0" u="none" strike="noStrike" baseline="0" dirty="0">
+                <a:solidFill>
+                  <a:srgbClr val="000000"/>
+                </a:solidFill>
+                <a:latin typeface="Book Antiqua" panose="02040602050305030304" pitchFamily="18" charset="0"/>
+              </a:rPr>
+              <a:t>data. Cluster's goal is to distribute data across different Redis instances and perform automatic failover if any problem happens to any master instance </a:t>
+            </a:r>
+            <a:endParaRPr lang="en-IN" sz="4800" dirty="0"/>
+          </a:p>
+        </p:txBody>
+      </p:sp>
+    </p:spTree>
+    <p:extLst>
+      <p:ext uri="{BB962C8B-B14F-4D97-AF65-F5344CB8AC3E}">
+        <p14:creationId xmlns:p14="http://schemas.microsoft.com/office/powerpoint/2010/main" val="2853389173"/>
+      </p:ext>
+    </p:extLst>
+  </p:cSld>
+  <p:clrMapOvr>
+    <a:masterClrMapping/>
+  </p:clrMapOvr>
+</p:sld>
+</file>
+
+<file path=ppt/slides/slide96.xml><?xml version="1.0" encoding="utf-8"?>
+<p:sld xmlns:a="http://schemas.openxmlformats.org/drawingml/2006/main" xmlns:r="http://schemas.openxmlformats.org/officeDocument/2006/relationships" xmlns:p="http://schemas.openxmlformats.org/presentationml/2006/main">
+  <p:cSld>
+    <p:spTree>
+      <p:nvGrpSpPr>
+        <p:cNvPr id="1" name=""/>
+        <p:cNvGrpSpPr/>
+        <p:nvPr/>
+      </p:nvGrpSpPr>
+      <p:grpSpPr>
+        <a:xfrm>
+          <a:off x="0" y="0"/>
+          <a:ext cx="0" cy="0"/>
+          <a:chOff x="0" y="0"/>
+          <a:chExt cx="0" cy="0"/>
+        </a:xfrm>
+      </p:grpSpPr>
+      <p:sp>
+        <p:nvSpPr>
+          <p:cNvPr id="2" name="Title 1">
+            <a:extLst>
+              <a:ext uri="{FF2B5EF4-FFF2-40B4-BE49-F238E27FC236}">
+                <a16:creationId xmlns:a16="http://schemas.microsoft.com/office/drawing/2014/main" id="{BC97B0DE-3F89-4F26-87ED-44305B6C9C06}"/>
+              </a:ext>
+            </a:extLst>
+          </p:cNvPr>
+          <p:cNvSpPr>
+            <a:spLocks noGrp="1"/>
+          </p:cNvSpPr>
+          <p:nvPr>
+            <p:ph type="title"/>
+          </p:nvPr>
+        </p:nvSpPr>
+        <p:spPr/>
+        <p:txBody>
+          <a:bodyPr/>
+          <a:lstStyle/>
+          <a:p>
+            <a:r>
+              <a:rPr lang="en-IN" b="1" dirty="0">
+                <a:solidFill>
+                  <a:srgbClr val="FF0000"/>
+                </a:solidFill>
+              </a:rPr>
+              <a:t>Redis Cluster</a:t>
+            </a:r>
+            <a:endParaRPr lang="en-IN" dirty="0"/>
+          </a:p>
+        </p:txBody>
+      </p:sp>
+      <p:sp>
+        <p:nvSpPr>
+          <p:cNvPr id="3" name="Content Placeholder 2">
+            <a:extLst>
+              <a:ext uri="{FF2B5EF4-FFF2-40B4-BE49-F238E27FC236}">
+                <a16:creationId xmlns:a16="http://schemas.microsoft.com/office/drawing/2014/main" id="{15D073EF-CF7B-4E96-A54F-0F2260139E2D}"/>
+              </a:ext>
+            </a:extLst>
+          </p:cNvPr>
+          <p:cNvSpPr>
+            <a:spLocks noGrp="1"/>
+          </p:cNvSpPr>
+          <p:nvPr>
+            <p:ph idx="1"/>
+          </p:nvPr>
+        </p:nvSpPr>
+        <p:spPr/>
+        <p:txBody>
+          <a:bodyPr>
+            <a:normAutofit fontScale="92500" lnSpcReduction="10000"/>
+          </a:bodyPr>
+          <a:lstStyle/>
+          <a:p>
+            <a:r>
+              <a:rPr lang="en-US" sz="3200" b="0" i="0" u="none" strike="noStrike" baseline="0" dirty="0">
+                <a:solidFill>
+                  <a:srgbClr val="000000"/>
+                </a:solidFill>
+                <a:latin typeface="Book Antiqua" panose="02040602050305030304" pitchFamily="18" charset="0"/>
+              </a:rPr>
+              <a:t>Redis Cluster was designed to automatically shard data across different Redis instances, providing some degree of availability during network partitions.</a:t>
+            </a:r>
+          </a:p>
+          <a:p>
+            <a:r>
+              <a:rPr lang="en-US" sz="3600" b="0" i="0" u="none" strike="noStrike" baseline="0" dirty="0">
+                <a:solidFill>
+                  <a:srgbClr val="000000"/>
+                </a:solidFill>
+                <a:latin typeface="Book Antiqua" panose="02040602050305030304" pitchFamily="18" charset="0"/>
+              </a:rPr>
+              <a:t>Redis Cluster only requires a single process to run</a:t>
+            </a:r>
+            <a:r>
+              <a:rPr lang="en-US" sz="3600" dirty="0">
+                <a:solidFill>
+                  <a:srgbClr val="000000"/>
+                </a:solidFill>
+                <a:latin typeface="Book Antiqua" panose="02040602050305030304" pitchFamily="18" charset="0"/>
+              </a:rPr>
+              <a:t>.</a:t>
+            </a:r>
+          </a:p>
+          <a:p>
+            <a:r>
+              <a:rPr lang="en-US" sz="3600" b="0" i="0" u="none" strike="noStrike" baseline="0" dirty="0">
+                <a:solidFill>
+                  <a:srgbClr val="000000"/>
+                </a:solidFill>
+                <a:latin typeface="Book Antiqua" panose="02040602050305030304" pitchFamily="18" charset="0"/>
+              </a:rPr>
+              <a:t>However, there are two ports that Redis uses. The first is used to </a:t>
+            </a:r>
+            <a:r>
+              <a:rPr lang="en-US" sz="3600" b="0" i="0" u="none" strike="noStrike" baseline="0" dirty="0">
+                <a:solidFill>
+                  <a:srgbClr val="FF0000"/>
+                </a:solidFill>
+                <a:latin typeface="Book Antiqua" panose="02040602050305030304" pitchFamily="18" charset="0"/>
+              </a:rPr>
+              <a:t>serve clients (low port), </a:t>
+            </a:r>
+            <a:r>
+              <a:rPr lang="en-US" sz="3600" b="0" i="0" u="none" strike="noStrike" baseline="0" dirty="0">
+                <a:solidFill>
+                  <a:srgbClr val="000000"/>
+                </a:solidFill>
+                <a:latin typeface="Book Antiqua" panose="02040602050305030304" pitchFamily="18" charset="0"/>
+              </a:rPr>
+              <a:t>and the second serves as a bus for node-to-node communication (high port). The high port is used to exchange messages such as failure detection, failover, resharding, and so on.</a:t>
+            </a:r>
+            <a:endParaRPr lang="en-US" sz="4800" b="0" i="0" u="none" strike="noStrike" baseline="0" dirty="0">
+              <a:solidFill>
+                <a:srgbClr val="000000"/>
+              </a:solidFill>
+              <a:latin typeface="Book Antiqua" panose="02040602050305030304" pitchFamily="18" charset="0"/>
+            </a:endParaRPr>
+          </a:p>
+        </p:txBody>
+      </p:sp>
+    </p:spTree>
+    <p:extLst>
+      <p:ext uri="{BB962C8B-B14F-4D97-AF65-F5344CB8AC3E}">
+        <p14:creationId xmlns:p14="http://schemas.microsoft.com/office/powerpoint/2010/main" val="2231158640"/>
+      </p:ext>
+    </p:extLst>
+  </p:cSld>
+  <p:clrMapOvr>
+    <a:masterClrMapping/>
+  </p:clrMapOvr>
+</p:sld>
+</file>
+
+<file path=ppt/slides/slide97.xml><?xml version="1.0" encoding="utf-8"?>
+<p:sld xmlns:a="http://schemas.openxmlformats.org/drawingml/2006/main" xmlns:r="http://schemas.openxmlformats.org/officeDocument/2006/relationships" xmlns:p="http://schemas.openxmlformats.org/presentationml/2006/main">
+  <p:cSld>
+    <p:spTree>
+      <p:nvGrpSpPr>
+        <p:cNvPr id="1" name=""/>
+        <p:cNvGrpSpPr/>
+        <p:nvPr/>
+      </p:nvGrpSpPr>
+      <p:grpSpPr>
+        <a:xfrm>
+          <a:off x="0" y="0"/>
+          <a:ext cx="0" cy="0"/>
+          <a:chOff x="0" y="0"/>
+          <a:chExt cx="0" cy="0"/>
+        </a:xfrm>
+      </p:grpSpPr>
+      <p:sp>
+        <p:nvSpPr>
+          <p:cNvPr id="4" name="Rectangle 3">
+            <a:extLst>
+              <a:ext uri="{FF2B5EF4-FFF2-40B4-BE49-F238E27FC236}">
+                <a16:creationId xmlns:a16="http://schemas.microsoft.com/office/drawing/2014/main" id="{547BF2A7-5419-4574-A652-37E07D847BA8}"/>
+              </a:ext>
+            </a:extLst>
+          </p:cNvPr>
+          <p:cNvSpPr/>
+          <p:nvPr/>
+        </p:nvSpPr>
+        <p:spPr>
+          <a:xfrm>
+            <a:off x="2975264" y="2254827"/>
+            <a:ext cx="2119746" cy="2078182"/>
+          </a:xfrm>
+          <a:prstGeom prst="rect">
+            <a:avLst/>
+          </a:prstGeom>
+        </p:spPr>
+        <p:style>
+          <a:lnRef idx="2">
+            <a:schemeClr val="accent1">
+              <a:shade val="50000"/>
+            </a:schemeClr>
+          </a:lnRef>
+          <a:fillRef idx="1">
+            <a:schemeClr val="accent1"/>
+          </a:fillRef>
+          <a:effectRef idx="0">
+            <a:schemeClr val="accent1"/>
+          </a:effectRef>
+          <a:fontRef idx="minor">
+            <a:schemeClr val="lt1"/>
+          </a:fontRef>
+        </p:style>
+        <p:txBody>
+          <a:bodyPr rtlCol="0" anchor="ctr"/>
+          <a:lstStyle/>
+          <a:p>
+            <a:pPr algn="ctr"/>
+            <a:r>
+              <a:rPr lang="en-IN" dirty="0"/>
+              <a:t>Master Node</a:t>
+            </a:r>
+          </a:p>
+        </p:txBody>
+      </p:sp>
+      <p:sp>
+        <p:nvSpPr>
+          <p:cNvPr id="5" name="Rectangle 4">
+            <a:extLst>
+              <a:ext uri="{FF2B5EF4-FFF2-40B4-BE49-F238E27FC236}">
+                <a16:creationId xmlns:a16="http://schemas.microsoft.com/office/drawing/2014/main" id="{F0D4790E-525C-40CE-BB75-59F4B4448BFE}"/>
+              </a:ext>
+            </a:extLst>
+          </p:cNvPr>
+          <p:cNvSpPr/>
+          <p:nvPr/>
+        </p:nvSpPr>
+        <p:spPr>
+          <a:xfrm>
+            <a:off x="7096991" y="571500"/>
+            <a:ext cx="2628900" cy="1818409"/>
+          </a:xfrm>
+          <a:prstGeom prst="rect">
+            <a:avLst/>
+          </a:prstGeom>
+        </p:spPr>
+        <p:style>
+          <a:lnRef idx="2">
+            <a:schemeClr val="accent6">
+              <a:shade val="50000"/>
+            </a:schemeClr>
+          </a:lnRef>
+          <a:fillRef idx="1">
+            <a:schemeClr val="accent6"/>
+          </a:fillRef>
+          <a:effectRef idx="0">
+            <a:schemeClr val="accent6"/>
+          </a:effectRef>
+          <a:fontRef idx="minor">
+            <a:schemeClr val="lt1"/>
+          </a:fontRef>
+        </p:style>
+        <p:txBody>
+          <a:bodyPr rtlCol="0" anchor="ctr"/>
+          <a:lstStyle/>
+          <a:p>
+            <a:pPr algn="ctr"/>
+            <a:r>
+              <a:rPr lang="en-IN" dirty="0"/>
+              <a:t>Replica-1</a:t>
+            </a:r>
+          </a:p>
+        </p:txBody>
+      </p:sp>
+      <p:sp>
+        <p:nvSpPr>
+          <p:cNvPr id="6" name="Rectangle 5">
+            <a:extLst>
+              <a:ext uri="{FF2B5EF4-FFF2-40B4-BE49-F238E27FC236}">
+                <a16:creationId xmlns:a16="http://schemas.microsoft.com/office/drawing/2014/main" id="{44C0C158-230C-457C-955D-4B36D1A07DA5}"/>
+              </a:ext>
+            </a:extLst>
+          </p:cNvPr>
+          <p:cNvSpPr/>
+          <p:nvPr/>
+        </p:nvSpPr>
+        <p:spPr>
+          <a:xfrm>
+            <a:off x="7096991" y="3861955"/>
+            <a:ext cx="2628900" cy="1818409"/>
+          </a:xfrm>
+          <a:prstGeom prst="rect">
+            <a:avLst/>
+          </a:prstGeom>
+        </p:spPr>
+        <p:style>
+          <a:lnRef idx="2">
+            <a:schemeClr val="accent6">
+              <a:shade val="50000"/>
+            </a:schemeClr>
+          </a:lnRef>
+          <a:fillRef idx="1">
+            <a:schemeClr val="accent6"/>
+          </a:fillRef>
+          <a:effectRef idx="0">
+            <a:schemeClr val="accent6"/>
+          </a:effectRef>
+          <a:fontRef idx="minor">
+            <a:schemeClr val="lt1"/>
+          </a:fontRef>
+        </p:style>
+        <p:txBody>
+          <a:bodyPr rtlCol="0" anchor="ctr"/>
+          <a:lstStyle/>
+          <a:p>
+            <a:pPr algn="ctr"/>
+            <a:r>
+              <a:rPr lang="en-IN" dirty="0"/>
+              <a:t>Replica-2</a:t>
+            </a:r>
+          </a:p>
+        </p:txBody>
+      </p:sp>
+      <p:cxnSp>
+        <p:nvCxnSpPr>
+          <p:cNvPr id="8" name="Straight Connector 7">
+            <a:extLst>
+              <a:ext uri="{FF2B5EF4-FFF2-40B4-BE49-F238E27FC236}">
+                <a16:creationId xmlns:a16="http://schemas.microsoft.com/office/drawing/2014/main" id="{ABDC1E4F-F8C6-4026-A7C6-A84FFE2307D9}"/>
+              </a:ext>
+            </a:extLst>
+          </p:cNvPr>
+          <p:cNvCxnSpPr/>
+          <p:nvPr/>
+        </p:nvCxnSpPr>
+        <p:spPr>
+          <a:xfrm>
+            <a:off x="5095010" y="3106882"/>
+            <a:ext cx="1077190" cy="0"/>
+          </a:xfrm>
+          <a:prstGeom prst="line">
+            <a:avLst/>
+          </a:prstGeom>
+        </p:spPr>
+        <p:style>
+          <a:lnRef idx="1">
+            <a:schemeClr val="accent1"/>
+          </a:lnRef>
+          <a:fillRef idx="0">
+            <a:schemeClr val="accent1"/>
+          </a:fillRef>
+          <a:effectRef idx="0">
+            <a:schemeClr val="accent1"/>
+          </a:effectRef>
+          <a:fontRef idx="minor">
+            <a:schemeClr val="tx1"/>
+          </a:fontRef>
+        </p:style>
+      </p:cxnSp>
+      <p:cxnSp>
+        <p:nvCxnSpPr>
+          <p:cNvPr id="10" name="Straight Connector 9">
+            <a:extLst>
+              <a:ext uri="{FF2B5EF4-FFF2-40B4-BE49-F238E27FC236}">
+                <a16:creationId xmlns:a16="http://schemas.microsoft.com/office/drawing/2014/main" id="{ECBE20C3-90BB-44AE-9600-D2F0632D1050}"/>
+              </a:ext>
+            </a:extLst>
+          </p:cNvPr>
+          <p:cNvCxnSpPr>
+            <a:cxnSpLocks/>
+          </p:cNvCxnSpPr>
+          <p:nvPr/>
+        </p:nvCxnSpPr>
+        <p:spPr>
+          <a:xfrm>
+            <a:off x="6348846" y="1808018"/>
+            <a:ext cx="0" cy="3304309"/>
+          </a:xfrm>
+          <a:prstGeom prst="line">
+            <a:avLst/>
+          </a:prstGeom>
+        </p:spPr>
+        <p:style>
+          <a:lnRef idx="1">
+            <a:schemeClr val="accent1"/>
+          </a:lnRef>
+          <a:fillRef idx="0">
+            <a:schemeClr val="accent1"/>
+          </a:fillRef>
+          <a:effectRef idx="0">
+            <a:schemeClr val="accent1"/>
+          </a:effectRef>
+          <a:fontRef idx="minor">
+            <a:schemeClr val="tx1"/>
+          </a:fontRef>
+        </p:style>
+      </p:cxnSp>
+      <p:cxnSp>
+        <p:nvCxnSpPr>
+          <p:cNvPr id="13" name="Straight Arrow Connector 12">
+            <a:extLst>
+              <a:ext uri="{FF2B5EF4-FFF2-40B4-BE49-F238E27FC236}">
+                <a16:creationId xmlns:a16="http://schemas.microsoft.com/office/drawing/2014/main" id="{0910A9A6-58FC-4732-9B5B-F79FA986F050}"/>
+              </a:ext>
+            </a:extLst>
+          </p:cNvPr>
+          <p:cNvCxnSpPr/>
+          <p:nvPr/>
+        </p:nvCxnSpPr>
+        <p:spPr>
+          <a:xfrm>
+            <a:off x="6421582" y="1808018"/>
+            <a:ext cx="675409" cy="0"/>
+          </a:xfrm>
+          <a:prstGeom prst="straightConnector1">
+            <a:avLst/>
+          </a:prstGeom>
+          <a:ln>
+            <a:tailEnd type="triangle"/>
+          </a:ln>
+        </p:spPr>
+        <p:style>
+          <a:lnRef idx="1">
+            <a:schemeClr val="accent1"/>
+          </a:lnRef>
+          <a:fillRef idx="0">
+            <a:schemeClr val="accent1"/>
+          </a:fillRef>
+          <a:effectRef idx="0">
+            <a:schemeClr val="accent1"/>
+          </a:effectRef>
+          <a:fontRef idx="minor">
+            <a:schemeClr val="tx1"/>
+          </a:fontRef>
+        </p:style>
+      </p:cxnSp>
+      <p:cxnSp>
+        <p:nvCxnSpPr>
+          <p:cNvPr id="14" name="Straight Arrow Connector 13">
+            <a:extLst>
+              <a:ext uri="{FF2B5EF4-FFF2-40B4-BE49-F238E27FC236}">
+                <a16:creationId xmlns:a16="http://schemas.microsoft.com/office/drawing/2014/main" id="{72D43003-2949-4C21-9D95-9ED46149060F}"/>
+              </a:ext>
+            </a:extLst>
+          </p:cNvPr>
+          <p:cNvCxnSpPr/>
+          <p:nvPr/>
+        </p:nvCxnSpPr>
+        <p:spPr>
+          <a:xfrm>
+            <a:off x="6421581" y="5112327"/>
+            <a:ext cx="675409" cy="0"/>
+          </a:xfrm>
+          <a:prstGeom prst="straightConnector1">
+            <a:avLst/>
+          </a:prstGeom>
+          <a:ln>
+            <a:tailEnd type="triangle"/>
+          </a:ln>
+        </p:spPr>
+        <p:style>
+          <a:lnRef idx="1">
+            <a:schemeClr val="accent1"/>
+          </a:lnRef>
+          <a:fillRef idx="0">
+            <a:schemeClr val="accent1"/>
+          </a:fillRef>
+          <a:effectRef idx="0">
+            <a:schemeClr val="accent1"/>
+          </a:effectRef>
+          <a:fontRef idx="minor">
+            <a:schemeClr val="tx1"/>
+          </a:fontRef>
+        </p:style>
+      </p:cxnSp>
+      <p:sp>
+        <p:nvSpPr>
+          <p:cNvPr id="15" name="TextBox 14">
+            <a:extLst>
+              <a:ext uri="{FF2B5EF4-FFF2-40B4-BE49-F238E27FC236}">
+                <a16:creationId xmlns:a16="http://schemas.microsoft.com/office/drawing/2014/main" id="{1497BED7-F41C-4552-8628-A8A83CF68F5E}"/>
+              </a:ext>
+            </a:extLst>
+          </p:cNvPr>
+          <p:cNvSpPr txBox="1"/>
+          <p:nvPr/>
+        </p:nvSpPr>
+        <p:spPr>
+          <a:xfrm>
+            <a:off x="1761277" y="3244334"/>
+            <a:ext cx="1213987" cy="369332"/>
+          </a:xfrm>
+          <a:prstGeom prst="rect">
+            <a:avLst/>
+          </a:prstGeom>
+          <a:noFill/>
+        </p:spPr>
+        <p:txBody>
+          <a:bodyPr wrap="none" rtlCol="0">
+            <a:spAutoFit/>
+          </a:bodyPr>
+          <a:lstStyle/>
+          <a:p>
+            <a:r>
+              <a:rPr lang="en-IN" dirty="0"/>
+              <a:t>Port : 6379</a:t>
+            </a:r>
+          </a:p>
+        </p:txBody>
+      </p:sp>
+      <p:sp>
+        <p:nvSpPr>
+          <p:cNvPr id="17" name="TextBox 16">
+            <a:extLst>
+              <a:ext uri="{FF2B5EF4-FFF2-40B4-BE49-F238E27FC236}">
+                <a16:creationId xmlns:a16="http://schemas.microsoft.com/office/drawing/2014/main" id="{36000852-726F-4830-B5E4-39B24735E2E1}"/>
+              </a:ext>
+            </a:extLst>
+          </p:cNvPr>
+          <p:cNvSpPr txBox="1"/>
+          <p:nvPr/>
+        </p:nvSpPr>
+        <p:spPr>
+          <a:xfrm>
+            <a:off x="5030094" y="2737550"/>
+            <a:ext cx="1331005" cy="369332"/>
+          </a:xfrm>
+          <a:prstGeom prst="rect">
+            <a:avLst/>
+          </a:prstGeom>
+          <a:noFill/>
+        </p:spPr>
+        <p:txBody>
+          <a:bodyPr wrap="none" rtlCol="0">
+            <a:spAutoFit/>
+          </a:bodyPr>
+          <a:lstStyle/>
+          <a:p>
+            <a:r>
+              <a:rPr lang="en-IN" dirty="0"/>
+              <a:t>Port : 15379</a:t>
+            </a:r>
+          </a:p>
+        </p:txBody>
+      </p:sp>
+      <p:sp>
+        <p:nvSpPr>
+          <p:cNvPr id="18" name="TextBox 17">
+            <a:extLst>
+              <a:ext uri="{FF2B5EF4-FFF2-40B4-BE49-F238E27FC236}">
+                <a16:creationId xmlns:a16="http://schemas.microsoft.com/office/drawing/2014/main" id="{9C2659F3-0D04-47EE-933D-141D13128AA3}"/>
+              </a:ext>
+            </a:extLst>
+          </p:cNvPr>
+          <p:cNvSpPr txBox="1"/>
+          <p:nvPr/>
+        </p:nvSpPr>
+        <p:spPr>
+          <a:xfrm>
+            <a:off x="5046536" y="3589605"/>
+            <a:ext cx="1331005" cy="369332"/>
+          </a:xfrm>
+          <a:prstGeom prst="rect">
+            <a:avLst/>
+          </a:prstGeom>
+          <a:noFill/>
+        </p:spPr>
+        <p:txBody>
+          <a:bodyPr wrap="none" rtlCol="0">
+            <a:spAutoFit/>
+          </a:bodyPr>
+          <a:lstStyle/>
+          <a:p>
+            <a:r>
+              <a:rPr lang="en-IN" dirty="0"/>
+              <a:t>Port : 17799</a:t>
+            </a:r>
+          </a:p>
+        </p:txBody>
+      </p:sp>
+      <p:cxnSp>
+        <p:nvCxnSpPr>
+          <p:cNvPr id="20" name="Straight Connector 19">
+            <a:extLst>
+              <a:ext uri="{FF2B5EF4-FFF2-40B4-BE49-F238E27FC236}">
+                <a16:creationId xmlns:a16="http://schemas.microsoft.com/office/drawing/2014/main" id="{9F5149F6-F902-49A6-8D1B-94A014F4E5CE}"/>
+              </a:ext>
+            </a:extLst>
+          </p:cNvPr>
+          <p:cNvCxnSpPr>
+            <a:endCxn id="15" idx="1"/>
+          </p:cNvCxnSpPr>
+          <p:nvPr/>
+        </p:nvCxnSpPr>
+        <p:spPr>
+          <a:xfrm flipV="1">
+            <a:off x="457200" y="3429000"/>
+            <a:ext cx="1304077" cy="31172"/>
+          </a:xfrm>
+          <a:prstGeom prst="line">
+            <a:avLst/>
+          </a:prstGeom>
+        </p:spPr>
+        <p:style>
+          <a:lnRef idx="1">
+            <a:schemeClr val="accent1"/>
+          </a:lnRef>
+          <a:fillRef idx="0">
+            <a:schemeClr val="accent1"/>
+          </a:fillRef>
+          <a:effectRef idx="0">
+            <a:schemeClr val="accent1"/>
+          </a:effectRef>
+          <a:fontRef idx="minor">
+            <a:schemeClr val="tx1"/>
+          </a:fontRef>
+        </p:style>
+      </p:cxnSp>
+      <p:sp>
+        <p:nvSpPr>
+          <p:cNvPr id="21" name="Rectangle 20">
+            <a:extLst>
+              <a:ext uri="{FF2B5EF4-FFF2-40B4-BE49-F238E27FC236}">
+                <a16:creationId xmlns:a16="http://schemas.microsoft.com/office/drawing/2014/main" id="{E3E714BD-ABB4-4DD5-9C87-A415A68A7C2F}"/>
+              </a:ext>
+            </a:extLst>
+          </p:cNvPr>
+          <p:cNvSpPr/>
+          <p:nvPr/>
+        </p:nvSpPr>
+        <p:spPr>
+          <a:xfrm>
+            <a:off x="135082" y="3018105"/>
+            <a:ext cx="644236" cy="955963"/>
+          </a:xfrm>
+          <a:prstGeom prst="rect">
+            <a:avLst/>
+          </a:prstGeom>
+        </p:spPr>
+        <p:style>
+          <a:lnRef idx="2">
+            <a:schemeClr val="accent4">
+              <a:shade val="50000"/>
+            </a:schemeClr>
+          </a:lnRef>
+          <a:fillRef idx="1">
+            <a:schemeClr val="accent4"/>
+          </a:fillRef>
+          <a:effectRef idx="0">
+            <a:schemeClr val="accent4"/>
+          </a:effectRef>
+          <a:fontRef idx="minor">
+            <a:schemeClr val="lt1"/>
+          </a:fontRef>
+        </p:style>
+        <p:txBody>
+          <a:bodyPr rtlCol="0" anchor="ctr"/>
+          <a:lstStyle/>
+          <a:p>
+            <a:pPr algn="ctr"/>
+            <a:endParaRPr lang="en-IN"/>
+          </a:p>
+        </p:txBody>
+      </p:sp>
+    </p:spTree>
+    <p:extLst>
+      <p:ext uri="{BB962C8B-B14F-4D97-AF65-F5344CB8AC3E}">
+        <p14:creationId xmlns:p14="http://schemas.microsoft.com/office/powerpoint/2010/main" val="1330334620"/>
+      </p:ext>
+    </p:extLst>
+  </p:cSld>
+  <p:clrMapOvr>
+    <a:masterClrMapping/>
+  </p:clrMapOvr>
+</p:sld>
+</file>
+
+<file path=ppt/slides/slide98.xml><?xml version="1.0" encoding="utf-8"?>
+<p:sld xmlns:a="http://schemas.openxmlformats.org/drawingml/2006/main" xmlns:r="http://schemas.openxmlformats.org/officeDocument/2006/relationships" xmlns:p="http://schemas.openxmlformats.org/presentationml/2006/main">
+  <p:cSld>
+    <p:spTree>
+      <p:nvGrpSpPr>
+        <p:cNvPr id="1" name=""/>
+        <p:cNvGrpSpPr/>
+        <p:nvPr/>
+      </p:nvGrpSpPr>
+      <p:grpSpPr>
+        <a:xfrm>
+          <a:off x="0" y="0"/>
+          <a:ext cx="0" cy="0"/>
+          <a:chOff x="0" y="0"/>
+          <a:chExt cx="0" cy="0"/>
+        </a:xfrm>
+      </p:grpSpPr>
+      <p:sp>
+        <p:nvSpPr>
+          <p:cNvPr id="2" name="Title 1">
+            <a:extLst>
+              <a:ext uri="{FF2B5EF4-FFF2-40B4-BE49-F238E27FC236}">
+                <a16:creationId xmlns:a16="http://schemas.microsoft.com/office/drawing/2014/main" id="{BC97B0DE-3F89-4F26-87ED-44305B6C9C06}"/>
+              </a:ext>
+            </a:extLst>
+          </p:cNvPr>
+          <p:cNvSpPr>
+            <a:spLocks noGrp="1"/>
+          </p:cNvSpPr>
+          <p:nvPr>
+            <p:ph type="title"/>
+          </p:nvPr>
+        </p:nvSpPr>
+        <p:spPr/>
+        <p:txBody>
+          <a:bodyPr/>
+          <a:lstStyle/>
+          <a:p>
+            <a:r>
+              <a:rPr lang="en-IN" b="1" dirty="0">
+                <a:solidFill>
+                  <a:srgbClr val="FF0000"/>
+                </a:solidFill>
+              </a:rPr>
+              <a:t>Redis Cluster</a:t>
+            </a:r>
+            <a:endParaRPr lang="en-IN" dirty="0"/>
+          </a:p>
+        </p:txBody>
+      </p:sp>
+      <p:sp>
+        <p:nvSpPr>
+          <p:cNvPr id="3" name="Content Placeholder 2">
+            <a:extLst>
+              <a:ext uri="{FF2B5EF4-FFF2-40B4-BE49-F238E27FC236}">
+                <a16:creationId xmlns:a16="http://schemas.microsoft.com/office/drawing/2014/main" id="{15D073EF-CF7B-4E96-A54F-0F2260139E2D}"/>
+              </a:ext>
+            </a:extLst>
+          </p:cNvPr>
+          <p:cNvSpPr>
+            <a:spLocks noGrp="1"/>
+          </p:cNvSpPr>
+          <p:nvPr>
+            <p:ph idx="1"/>
+          </p:nvPr>
+        </p:nvSpPr>
+        <p:spPr/>
+        <p:txBody>
+          <a:bodyPr>
+            <a:normAutofit/>
+          </a:bodyPr>
+          <a:lstStyle/>
+          <a:p>
+            <a:r>
+              <a:rPr lang="en-US" sz="2400" b="0" i="0" u="none" strike="noStrike" baseline="0" dirty="0">
+                <a:solidFill>
+                  <a:srgbClr val="000000"/>
+                </a:solidFill>
+                <a:latin typeface="Book Antiqua" panose="02040602050305030304" pitchFamily="18" charset="0"/>
+              </a:rPr>
+              <a:t>The Redis Cluster bus uses a binary protocol to exchange messages between nodes.</a:t>
+            </a:r>
+          </a:p>
+          <a:p>
+            <a:r>
+              <a:rPr lang="en-US" sz="2400" b="0" i="0" u="none" strike="noStrike" baseline="0" dirty="0">
+                <a:solidFill>
+                  <a:srgbClr val="000000"/>
+                </a:solidFill>
+                <a:latin typeface="Book Antiqua" panose="02040602050305030304" pitchFamily="18" charset="0"/>
+              </a:rPr>
+              <a:t>The low port is specified in the configuration, and Redis assigns the high port by adding 10,000 to the low port. For example, if a Redis server starts listening to port 6379 (low port) in cluster mode, it will internally assign port </a:t>
+            </a:r>
+            <a:r>
+              <a:rPr lang="en-US" sz="2400" b="0" i="1" u="none" strike="noStrike" baseline="0" dirty="0">
+                <a:solidFill>
+                  <a:srgbClr val="000000"/>
+                </a:solidFill>
+                <a:latin typeface="Book Antiqua" panose="02040602050305030304" pitchFamily="18" charset="0"/>
+              </a:rPr>
+              <a:t>16379 </a:t>
+            </a:r>
+            <a:r>
+              <a:rPr lang="en-US" sz="2400" b="0" i="0" u="none" strike="noStrike" baseline="0" dirty="0">
+                <a:solidFill>
+                  <a:srgbClr val="000000"/>
+                </a:solidFill>
+                <a:latin typeface="Book Antiqua" panose="02040602050305030304" pitchFamily="18" charset="0"/>
+              </a:rPr>
+              <a:t>(high port) for node-to-node communication.</a:t>
+            </a:r>
+            <a:endParaRPr lang="en-US" sz="2400" dirty="0">
+              <a:solidFill>
+                <a:srgbClr val="000000"/>
+              </a:solidFill>
+              <a:latin typeface="Book Antiqua" panose="02040602050305030304" pitchFamily="18" charset="0"/>
+            </a:endParaRPr>
+          </a:p>
+          <a:p>
+            <a:r>
+              <a:rPr lang="en-US" sz="2400" b="0" i="0" u="none" strike="noStrike" baseline="0" dirty="0">
+                <a:solidFill>
+                  <a:srgbClr val="000000"/>
+                </a:solidFill>
+                <a:latin typeface="Book Antiqua" panose="02040602050305030304" pitchFamily="18" charset="0"/>
+              </a:rPr>
+              <a:t>The Redis Cluster topology is a full mesh network. All nodes are interconnected through </a:t>
+            </a:r>
+            <a:r>
+              <a:rPr lang="en-US" sz="2400" b="1" i="0" u="none" strike="noStrike" baseline="0" dirty="0">
+                <a:solidFill>
+                  <a:srgbClr val="000000"/>
+                </a:solidFill>
+                <a:latin typeface="Book Antiqua" panose="02040602050305030304" pitchFamily="18" charset="0"/>
+              </a:rPr>
+              <a:t>Transmission Control Protocol </a:t>
+            </a:r>
+            <a:r>
+              <a:rPr lang="en-US" sz="2400" b="0" i="0" u="none" strike="noStrike" baseline="0" dirty="0">
+                <a:solidFill>
+                  <a:srgbClr val="000000"/>
+                </a:solidFill>
+                <a:latin typeface="Book Antiqua" panose="02040602050305030304" pitchFamily="18" charset="0"/>
+              </a:rPr>
+              <a:t>(</a:t>
+            </a:r>
+            <a:r>
+              <a:rPr lang="en-US" sz="2400" b="1" i="0" u="none" strike="noStrike" baseline="0" dirty="0">
+                <a:solidFill>
+                  <a:srgbClr val="000000"/>
+                </a:solidFill>
+                <a:latin typeface="Book Antiqua" panose="02040602050305030304" pitchFamily="18" charset="0"/>
+              </a:rPr>
+              <a:t>TCP</a:t>
+            </a:r>
+            <a:r>
+              <a:rPr lang="en-US" sz="2400" b="0" i="0" u="none" strike="noStrike" baseline="0" dirty="0">
+                <a:solidFill>
+                  <a:srgbClr val="000000"/>
+                </a:solidFill>
+                <a:latin typeface="Book Antiqua" panose="02040602050305030304" pitchFamily="18" charset="0"/>
+              </a:rPr>
+              <a:t>) connections</a:t>
+            </a:r>
+          </a:p>
+          <a:p>
+            <a:r>
+              <a:rPr lang="en-US" sz="2400" b="0" i="0" u="none" strike="noStrike" baseline="0" dirty="0">
+                <a:solidFill>
+                  <a:srgbClr val="000000"/>
+                </a:solidFill>
+                <a:latin typeface="Book Antiqua" panose="02040602050305030304" pitchFamily="18" charset="0"/>
+              </a:rPr>
+              <a:t>Redis Cluster requires at least three masters, as shown in the following figure, to be considered healthy. All data is sharded across the masters and replicated to the slaves</a:t>
+            </a:r>
+            <a:endParaRPr lang="en-US" sz="6000" b="0" i="0" u="none" strike="noStrike" baseline="0" dirty="0">
+              <a:solidFill>
+                <a:srgbClr val="000000"/>
+              </a:solidFill>
+              <a:latin typeface="Book Antiqua" panose="02040602050305030304" pitchFamily="18" charset="0"/>
+            </a:endParaRPr>
+          </a:p>
+        </p:txBody>
+      </p:sp>
+    </p:spTree>
+    <p:extLst>
+      <p:ext uri="{BB962C8B-B14F-4D97-AF65-F5344CB8AC3E}">
+        <p14:creationId xmlns:p14="http://schemas.microsoft.com/office/powerpoint/2010/main" val="1585575127"/>
+      </p:ext>
+    </p:extLst>
+  </p:cSld>
+  <p:clrMapOvr>
+    <a:masterClrMapping/>
+  </p:clrMapOvr>
+</p:sld>
+</file>
+
+<file path=ppt/slides/slide99.xml><?xml version="1.0" encoding="utf-8"?>
+<p:sld xmlns:a="http://schemas.openxmlformats.org/drawingml/2006/main" xmlns:r="http://schemas.openxmlformats.org/officeDocument/2006/relationships" xmlns:p="http://schemas.openxmlformats.org/presentationml/2006/main">
+  <p:cSld>
+    <p:spTree>
+      <p:nvGrpSpPr>
+        <p:cNvPr id="1" name=""/>
+        <p:cNvGrpSpPr/>
+        <p:nvPr/>
+      </p:nvGrpSpPr>
+      <p:grpSpPr>
+        <a:xfrm>
+          <a:off x="0" y="0"/>
+          <a:ext cx="0" cy="0"/>
+          <a:chOff x="0" y="0"/>
+          <a:chExt cx="0" cy="0"/>
+        </a:xfrm>
+      </p:grpSpPr>
+      <p:sp>
+        <p:nvSpPr>
+          <p:cNvPr id="2" name="Title 1">
+            <a:extLst>
+              <a:ext uri="{FF2B5EF4-FFF2-40B4-BE49-F238E27FC236}">
+                <a16:creationId xmlns:a16="http://schemas.microsoft.com/office/drawing/2014/main" id="{E690A51C-5092-4B72-9244-AEFC1EC6A882}"/>
+              </a:ext>
+            </a:extLst>
+          </p:cNvPr>
+          <p:cNvSpPr>
+            <a:spLocks noGrp="1"/>
+          </p:cNvSpPr>
+          <p:nvPr>
+            <p:ph type="title"/>
+          </p:nvPr>
+        </p:nvSpPr>
+        <p:spPr/>
+        <p:txBody>
+          <a:bodyPr/>
+          <a:lstStyle/>
+          <a:p>
+            <a:r>
+              <a:rPr lang="en-IN" dirty="0"/>
+              <a:t>Hash slots</a:t>
+            </a:r>
+          </a:p>
+        </p:txBody>
+      </p:sp>
+      <p:sp>
+        <p:nvSpPr>
+          <p:cNvPr id="3" name="Content Placeholder 2">
+            <a:extLst>
+              <a:ext uri="{FF2B5EF4-FFF2-40B4-BE49-F238E27FC236}">
+                <a16:creationId xmlns:a16="http://schemas.microsoft.com/office/drawing/2014/main" id="{836EDCAC-F090-4686-BC75-5EE024865317}"/>
+              </a:ext>
+            </a:extLst>
+          </p:cNvPr>
+          <p:cNvSpPr>
+            <a:spLocks noGrp="1"/>
+          </p:cNvSpPr>
+          <p:nvPr>
+            <p:ph idx="1"/>
+          </p:nvPr>
+        </p:nvSpPr>
+        <p:spPr>
+          <a:xfrm>
+            <a:off x="838200" y="1690688"/>
+            <a:ext cx="10515600" cy="4486275"/>
+          </a:xfrm>
+        </p:spPr>
+        <p:txBody>
+          <a:bodyPr>
+            <a:normAutofit lnSpcReduction="10000"/>
+          </a:bodyPr>
+          <a:lstStyle/>
+          <a:p>
+            <a:r>
+              <a:rPr lang="en-US" dirty="0"/>
+              <a:t>The partitioning method used to shard data by Redis Cluster is similar to the hash partitioning but the method is always applied on top of a fixed value. </a:t>
+            </a:r>
+          </a:p>
+          <a:p>
+            <a:r>
+              <a:rPr lang="en-US" dirty="0"/>
+              <a:t>In Redis Cluster, that fixed value is 16,384. Redis calls this method hash slot. </a:t>
+            </a:r>
+          </a:p>
+          <a:p>
+            <a:r>
+              <a:rPr lang="en-US" dirty="0"/>
+              <a:t>Each master in a cluster owns a portion of the 16,384 slots.</a:t>
+            </a:r>
+          </a:p>
+          <a:p>
+            <a:r>
+              <a:rPr lang="en-US" dirty="0"/>
+              <a:t>The hash slot is found by using the CRC-16 hash function to convert the key into an integer, and then calculating modulo 16,384 of that integer. The following pseudocode illustrates how a hash slot is calculated for a given key:</a:t>
+            </a:r>
+          </a:p>
+          <a:p>
+            <a:pPr marL="0" indent="0">
+              <a:buNone/>
+            </a:pPr>
+            <a:r>
+              <a:rPr lang="en-US" dirty="0"/>
+              <a:t>HASH_SLOT = CRC16(key) mod 16384</a:t>
+            </a:r>
+            <a:endParaRPr lang="en-IN" dirty="0"/>
+          </a:p>
+        </p:txBody>
+      </p:sp>
+    </p:spTree>
+    <p:extLst>
+      <p:ext uri="{BB962C8B-B14F-4D97-AF65-F5344CB8AC3E}">
+        <p14:creationId xmlns:p14="http://schemas.microsoft.com/office/powerpoint/2010/main" val="3278419631"/>
       </p:ext>
     </p:extLst>
   </p:cSld>
